--- a/content/ch/02/figures/ConstructDesignsRe tangles.pptx
+++ b/content/ch/02/figures/ConstructDesignsRe tangles.pptx
@@ -8978,70 +8978,6 @@
           </p:sp>
         </p:grpSp>
       </p:grpSp>
-      <p:sp>
-        <p:nvSpPr>
-          <p:cNvPr id="75" name="TextBox 74">
-            <a:extLst>
-              <a:ext uri="{FF2B5EF4-FFF2-40B4-BE49-F238E27FC236}">
-                <a16:creationId xmlns:a16="http://schemas.microsoft.com/office/drawing/2014/main" id="{22C13932-87A9-2149-B131-EACCFE47A691}"/>
-              </a:ext>
-            </a:extLst>
-          </p:cNvPr>
-          <p:cNvSpPr txBox="1"/>
-          <p:nvPr/>
-        </p:nvSpPr>
-        <p:spPr>
-          <a:xfrm>
-            <a:off x="1866378" y="5661764"/>
-            <a:ext cx="184731" cy="369332"/>
-          </a:xfrm>
-          <a:prstGeom prst="rect">
-            <a:avLst/>
-          </a:prstGeom>
-          <a:noFill/>
-        </p:spPr>
-        <p:txBody>
-          <a:bodyPr wrap="none" rtlCol="0">
-            <a:spAutoFit/>
-          </a:bodyPr>
-          <a:lstStyle/>
-          <a:p>
-            <a:endParaRPr lang="en-US" dirty="0"/>
-          </a:p>
-        </p:txBody>
-      </p:sp>
-      <p:sp>
-        <p:nvSpPr>
-          <p:cNvPr id="76" name="TextBox 75">
-            <a:extLst>
-              <a:ext uri="{FF2B5EF4-FFF2-40B4-BE49-F238E27FC236}">
-                <a16:creationId xmlns:a16="http://schemas.microsoft.com/office/drawing/2014/main" id="{7D5769D8-AC68-3E44-ABAC-B1B91451984E}"/>
-              </a:ext>
-            </a:extLst>
-          </p:cNvPr>
-          <p:cNvSpPr txBox="1"/>
-          <p:nvPr/>
-        </p:nvSpPr>
-        <p:spPr>
-          <a:xfrm>
-            <a:off x="1114816" y="5348614"/>
-            <a:ext cx="184731" cy="369332"/>
-          </a:xfrm>
-          <a:prstGeom prst="rect">
-            <a:avLst/>
-          </a:prstGeom>
-          <a:noFill/>
-        </p:spPr>
-        <p:txBody>
-          <a:bodyPr wrap="none" rtlCol="0">
-            <a:spAutoFit/>
-          </a:bodyPr>
-          <a:lstStyle/>
-          <a:p>
-            <a:endParaRPr lang="en-US" dirty="0"/>
-          </a:p>
-        </p:txBody>
-      </p:sp>
     </p:spTree>
     <p:extLst>
       <p:ext uri="{BB962C8B-B14F-4D97-AF65-F5344CB8AC3E}">

--- a/content/ch/02/figures/ConstructDesignsRe tangles.pptx
+++ b/content/ch/02/figures/ConstructDesignsRe tangles.pptx
@@ -109,6 +109,11 @@
       </a:defRPr>
     </a:lvl9pPr>
   </p:defaultTextStyle>
+  <p:extLst>
+    <p:ext uri="{EFAFB233-063F-42B5-8137-9DF3F51BA10A}">
+      <p15:sldGuideLst xmlns:p15="http://schemas.microsoft.com/office/powerpoint/2012/main"/>
+    </p:ext>
+  </p:extLst>
 </p:presentation>
 </file>
 
@@ -259,7 +264,7 @@
           <a:p>
             <a:fld id="{08D14936-A317-C74A-B579-B4EA1F1F7A8E}" type="datetimeFigureOut">
               <a:rPr lang="en-US" smtClean="0"/>
-              <a:t>1/4/23</a:t>
+              <a:t>4/24/23</a:t>
             </a:fld>
             <a:endParaRPr lang="en-US"/>
           </a:p>
@@ -457,7 +462,7 @@
           <a:p>
             <a:fld id="{08D14936-A317-C74A-B579-B4EA1F1F7A8E}" type="datetimeFigureOut">
               <a:rPr lang="en-US" smtClean="0"/>
-              <a:t>1/4/23</a:t>
+              <a:t>4/24/23</a:t>
             </a:fld>
             <a:endParaRPr lang="en-US"/>
           </a:p>
@@ -665,7 +670,7 @@
           <a:p>
             <a:fld id="{08D14936-A317-C74A-B579-B4EA1F1F7A8E}" type="datetimeFigureOut">
               <a:rPr lang="en-US" smtClean="0"/>
-              <a:t>1/4/23</a:t>
+              <a:t>4/24/23</a:t>
             </a:fld>
             <a:endParaRPr lang="en-US"/>
           </a:p>
@@ -863,7 +868,7 @@
           <a:p>
             <a:fld id="{08D14936-A317-C74A-B579-B4EA1F1F7A8E}" type="datetimeFigureOut">
               <a:rPr lang="en-US" smtClean="0"/>
-              <a:t>1/4/23</a:t>
+              <a:t>4/24/23</a:t>
             </a:fld>
             <a:endParaRPr lang="en-US"/>
           </a:p>
@@ -1138,7 +1143,7 @@
           <a:p>
             <a:fld id="{08D14936-A317-C74A-B579-B4EA1F1F7A8E}" type="datetimeFigureOut">
               <a:rPr lang="en-US" smtClean="0"/>
-              <a:t>1/4/23</a:t>
+              <a:t>4/24/23</a:t>
             </a:fld>
             <a:endParaRPr lang="en-US"/>
           </a:p>
@@ -1403,7 +1408,7 @@
           <a:p>
             <a:fld id="{08D14936-A317-C74A-B579-B4EA1F1F7A8E}" type="datetimeFigureOut">
               <a:rPr lang="en-US" smtClean="0"/>
-              <a:t>1/4/23</a:t>
+              <a:t>4/24/23</a:t>
             </a:fld>
             <a:endParaRPr lang="en-US"/>
           </a:p>
@@ -1815,7 +1820,7 @@
           <a:p>
             <a:fld id="{08D14936-A317-C74A-B579-B4EA1F1F7A8E}" type="datetimeFigureOut">
               <a:rPr lang="en-US" smtClean="0"/>
-              <a:t>1/4/23</a:t>
+              <a:t>4/24/23</a:t>
             </a:fld>
             <a:endParaRPr lang="en-US"/>
           </a:p>
@@ -1956,7 +1961,7 @@
           <a:p>
             <a:fld id="{08D14936-A317-C74A-B579-B4EA1F1F7A8E}" type="datetimeFigureOut">
               <a:rPr lang="en-US" smtClean="0"/>
-              <a:t>1/4/23</a:t>
+              <a:t>4/24/23</a:t>
             </a:fld>
             <a:endParaRPr lang="en-US"/>
           </a:p>
@@ -2069,7 +2074,7 @@
           <a:p>
             <a:fld id="{08D14936-A317-C74A-B579-B4EA1F1F7A8E}" type="datetimeFigureOut">
               <a:rPr lang="en-US" smtClean="0"/>
-              <a:t>1/4/23</a:t>
+              <a:t>4/24/23</a:t>
             </a:fld>
             <a:endParaRPr lang="en-US"/>
           </a:p>
@@ -2380,7 +2385,7 @@
           <a:p>
             <a:fld id="{08D14936-A317-C74A-B579-B4EA1F1F7A8E}" type="datetimeFigureOut">
               <a:rPr lang="en-US" smtClean="0"/>
-              <a:t>1/4/23</a:t>
+              <a:t>4/24/23</a:t>
             </a:fld>
             <a:endParaRPr lang="en-US"/>
           </a:p>
@@ -2668,7 +2673,7 @@
           <a:p>
             <a:fld id="{08D14936-A317-C74A-B579-B4EA1F1F7A8E}" type="datetimeFigureOut">
               <a:rPr lang="en-US" smtClean="0"/>
-              <a:t>1/4/23</a:t>
+              <a:t>4/24/23</a:t>
             </a:fld>
             <a:endParaRPr lang="en-US"/>
           </a:p>
@@ -2909,7 +2914,7 @@
           <a:p>
             <a:fld id="{08D14936-A317-C74A-B579-B4EA1F1F7A8E}" type="datetimeFigureOut">
               <a:rPr lang="en-US" smtClean="0"/>
-              <a:t>1/4/23</a:t>
+              <a:t>4/24/23</a:t>
             </a:fld>
             <a:endParaRPr lang="en-US"/>
           </a:p>
@@ -3370,10 +3375,10 @@
         </p:nvGrpSpPr>
         <p:grpSpPr>
           <a:xfrm>
-            <a:off x="2542783" y="1929008"/>
-            <a:ext cx="7329814" cy="2939545"/>
-            <a:chOff x="2542783" y="1929008"/>
-            <a:chExt cx="7329814" cy="2939545"/>
+            <a:off x="2494657" y="1929008"/>
+            <a:ext cx="7377940" cy="2939545"/>
+            <a:chOff x="2494657" y="1929008"/>
+            <a:chExt cx="7377940" cy="2939545"/>
           </a:xfrm>
         </p:grpSpPr>
         <p:grpSp>
@@ -3390,10 +3395,10 @@
           </p:nvGrpSpPr>
           <p:grpSpPr>
             <a:xfrm>
-              <a:off x="2542783" y="1929008"/>
-              <a:ext cx="5763819" cy="2891645"/>
-              <a:chOff x="2542783" y="1929008"/>
-              <a:chExt cx="5763819" cy="2891645"/>
+              <a:off x="2494657" y="1929008"/>
+              <a:ext cx="5811945" cy="2891645"/>
+              <a:chOff x="2494657" y="1929008"/>
+              <a:chExt cx="5811945" cy="2891645"/>
             </a:xfrm>
           </p:grpSpPr>
           <p:sp>
@@ -3616,8 +3621,8 @@
             </p:nvSpPr>
             <p:spPr>
               <a:xfrm>
-                <a:off x="2542783" y="3171172"/>
-                <a:ext cx="1315233" cy="1200329"/>
+                <a:off x="2494657" y="2940166"/>
+                <a:ext cx="1315233" cy="1569660"/>
               </a:xfrm>
               <a:prstGeom prst="rect">
                 <a:avLst/>
@@ -3629,6 +3634,12 @@
                 <a:spAutoFit/>
               </a:bodyPr>
               <a:lstStyle/>
+              <a:p>
+                <a:r>
+                  <a:rPr lang="en-US" sz="2400" dirty="0"/>
+                  <a:t>Already</a:t>
+                </a:r>
+              </a:p>
               <a:p>
                 <a:r>
                   <a:rPr lang="en-US" sz="2400" dirty="0"/>
@@ -3783,10 +3794,10 @@
         </p:nvGrpSpPr>
         <p:grpSpPr>
           <a:xfrm>
-            <a:off x="2693095" y="926928"/>
-            <a:ext cx="6352784" cy="3885704"/>
-            <a:chOff x="2693095" y="926928"/>
-            <a:chExt cx="6352784" cy="3885704"/>
+            <a:off x="2899600" y="926928"/>
+            <a:ext cx="5695760" cy="3192685"/>
+            <a:chOff x="2916455" y="926928"/>
+            <a:chExt cx="6160657" cy="3885704"/>
           </a:xfrm>
         </p:grpSpPr>
         <p:sp>
@@ -4068,7 +4079,7 @@
           </p:nvSpPr>
           <p:spPr>
             <a:xfrm>
-              <a:off x="2693095" y="1540701"/>
+              <a:off x="2995010" y="1189264"/>
               <a:ext cx="1628384" cy="461665"/>
             </a:xfrm>
             <a:prstGeom prst="rect">
@@ -4153,7 +4164,7 @@
           <p:spPr>
             <a:xfrm>
               <a:off x="7730646" y="1144044"/>
-              <a:ext cx="1315233" cy="830997"/>
+              <a:ext cx="1346466" cy="1011377"/>
             </a:xfrm>
             <a:prstGeom prst="rect">
               <a:avLst/>
@@ -4190,8 +4201,8 @@
           </p:nvCxnSpPr>
           <p:spPr>
             <a:xfrm flipH="1">
-              <a:off x="5949863" y="1559543"/>
-              <a:ext cx="1780783" cy="1083449"/>
+              <a:off x="5949864" y="1649733"/>
+              <a:ext cx="1780782" cy="993260"/>
             </a:xfrm>
             <a:prstGeom prst="straightConnector1">
               <a:avLst/>
@@ -4289,9 +4300,9 @@
         <p:grpSpPr>
           <a:xfrm>
             <a:off x="2880964" y="2304790"/>
-            <a:ext cx="7945698" cy="3705719"/>
+            <a:ext cx="8159212" cy="2392339"/>
             <a:chOff x="2880964" y="2304790"/>
-            <a:chExt cx="7945698" cy="3705719"/>
+            <a:chExt cx="8349539" cy="2794886"/>
           </a:xfrm>
         </p:grpSpPr>
         <p:sp>
@@ -4366,9 +4377,9 @@
           <p:grpSpPr>
             <a:xfrm>
               <a:off x="2880964" y="2304790"/>
-              <a:ext cx="7945698" cy="3705719"/>
+              <a:ext cx="8349539" cy="2794886"/>
               <a:chOff x="2880964" y="2304790"/>
-              <a:chExt cx="7945698" cy="3705719"/>
+              <a:chExt cx="8349539" cy="2794886"/>
             </a:xfrm>
           </p:grpSpPr>
           <p:grpSp>
@@ -5126,10 +5137,10 @@
             </p:nvGrpSpPr>
             <p:grpSpPr>
               <a:xfrm>
-                <a:off x="8116869" y="2480154"/>
-                <a:ext cx="2530253" cy="1073166"/>
-                <a:chOff x="6964474" y="3795387"/>
-                <a:chExt cx="2530253" cy="1073166"/>
+                <a:off x="8049023" y="2400909"/>
+                <a:ext cx="2647348" cy="905025"/>
+                <a:chOff x="6896628" y="3716142"/>
+                <a:chExt cx="2647348" cy="905025"/>
               </a:xfrm>
             </p:grpSpPr>
             <p:sp>
@@ -5146,7 +5157,7 @@
               </p:nvSpPr>
               <p:spPr>
                 <a:xfrm>
-                  <a:off x="7753610" y="4037556"/>
+                  <a:off x="7802859" y="3790170"/>
                   <a:ext cx="1741117" cy="830997"/>
                 </a:xfrm>
                 <a:prstGeom prst="rect">
@@ -5190,8 +5201,8 @@
               </p:nvCxnSpPr>
               <p:spPr>
                 <a:xfrm flipH="1" flipV="1">
-                  <a:off x="6964474" y="3795387"/>
-                  <a:ext cx="789136" cy="657668"/>
+                  <a:off x="6896628" y="3716142"/>
+                  <a:ext cx="906232" cy="489527"/>
                 </a:xfrm>
                 <a:prstGeom prst="straightConnector1">
                   <a:avLst/>
@@ -5233,10 +5244,10 @@
             </p:nvGrpSpPr>
             <p:grpSpPr>
               <a:xfrm>
-                <a:off x="8254652" y="4058433"/>
-                <a:ext cx="2229633" cy="1073166"/>
-                <a:chOff x="6964472" y="3795387"/>
-                <a:chExt cx="2229633" cy="1073166"/>
+                <a:off x="8166003" y="3147601"/>
+                <a:ext cx="2229633" cy="1073164"/>
+                <a:chOff x="6875823" y="2884555"/>
+                <a:chExt cx="2229633" cy="1073164"/>
               </a:xfrm>
             </p:grpSpPr>
             <p:sp>
@@ -5253,8 +5264,8 @@
               </p:nvSpPr>
               <p:spPr>
                 <a:xfrm>
-                  <a:off x="7979080" y="4037556"/>
-                  <a:ext cx="1215025" cy="830997"/>
+                  <a:off x="7890431" y="3126723"/>
+                  <a:ext cx="1215025" cy="830996"/>
                 </a:xfrm>
                 <a:prstGeom prst="rect">
                   <a:avLst/>
@@ -5291,7 +5302,7 @@
               </p:nvCxnSpPr>
               <p:spPr>
                 <a:xfrm flipH="1" flipV="1">
-                  <a:off x="6964472" y="3795387"/>
+                  <a:off x="6875823" y="2884555"/>
                   <a:ext cx="1014608" cy="657668"/>
                 </a:xfrm>
                 <a:prstGeom prst="straightConnector1">
@@ -5334,10 +5345,10 @@
             </p:nvGrpSpPr>
             <p:grpSpPr>
               <a:xfrm>
-                <a:off x="7918537" y="4937343"/>
-                <a:ext cx="2908125" cy="1073166"/>
-                <a:chOff x="6964472" y="3795387"/>
-                <a:chExt cx="2908125" cy="1073166"/>
+                <a:off x="8322379" y="4026512"/>
+                <a:ext cx="2908124" cy="1073164"/>
+                <a:chOff x="7368314" y="2884556"/>
+                <a:chExt cx="2908124" cy="1073164"/>
               </a:xfrm>
             </p:grpSpPr>
             <p:sp>
@@ -5354,8 +5365,8 @@
               </p:nvSpPr>
               <p:spPr>
                 <a:xfrm>
-                  <a:off x="7979080" y="4037556"/>
-                  <a:ext cx="1893517" cy="830997"/>
+                  <a:off x="8382921" y="3126724"/>
+                  <a:ext cx="1893517" cy="830996"/>
                 </a:xfrm>
                 <a:prstGeom prst="rect">
                   <a:avLst/>
@@ -5392,8 +5403,8 @@
               </p:nvCxnSpPr>
               <p:spPr>
                 <a:xfrm flipH="1" flipV="1">
-                  <a:off x="6964472" y="3795387"/>
-                  <a:ext cx="1014608" cy="657668"/>
+                  <a:off x="7368314" y="2884556"/>
+                  <a:ext cx="1014608" cy="657669"/>
                 </a:xfrm>
                 <a:prstGeom prst="straightConnector1">
                   <a:avLst/>
@@ -5455,10 +5466,10 @@
       </p:grpSpPr>
       <p:grpSp>
         <p:nvGrpSpPr>
-          <p:cNvPr id="39" name="Group 38">
+          <p:cNvPr id="14" name="Group 13">
             <a:extLst>
               <a:ext uri="{FF2B5EF4-FFF2-40B4-BE49-F238E27FC236}">
-                <a16:creationId xmlns:a16="http://schemas.microsoft.com/office/drawing/2014/main" id="{0844C02D-D2DE-DF45-8A55-AF0FAAB1BA66}"/>
+                <a16:creationId xmlns:a16="http://schemas.microsoft.com/office/drawing/2014/main" id="{66573980-0A96-5A4C-87FE-24B7DE6B2167}"/>
               </a:ext>
             </a:extLst>
           </p:cNvPr>
@@ -5467,53 +5478,18 @@
         </p:nvGrpSpPr>
         <p:grpSpPr>
           <a:xfrm>
-            <a:off x="2605413" y="926926"/>
-            <a:ext cx="5498928" cy="4567556"/>
-            <a:chOff x="2605413" y="926926"/>
-            <a:chExt cx="5498928" cy="4567556"/>
+            <a:off x="2605413" y="965427"/>
+            <a:ext cx="5142925" cy="3129946"/>
+            <a:chOff x="2605413" y="965427"/>
+            <a:chExt cx="5142925" cy="3129946"/>
           </a:xfrm>
         </p:grpSpPr>
-        <p:sp>
-          <p:nvSpPr>
-            <p:cNvPr id="71" name="TextBox 70">
+        <p:grpSp>
+          <p:nvGrpSpPr>
+            <p:cNvPr id="13" name="Group 12">
               <a:extLst>
                 <a:ext uri="{FF2B5EF4-FFF2-40B4-BE49-F238E27FC236}">
-                  <a16:creationId xmlns:a16="http://schemas.microsoft.com/office/drawing/2014/main" id="{3600EE18-6D4E-B848-8E47-FAFF0063FABD}"/>
-                </a:ext>
-              </a:extLst>
-            </p:cNvPr>
-            <p:cNvSpPr txBox="1"/>
-            <p:nvPr/>
-          </p:nvSpPr>
-          <p:spPr>
-            <a:xfrm flipH="1">
-              <a:off x="4359682" y="926926"/>
-              <a:ext cx="1640285" cy="461665"/>
-            </a:xfrm>
-            <a:prstGeom prst="rect">
-              <a:avLst/>
-            </a:prstGeom>
-            <a:noFill/>
-          </p:spPr>
-          <p:txBody>
-            <a:bodyPr wrap="square" rtlCol="0">
-              <a:spAutoFit/>
-            </a:bodyPr>
-            <a:lstStyle/>
-            <a:p>
-              <a:r>
-                <a:rPr lang="en-US" sz="2400" dirty="0"/>
-                <a:t>Instrument</a:t>
-              </a:r>
-            </a:p>
-          </p:txBody>
-        </p:sp>
-        <p:grpSp>
-          <p:nvGrpSpPr>
-            <p:cNvPr id="38" name="Group 37">
-              <a:extLst>
-                <a:ext uri="{FF2B5EF4-FFF2-40B4-BE49-F238E27FC236}">
-                  <a16:creationId xmlns:a16="http://schemas.microsoft.com/office/drawing/2014/main" id="{66D1E021-20B0-A042-8BF5-2AED35942C2D}"/>
+                  <a16:creationId xmlns:a16="http://schemas.microsoft.com/office/drawing/2014/main" id="{9C63536C-82F0-7544-A68F-35AC305ACD4A}"/>
                 </a:ext>
               </a:extLst>
             </p:cNvPr>
@@ -5522,73 +5498,18 @@
           </p:nvGrpSpPr>
           <p:grpSpPr>
             <a:xfrm>
-              <a:off x="2605413" y="1352809"/>
-              <a:ext cx="5498928" cy="3006247"/>
-              <a:chOff x="2605413" y="1352809"/>
-              <a:chExt cx="5498928" cy="3006247"/>
+              <a:off x="2605413" y="965427"/>
+              <a:ext cx="5142925" cy="3129946"/>
+              <a:chOff x="2605413" y="965427"/>
+              <a:chExt cx="5142925" cy="3129946"/>
             </a:xfrm>
           </p:grpSpPr>
-          <p:sp>
-            <p:nvSpPr>
-              <p:cNvPr id="3" name="Oval 2">
+          <p:grpSp>
+            <p:nvGrpSpPr>
+              <p:cNvPr id="39" name="Group 38">
                 <a:extLst>
                   <a:ext uri="{FF2B5EF4-FFF2-40B4-BE49-F238E27FC236}">
-                    <a16:creationId xmlns:a16="http://schemas.microsoft.com/office/drawing/2014/main" id="{C8B4180F-D24F-9241-B917-A2A1AAED664A}"/>
-                  </a:ext>
-                </a:extLst>
-              </p:cNvPr>
-              <p:cNvSpPr/>
-              <p:nvPr/>
-            </p:nvSpPr>
-            <p:spPr>
-              <a:xfrm>
-                <a:off x="2605413" y="1352809"/>
-                <a:ext cx="3018773" cy="3006247"/>
-              </a:xfrm>
-              <a:prstGeom prst="ellipse">
-                <a:avLst/>
-              </a:prstGeom>
-              <a:pattFill prst="wdDnDiag">
-                <a:fgClr>
-                  <a:schemeClr val="tx1"/>
-                </a:fgClr>
-                <a:bgClr>
-                  <a:schemeClr val="bg1"/>
-                </a:bgClr>
-              </a:pattFill>
-              <a:ln w="38100"/>
-            </p:spPr>
-            <p:style>
-              <a:lnRef idx="2">
-                <a:schemeClr val="accent1">
-                  <a:shade val="50000"/>
-                </a:schemeClr>
-              </a:lnRef>
-              <a:fillRef idx="1">
-                <a:schemeClr val="accent1"/>
-              </a:fillRef>
-              <a:effectRef idx="0">
-                <a:schemeClr val="accent1"/>
-              </a:effectRef>
-              <a:fontRef idx="minor">
-                <a:schemeClr val="lt1"/>
-              </a:fontRef>
-            </p:style>
-            <p:txBody>
-              <a:bodyPr rtlCol="0" anchor="ctr"/>
-              <a:lstStyle/>
-              <a:p>
-                <a:pPr algn="ctr"/>
-                <a:endParaRPr lang="en-US" dirty="0"/>
-              </a:p>
-            </p:txBody>
-          </p:sp>
-          <p:grpSp>
-            <p:nvGrpSpPr>
-              <p:cNvPr id="73" name="Group 72">
-                <a:extLst>
-                  <a:ext uri="{FF2B5EF4-FFF2-40B4-BE49-F238E27FC236}">
-                    <a16:creationId xmlns:a16="http://schemas.microsoft.com/office/drawing/2014/main" id="{F1C8A6E1-CE4F-764C-BFDD-4708EABEFA31}"/>
+                    <a16:creationId xmlns:a16="http://schemas.microsoft.com/office/drawing/2014/main" id="{0844C02D-D2DE-DF45-8A55-AF0FAAB1BA66}"/>
                   </a:ext>
                 </a:extLst>
               </p:cNvPr>
@@ -5597,18 +5518,18 @@
             </p:nvGrpSpPr>
             <p:grpSpPr>
               <a:xfrm>
-                <a:off x="5029200" y="1722328"/>
-                <a:ext cx="3075141" cy="1200329"/>
-                <a:chOff x="6642971" y="4739014"/>
-                <a:chExt cx="3075141" cy="1200329"/>
+                <a:off x="2605413" y="965427"/>
+                <a:ext cx="5142925" cy="3129946"/>
+                <a:chOff x="2605413" y="969445"/>
+                <a:chExt cx="5498929" cy="3456561"/>
               </a:xfrm>
             </p:grpSpPr>
             <p:sp>
               <p:nvSpPr>
-                <p:cNvPr id="74" name="TextBox 73">
+                <p:cNvPr id="71" name="TextBox 70">
                   <a:extLst>
                     <a:ext uri="{FF2B5EF4-FFF2-40B4-BE49-F238E27FC236}">
-                      <a16:creationId xmlns:a16="http://schemas.microsoft.com/office/drawing/2014/main" id="{11518F68-157C-DA4A-9EDC-110983DF3DB8}"/>
+                      <a16:creationId xmlns:a16="http://schemas.microsoft.com/office/drawing/2014/main" id="{3600EE18-6D4E-B848-8E47-FAFF0063FABD}"/>
                     </a:ext>
                   </a:extLst>
                 </p:cNvPr>
@@ -5616,9 +5537,9 @@
                 <p:nvPr/>
               </p:nvSpPr>
               <p:spPr>
-                <a:xfrm>
-                  <a:off x="7665930" y="4739014"/>
-                  <a:ext cx="2052182" cy="1200329"/>
+                <a:xfrm flipH="1">
+                  <a:off x="4503763" y="969445"/>
+                  <a:ext cx="1789265" cy="407872"/>
                 </a:xfrm>
                 <a:prstGeom prst="rect">
                   <a:avLst/>
@@ -5632,65 +5553,812 @@
                 <a:lstStyle/>
                 <a:p>
                   <a:r>
-                    <a:rPr lang="en-US" sz="2400" dirty="0"/>
-                    <a:t>Measurements of  CO2 at Mauna Loa</a:t>
+                    <a:rPr lang="en-US" dirty="0"/>
+                    <a:t>Instrument</a:t>
                   </a:r>
                 </a:p>
               </p:txBody>
             </p:sp>
-            <p:cxnSp>
-              <p:nvCxnSpPr>
-                <p:cNvPr id="75" name="Straight Arrow Connector 74">
+            <p:grpSp>
+              <p:nvGrpSpPr>
+                <p:cNvPr id="38" name="Group 37">
                   <a:extLst>
                     <a:ext uri="{FF2B5EF4-FFF2-40B4-BE49-F238E27FC236}">
-                      <a16:creationId xmlns:a16="http://schemas.microsoft.com/office/drawing/2014/main" id="{12C9E8BE-B3CD-F24D-9872-511F13FEF7E1}"/>
+                      <a16:creationId xmlns:a16="http://schemas.microsoft.com/office/drawing/2014/main" id="{66D1E021-20B0-A042-8BF5-2AED35942C2D}"/>
                     </a:ext>
                   </a:extLst>
                 </p:cNvPr>
-                <p:cNvCxnSpPr>
-                  <a:cxnSpLocks/>
-                  <a:stCxn id="74" idx="1"/>
-                  <a:endCxn id="54" idx="6"/>
-                </p:cNvCxnSpPr>
+                <p:cNvGrpSpPr/>
                 <p:nvPr/>
-              </p:nvCxnSpPr>
-              <p:spPr>
-                <a:xfrm flipH="1" flipV="1">
-                  <a:off x="6642971" y="5070956"/>
-                  <a:ext cx="1022959" cy="268223"/>
+              </p:nvGrpSpPr>
+              <p:grpSpPr>
+                <a:xfrm>
+                  <a:off x="2605413" y="1352809"/>
+                  <a:ext cx="5498928" cy="3006247"/>
+                  <a:chOff x="2605413" y="1352809"/>
+                  <a:chExt cx="5498928" cy="3006247"/>
                 </a:xfrm>
-                <a:prstGeom prst="straightConnector1">
-                  <a:avLst/>
-                </a:prstGeom>
-                <a:ln w="38100">
+              </p:grpSpPr>
+              <p:sp>
+                <p:nvSpPr>
+                  <p:cNvPr id="3" name="Oval 2">
+                    <a:extLst>
+                      <a:ext uri="{FF2B5EF4-FFF2-40B4-BE49-F238E27FC236}">
+                        <a16:creationId xmlns:a16="http://schemas.microsoft.com/office/drawing/2014/main" id="{C8B4180F-D24F-9241-B917-A2A1AAED664A}"/>
+                      </a:ext>
+                    </a:extLst>
+                  </p:cNvPr>
+                  <p:cNvSpPr/>
+                  <p:nvPr/>
+                </p:nvSpPr>
+                <p:spPr>
+                  <a:xfrm>
+                    <a:off x="2605413" y="1352809"/>
+                    <a:ext cx="3018773" cy="3006247"/>
+                  </a:xfrm>
+                  <a:prstGeom prst="ellipse">
+                    <a:avLst/>
+                  </a:prstGeom>
+                  <a:pattFill prst="wdDnDiag">
+                    <a:fgClr>
+                      <a:schemeClr val="tx1"/>
+                    </a:fgClr>
+                    <a:bgClr>
+                      <a:schemeClr val="bg1"/>
+                    </a:bgClr>
+                  </a:pattFill>
+                  <a:ln w="38100"/>
+                </p:spPr>
+                <p:style>
+                  <a:lnRef idx="2">
+                    <a:schemeClr val="accent1">
+                      <a:shade val="50000"/>
+                    </a:schemeClr>
+                  </a:lnRef>
+                  <a:fillRef idx="1">
+                    <a:schemeClr val="accent1"/>
+                  </a:fillRef>
+                  <a:effectRef idx="0">
+                    <a:schemeClr val="accent1"/>
+                  </a:effectRef>
+                  <a:fontRef idx="minor">
+                    <a:schemeClr val="lt1"/>
+                  </a:fontRef>
+                </p:style>
+                <p:txBody>
+                  <a:bodyPr rtlCol="0" anchor="ctr"/>
+                  <a:lstStyle/>
+                  <a:p>
+                    <a:pPr algn="ctr"/>
+                    <a:endParaRPr lang="en-US" dirty="0"/>
+                  </a:p>
+                </p:txBody>
+              </p:sp>
+              <p:grpSp>
+                <p:nvGrpSpPr>
+                  <p:cNvPr id="73" name="Group 72">
+                    <a:extLst>
+                      <a:ext uri="{FF2B5EF4-FFF2-40B4-BE49-F238E27FC236}">
+                        <a16:creationId xmlns:a16="http://schemas.microsoft.com/office/drawing/2014/main" id="{F1C8A6E1-CE4F-764C-BFDD-4708EABEFA31}"/>
+                      </a:ext>
+                    </a:extLst>
+                  </p:cNvPr>
+                  <p:cNvGrpSpPr/>
+                  <p:nvPr/>
+                </p:nvGrpSpPr>
+                <p:grpSpPr>
+                  <a:xfrm>
+                    <a:off x="5029199" y="1722328"/>
+                    <a:ext cx="3075142" cy="713777"/>
+                    <a:chOff x="6642970" y="4739014"/>
+                    <a:chExt cx="3075142" cy="713777"/>
+                  </a:xfrm>
+                </p:grpSpPr>
+                <p:sp>
+                  <p:nvSpPr>
+                    <p:cNvPr id="74" name="TextBox 73">
+                      <a:extLst>
+                        <a:ext uri="{FF2B5EF4-FFF2-40B4-BE49-F238E27FC236}">
+                          <a16:creationId xmlns:a16="http://schemas.microsoft.com/office/drawing/2014/main" id="{11518F68-157C-DA4A-9EDC-110983DF3DB8}"/>
+                        </a:ext>
+                      </a:extLst>
+                    </p:cNvPr>
+                    <p:cNvSpPr txBox="1"/>
+                    <p:nvPr/>
+                  </p:nvSpPr>
+                  <p:spPr>
+                    <a:xfrm>
+                      <a:off x="7665930" y="4739014"/>
+                      <a:ext cx="2052182" cy="713777"/>
+                    </a:xfrm>
+                    <a:prstGeom prst="rect">
+                      <a:avLst/>
+                    </a:prstGeom>
+                    <a:noFill/>
+                  </p:spPr>
+                  <p:txBody>
+                    <a:bodyPr wrap="square" rtlCol="0">
+                      <a:spAutoFit/>
+                    </a:bodyPr>
+                    <a:lstStyle/>
+                    <a:p>
+                      <a:r>
+                        <a:rPr lang="en-US" dirty="0"/>
+                        <a:t>Measurements of  CO2 at Mauna Loa</a:t>
+                      </a:r>
+                    </a:p>
+                  </p:txBody>
+                </p:sp>
+                <p:cxnSp>
+                  <p:nvCxnSpPr>
+                    <p:cNvPr id="75" name="Straight Arrow Connector 74">
+                      <a:extLst>
+                        <a:ext uri="{FF2B5EF4-FFF2-40B4-BE49-F238E27FC236}">
+                          <a16:creationId xmlns:a16="http://schemas.microsoft.com/office/drawing/2014/main" id="{12C9E8BE-B3CD-F24D-9872-511F13FEF7E1}"/>
+                        </a:ext>
+                      </a:extLst>
+                    </p:cNvPr>
+                    <p:cNvCxnSpPr>
+                      <a:cxnSpLocks/>
+                      <a:stCxn id="74" idx="1"/>
+                      <a:endCxn id="54" idx="6"/>
+                    </p:cNvCxnSpPr>
+                    <p:nvPr/>
+                  </p:nvCxnSpPr>
+                  <p:spPr>
+                    <a:xfrm flipH="1" flipV="1">
+                      <a:off x="6642970" y="5070957"/>
+                      <a:ext cx="1022960" cy="24946"/>
+                    </a:xfrm>
+                    <a:prstGeom prst="straightConnector1">
+                      <a:avLst/>
+                    </a:prstGeom>
+                    <a:ln w="38100">
+                      <a:solidFill>
+                        <a:schemeClr val="tx1"/>
+                      </a:solidFill>
+                      <a:tailEnd type="triangle"/>
+                    </a:ln>
+                  </p:spPr>
+                  <p:style>
+                    <a:lnRef idx="1">
+                      <a:schemeClr val="accent1"/>
+                    </a:lnRef>
+                    <a:fillRef idx="0">
+                      <a:schemeClr val="accent1"/>
+                    </a:fillRef>
+                    <a:effectRef idx="0">
+                      <a:schemeClr val="accent1"/>
+                    </a:effectRef>
+                    <a:fontRef idx="minor">
+                      <a:schemeClr val="tx1"/>
+                    </a:fontRef>
+                  </p:style>
+                </p:cxnSp>
+              </p:grpSp>
+              <p:cxnSp>
+                <p:nvCxnSpPr>
+                  <p:cNvPr id="76" name="Straight Arrow Connector 75">
+                    <a:extLst>
+                      <a:ext uri="{FF2B5EF4-FFF2-40B4-BE49-F238E27FC236}">
+                        <a16:creationId xmlns:a16="http://schemas.microsoft.com/office/drawing/2014/main" id="{956B263D-318F-9A44-BEF3-2EDE4CF05867}"/>
+                      </a:ext>
+                    </a:extLst>
+                  </p:cNvPr>
+                  <p:cNvCxnSpPr>
+                    <a:cxnSpLocks/>
+                    <a:stCxn id="74" idx="1"/>
+                    <a:endCxn id="50" idx="7"/>
+                  </p:cNvCxnSpPr>
+                  <p:nvPr/>
+                </p:nvCxnSpPr>
+                <p:spPr>
+                  <a:xfrm flipH="1">
+                    <a:off x="4998521" y="2079217"/>
+                    <a:ext cx="1053638" cy="605400"/>
+                  </a:xfrm>
+                  <a:prstGeom prst="straightConnector1">
+                    <a:avLst/>
+                  </a:prstGeom>
+                  <a:ln w="38100">
+                    <a:solidFill>
+                      <a:schemeClr val="tx1"/>
+                    </a:solidFill>
+                    <a:tailEnd type="triangle"/>
+                  </a:ln>
+                </p:spPr>
+                <p:style>
+                  <a:lnRef idx="1">
+                    <a:schemeClr val="accent1"/>
+                  </a:lnRef>
+                  <a:fillRef idx="0">
+                    <a:schemeClr val="accent1"/>
+                  </a:fillRef>
+                  <a:effectRef idx="0">
+                    <a:schemeClr val="accent1"/>
+                  </a:effectRef>
+                  <a:fontRef idx="minor">
+                    <a:schemeClr val="tx1"/>
+                  </a:fontRef>
+                </p:style>
+              </p:cxnSp>
+              <p:sp>
+                <p:nvSpPr>
+                  <p:cNvPr id="47" name="Oval 46">
+                    <a:extLst>
+                      <a:ext uri="{FF2B5EF4-FFF2-40B4-BE49-F238E27FC236}">
+                        <a16:creationId xmlns:a16="http://schemas.microsoft.com/office/drawing/2014/main" id="{6034E060-7F6C-CB46-A9C0-BE4E9A1DADF5}"/>
+                      </a:ext>
+                    </a:extLst>
+                  </p:cNvPr>
+                  <p:cNvSpPr/>
+                  <p:nvPr/>
+                </p:nvSpPr>
+                <p:spPr>
+                  <a:xfrm>
+                    <a:off x="5102270" y="3436309"/>
+                    <a:ext cx="237993" cy="212942"/>
+                  </a:xfrm>
+                  <a:prstGeom prst="ellipse">
+                    <a:avLst/>
+                  </a:prstGeom>
                   <a:solidFill>
+                    <a:schemeClr val="accent2">
+                      <a:alpha val="50000"/>
+                    </a:schemeClr>
+                  </a:solidFill>
+                  <a:ln w="38100"/>
+                </p:spPr>
+                <p:style>
+                  <a:lnRef idx="2">
+                    <a:schemeClr val="accent1">
+                      <a:shade val="50000"/>
+                    </a:schemeClr>
+                  </a:lnRef>
+                  <a:fillRef idx="1">
+                    <a:schemeClr val="accent1"/>
+                  </a:fillRef>
+                  <a:effectRef idx="0">
+                    <a:schemeClr val="accent1"/>
+                  </a:effectRef>
+                  <a:fontRef idx="minor">
+                    <a:schemeClr val="lt1"/>
+                  </a:fontRef>
+                </p:style>
+                <p:txBody>
+                  <a:bodyPr rtlCol="0" anchor="ctr"/>
+                  <a:lstStyle/>
+                  <a:p>
+                    <a:pPr algn="ctr"/>
+                    <a:endParaRPr lang="en-US"/>
+                  </a:p>
+                </p:txBody>
+              </p:sp>
+              <p:sp>
+                <p:nvSpPr>
+                  <p:cNvPr id="48" name="Oval 47">
+                    <a:extLst>
+                      <a:ext uri="{FF2B5EF4-FFF2-40B4-BE49-F238E27FC236}">
+                        <a16:creationId xmlns:a16="http://schemas.microsoft.com/office/drawing/2014/main" id="{4A8908AA-EE53-B747-B778-9AE2CAA45F03}"/>
+                      </a:ext>
+                    </a:extLst>
+                  </p:cNvPr>
+                  <p:cNvSpPr/>
+                  <p:nvPr/>
+                </p:nvSpPr>
+                <p:spPr>
+                  <a:xfrm>
+                    <a:off x="3150298" y="2611678"/>
+                    <a:ext cx="237993" cy="212942"/>
+                  </a:xfrm>
+                  <a:prstGeom prst="ellipse">
+                    <a:avLst/>
+                  </a:prstGeom>
+                  <a:solidFill>
+                    <a:schemeClr val="accent2">
+                      <a:alpha val="50000"/>
+                    </a:schemeClr>
+                  </a:solidFill>
+                  <a:ln w="38100"/>
+                </p:spPr>
+                <p:style>
+                  <a:lnRef idx="2">
+                    <a:schemeClr val="accent1">
+                      <a:shade val="50000"/>
+                    </a:schemeClr>
+                  </a:lnRef>
+                  <a:fillRef idx="1">
+                    <a:schemeClr val="accent1"/>
+                  </a:fillRef>
+                  <a:effectRef idx="0">
+                    <a:schemeClr val="accent1"/>
+                  </a:effectRef>
+                  <a:fontRef idx="minor">
+                    <a:schemeClr val="lt1"/>
+                  </a:fontRef>
+                </p:style>
+                <p:txBody>
+                  <a:bodyPr rtlCol="0" anchor="ctr"/>
+                  <a:lstStyle/>
+                  <a:p>
+                    <a:pPr algn="ctr"/>
+                    <a:endParaRPr lang="en-US"/>
+                  </a:p>
+                </p:txBody>
+              </p:sp>
+              <p:sp>
+                <p:nvSpPr>
+                  <p:cNvPr id="46" name="Oval 45">
+                    <a:extLst>
+                      <a:ext uri="{FF2B5EF4-FFF2-40B4-BE49-F238E27FC236}">
+                        <a16:creationId xmlns:a16="http://schemas.microsoft.com/office/drawing/2014/main" id="{FD35F731-0B6F-4E42-A51A-9EC281648BAF}"/>
+                      </a:ext>
+                    </a:extLst>
+                  </p:cNvPr>
+                  <p:cNvSpPr/>
+                  <p:nvPr/>
+                </p:nvSpPr>
+                <p:spPr>
+                  <a:xfrm rot="2794279">
+                    <a:off x="3797476" y="2908128"/>
+                    <a:ext cx="237993" cy="212942"/>
+                  </a:xfrm>
+                  <a:prstGeom prst="ellipse">
+                    <a:avLst/>
+                  </a:prstGeom>
+                  <a:solidFill>
+                    <a:schemeClr val="accent2">
+                      <a:alpha val="50000"/>
+                    </a:schemeClr>
+                  </a:solidFill>
+                  <a:ln w="38100"/>
+                </p:spPr>
+                <p:style>
+                  <a:lnRef idx="2">
+                    <a:schemeClr val="accent1">
+                      <a:shade val="50000"/>
+                    </a:schemeClr>
+                  </a:lnRef>
+                  <a:fillRef idx="1">
+                    <a:schemeClr val="accent1"/>
+                  </a:fillRef>
+                  <a:effectRef idx="0">
+                    <a:schemeClr val="accent1"/>
+                  </a:effectRef>
+                  <a:fontRef idx="minor">
+                    <a:schemeClr val="lt1"/>
+                  </a:fontRef>
+                </p:style>
+                <p:txBody>
+                  <a:bodyPr rtlCol="0" anchor="ctr"/>
+                  <a:lstStyle/>
+                  <a:p>
+                    <a:pPr algn="ctr"/>
+                    <a:endParaRPr lang="en-US"/>
+                  </a:p>
+                </p:txBody>
+              </p:sp>
+              <p:sp>
+                <p:nvSpPr>
+                  <p:cNvPr id="49" name="Oval 48">
+                    <a:extLst>
+                      <a:ext uri="{FF2B5EF4-FFF2-40B4-BE49-F238E27FC236}">
+                        <a16:creationId xmlns:a16="http://schemas.microsoft.com/office/drawing/2014/main" id="{9997F236-D53A-2A4E-9022-7276E4252EA5}"/>
+                      </a:ext>
+                    </a:extLst>
+                  </p:cNvPr>
+                  <p:cNvSpPr/>
+                  <p:nvPr/>
+                </p:nvSpPr>
+                <p:spPr>
+                  <a:xfrm>
+                    <a:off x="4192046" y="3628374"/>
+                    <a:ext cx="237993" cy="212942"/>
+                  </a:xfrm>
+                  <a:prstGeom prst="ellipse">
+                    <a:avLst/>
+                  </a:prstGeom>
+                  <a:solidFill>
+                    <a:schemeClr val="accent2">
+                      <a:alpha val="50000"/>
+                    </a:schemeClr>
+                  </a:solidFill>
+                  <a:ln w="38100"/>
+                </p:spPr>
+                <p:style>
+                  <a:lnRef idx="2">
+                    <a:schemeClr val="accent1">
+                      <a:shade val="50000"/>
+                    </a:schemeClr>
+                  </a:lnRef>
+                  <a:fillRef idx="1">
+                    <a:schemeClr val="accent1"/>
+                  </a:fillRef>
+                  <a:effectRef idx="0">
+                    <a:schemeClr val="accent1"/>
+                  </a:effectRef>
+                  <a:fontRef idx="minor">
+                    <a:schemeClr val="lt1"/>
+                  </a:fontRef>
+                </p:style>
+                <p:txBody>
+                  <a:bodyPr rtlCol="0" anchor="ctr"/>
+                  <a:lstStyle/>
+                  <a:p>
+                    <a:pPr algn="ctr"/>
+                    <a:endParaRPr lang="en-US" dirty="0"/>
+                  </a:p>
+                </p:txBody>
+              </p:sp>
+              <p:sp>
+                <p:nvSpPr>
+                  <p:cNvPr id="50" name="Oval 49">
+                    <a:extLst>
+                      <a:ext uri="{FF2B5EF4-FFF2-40B4-BE49-F238E27FC236}">
+                        <a16:creationId xmlns:a16="http://schemas.microsoft.com/office/drawing/2014/main" id="{FB341EDB-E9A5-7C40-9440-160A0725D7D7}"/>
+                      </a:ext>
+                    </a:extLst>
+                  </p:cNvPr>
+                  <p:cNvSpPr/>
+                  <p:nvPr/>
+                </p:nvSpPr>
+                <p:spPr>
+                  <a:xfrm>
+                    <a:off x="4795382" y="2653432"/>
+                    <a:ext cx="237993" cy="212942"/>
+                  </a:xfrm>
+                  <a:prstGeom prst="ellipse">
+                    <a:avLst/>
+                  </a:prstGeom>
+                  <a:solidFill>
+                    <a:schemeClr val="accent2">
+                      <a:alpha val="50000"/>
+                    </a:schemeClr>
+                  </a:solidFill>
+                  <a:ln w="38100"/>
+                </p:spPr>
+                <p:style>
+                  <a:lnRef idx="2">
+                    <a:schemeClr val="accent1">
+                      <a:shade val="50000"/>
+                    </a:schemeClr>
+                  </a:lnRef>
+                  <a:fillRef idx="1">
+                    <a:schemeClr val="accent1"/>
+                  </a:fillRef>
+                  <a:effectRef idx="0">
+                    <a:schemeClr val="accent1"/>
+                  </a:effectRef>
+                  <a:fontRef idx="minor">
+                    <a:schemeClr val="lt1"/>
+                  </a:fontRef>
+                </p:style>
+                <p:txBody>
+                  <a:bodyPr rtlCol="0" anchor="ctr"/>
+                  <a:lstStyle/>
+                  <a:p>
+                    <a:pPr algn="ctr"/>
+                    <a:endParaRPr lang="en-US" dirty="0"/>
+                  </a:p>
+                </p:txBody>
+              </p:sp>
+              <p:sp>
+                <p:nvSpPr>
+                  <p:cNvPr id="51" name="Oval 50">
+                    <a:extLst>
+                      <a:ext uri="{FF2B5EF4-FFF2-40B4-BE49-F238E27FC236}">
+                        <a16:creationId xmlns:a16="http://schemas.microsoft.com/office/drawing/2014/main" id="{1BFF399F-6663-B449-9E69-D63AA1BAAE9D}"/>
+                      </a:ext>
+                    </a:extLst>
+                  </p:cNvPr>
+                  <p:cNvSpPr/>
+                  <p:nvPr/>
+                </p:nvSpPr>
+                <p:spPr>
+                  <a:xfrm>
+                    <a:off x="3219191" y="1728593"/>
+                    <a:ext cx="237993" cy="212942"/>
+                  </a:xfrm>
+                  <a:prstGeom prst="ellipse">
+                    <a:avLst/>
+                  </a:prstGeom>
+                  <a:solidFill>
+                    <a:schemeClr val="accent2">
+                      <a:alpha val="50000"/>
+                    </a:schemeClr>
+                  </a:solidFill>
+                  <a:ln w="38100"/>
+                </p:spPr>
+                <p:style>
+                  <a:lnRef idx="2">
+                    <a:schemeClr val="accent1">
+                      <a:shade val="50000"/>
+                    </a:schemeClr>
+                  </a:lnRef>
+                  <a:fillRef idx="1">
+                    <a:schemeClr val="accent1"/>
+                  </a:fillRef>
+                  <a:effectRef idx="0">
+                    <a:schemeClr val="accent1"/>
+                  </a:effectRef>
+                  <a:fontRef idx="minor">
+                    <a:schemeClr val="lt1"/>
+                  </a:fontRef>
+                </p:style>
+                <p:txBody>
+                  <a:bodyPr rtlCol="0" anchor="ctr"/>
+                  <a:lstStyle/>
+                  <a:p>
+                    <a:pPr algn="ctr"/>
+                    <a:endParaRPr lang="en-US"/>
+                  </a:p>
+                </p:txBody>
+              </p:sp>
+              <p:sp>
+                <p:nvSpPr>
+                  <p:cNvPr id="52" name="Oval 51">
+                    <a:extLst>
+                      <a:ext uri="{FF2B5EF4-FFF2-40B4-BE49-F238E27FC236}">
+                        <a16:creationId xmlns:a16="http://schemas.microsoft.com/office/drawing/2014/main" id="{DBB58A25-2C27-8943-8139-3BF73F9D6109}"/>
+                      </a:ext>
+                    </a:extLst>
+                  </p:cNvPr>
+                  <p:cNvSpPr/>
+                  <p:nvPr/>
+                </p:nvSpPr>
+                <p:spPr>
+                  <a:xfrm>
+                    <a:off x="4085575" y="2206670"/>
+                    <a:ext cx="237993" cy="212942"/>
+                  </a:xfrm>
+                  <a:prstGeom prst="ellipse">
+                    <a:avLst/>
+                  </a:prstGeom>
+                  <a:solidFill>
+                    <a:schemeClr val="accent2">
+                      <a:alpha val="50000"/>
+                    </a:schemeClr>
+                  </a:solidFill>
+                  <a:ln w="38100"/>
+                </p:spPr>
+                <p:style>
+                  <a:lnRef idx="2">
+                    <a:schemeClr val="accent1">
+                      <a:shade val="50000"/>
+                    </a:schemeClr>
+                  </a:lnRef>
+                  <a:fillRef idx="1">
+                    <a:schemeClr val="accent1"/>
+                  </a:fillRef>
+                  <a:effectRef idx="0">
+                    <a:schemeClr val="accent1"/>
+                  </a:effectRef>
+                  <a:fontRef idx="minor">
+                    <a:schemeClr val="lt1"/>
+                  </a:fontRef>
+                </p:style>
+                <p:txBody>
+                  <a:bodyPr rtlCol="0" anchor="ctr"/>
+                  <a:lstStyle/>
+                  <a:p>
+                    <a:pPr algn="ctr"/>
+                    <a:endParaRPr lang="en-US"/>
+                  </a:p>
+                </p:txBody>
+              </p:sp>
+              <p:sp>
+                <p:nvSpPr>
+                  <p:cNvPr id="53" name="Oval 52">
+                    <a:extLst>
+                      <a:ext uri="{FF2B5EF4-FFF2-40B4-BE49-F238E27FC236}">
+                        <a16:creationId xmlns:a16="http://schemas.microsoft.com/office/drawing/2014/main" id="{80E6177A-489D-4648-92D3-01968C637903}"/>
+                      </a:ext>
+                    </a:extLst>
+                  </p:cNvPr>
+                  <p:cNvSpPr/>
+                  <p:nvPr/>
+                </p:nvSpPr>
+                <p:spPr>
+                  <a:xfrm>
+                    <a:off x="3073054" y="3348627"/>
+                    <a:ext cx="237993" cy="212942"/>
+                  </a:xfrm>
+                  <a:prstGeom prst="ellipse">
+                    <a:avLst/>
+                  </a:prstGeom>
+                  <a:solidFill>
+                    <a:schemeClr val="accent2">
+                      <a:alpha val="50000"/>
+                    </a:schemeClr>
+                  </a:solidFill>
+                  <a:ln w="38100"/>
+                </p:spPr>
+                <p:style>
+                  <a:lnRef idx="2">
+                    <a:schemeClr val="accent1">
+                      <a:shade val="50000"/>
+                    </a:schemeClr>
+                  </a:lnRef>
+                  <a:fillRef idx="1">
+                    <a:schemeClr val="accent1"/>
+                  </a:fillRef>
+                  <a:effectRef idx="0">
+                    <a:schemeClr val="accent1"/>
+                  </a:effectRef>
+                  <a:fontRef idx="minor">
+                    <a:schemeClr val="lt1"/>
+                  </a:fontRef>
+                </p:style>
+                <p:txBody>
+                  <a:bodyPr rtlCol="0" anchor="ctr"/>
+                  <a:lstStyle/>
+                  <a:p>
+                    <a:pPr algn="ctr"/>
+                    <a:endParaRPr lang="en-US"/>
+                  </a:p>
+                </p:txBody>
+              </p:sp>
+              <p:sp>
+                <p:nvSpPr>
+                  <p:cNvPr id="54" name="Oval 53">
+                    <a:extLst>
+                      <a:ext uri="{FF2B5EF4-FFF2-40B4-BE49-F238E27FC236}">
+                        <a16:creationId xmlns:a16="http://schemas.microsoft.com/office/drawing/2014/main" id="{44265A9B-CB76-3F42-904F-11BFE6C8F62F}"/>
+                      </a:ext>
+                    </a:extLst>
+                  </p:cNvPr>
+                  <p:cNvSpPr/>
+                  <p:nvPr/>
+                </p:nvSpPr>
+                <p:spPr>
+                  <a:xfrm>
+                    <a:off x="4791207" y="1947799"/>
+                    <a:ext cx="237993" cy="212942"/>
+                  </a:xfrm>
+                  <a:prstGeom prst="ellipse">
+                    <a:avLst/>
+                  </a:prstGeom>
+                  <a:solidFill>
+                    <a:schemeClr val="accent2">
+                      <a:alpha val="50000"/>
+                    </a:schemeClr>
+                  </a:solidFill>
+                  <a:ln w="38100"/>
+                </p:spPr>
+                <p:style>
+                  <a:lnRef idx="2">
+                    <a:schemeClr val="accent1">
+                      <a:shade val="50000"/>
+                    </a:schemeClr>
+                  </a:lnRef>
+                  <a:fillRef idx="1">
+                    <a:schemeClr val="accent1"/>
+                  </a:fillRef>
+                  <a:effectRef idx="0">
+                    <a:schemeClr val="accent1"/>
+                  </a:effectRef>
+                  <a:fontRef idx="minor">
+                    <a:schemeClr val="lt1"/>
+                  </a:fontRef>
+                </p:style>
+                <p:txBody>
+                  <a:bodyPr rtlCol="0" anchor="ctr"/>
+                  <a:lstStyle/>
+                  <a:p>
+                    <a:pPr algn="ctr"/>
+                    <a:endParaRPr lang="en-US"/>
+                  </a:p>
+                </p:txBody>
+              </p:sp>
+            </p:grpSp>
+            <p:grpSp>
+              <p:nvGrpSpPr>
+                <p:cNvPr id="55" name="Group 54">
+                  <a:extLst>
+                    <a:ext uri="{FF2B5EF4-FFF2-40B4-BE49-F238E27FC236}">
+                      <a16:creationId xmlns:a16="http://schemas.microsoft.com/office/drawing/2014/main" id="{5339FD88-1867-8B40-AB82-28546F354163}"/>
+                    </a:ext>
+                  </a:extLst>
+                </p:cNvPr>
+                <p:cNvGrpSpPr/>
+                <p:nvPr/>
+              </p:nvGrpSpPr>
+              <p:grpSpPr>
+                <a:xfrm>
+                  <a:off x="4296469" y="2900844"/>
+                  <a:ext cx="3807873" cy="1525162"/>
+                  <a:chOff x="6713995" y="3589775"/>
+                  <a:chExt cx="3807873" cy="1525162"/>
+                </a:xfrm>
+              </p:grpSpPr>
+              <p:cxnSp>
+                <p:nvCxnSpPr>
+                  <p:cNvPr id="72" name="Straight Arrow Connector 71">
+                    <a:extLst>
+                      <a:ext uri="{FF2B5EF4-FFF2-40B4-BE49-F238E27FC236}">
+                        <a16:creationId xmlns:a16="http://schemas.microsoft.com/office/drawing/2014/main" id="{697A2397-6978-844F-A82F-B2A7B98F2CC8}"/>
+                      </a:ext>
+                    </a:extLst>
+                  </p:cNvPr>
+                  <p:cNvCxnSpPr>
+                    <a:cxnSpLocks/>
+                    <a:stCxn id="56" idx="1"/>
+                  </p:cNvCxnSpPr>
+                  <p:nvPr/>
+                </p:nvCxnSpPr>
+                <p:spPr>
+                  <a:xfrm flipH="1" flipV="1">
+                    <a:off x="6713995" y="3589775"/>
+                    <a:ext cx="1157228" cy="1168274"/>
+                  </a:xfrm>
+                  <a:prstGeom prst="straightConnector1">
+                    <a:avLst/>
+                  </a:prstGeom>
+                  <a:ln w="38100">
+                    <a:solidFill>
+                      <a:schemeClr val="tx1"/>
+                    </a:solidFill>
+                    <a:tailEnd type="triangle"/>
+                  </a:ln>
+                </p:spPr>
+                <p:style>
+                  <a:lnRef idx="1">
+                    <a:schemeClr val="accent1"/>
+                  </a:lnRef>
+                  <a:fillRef idx="0">
+                    <a:schemeClr val="accent1"/>
+                  </a:fillRef>
+                  <a:effectRef idx="0">
+                    <a:schemeClr val="accent1"/>
+                  </a:effectRef>
+                  <a:fontRef idx="minor">
                     <a:schemeClr val="tx1"/>
-                  </a:solidFill>
-                  <a:tailEnd type="triangle"/>
-                </a:ln>
-              </p:spPr>
-              <p:style>
-                <a:lnRef idx="1">
-                  <a:schemeClr val="accent1"/>
-                </a:lnRef>
-                <a:fillRef idx="0">
-                  <a:schemeClr val="accent1"/>
-                </a:fillRef>
-                <a:effectRef idx="0">
-                  <a:schemeClr val="accent1"/>
-                </a:effectRef>
-                <a:fontRef idx="minor">
-                  <a:schemeClr val="tx1"/>
-                </a:fontRef>
-              </p:style>
-            </p:cxnSp>
+                  </a:fontRef>
+                </p:style>
+              </p:cxnSp>
+              <p:sp>
+                <p:nvSpPr>
+                  <p:cNvPr id="56" name="TextBox 55">
+                    <a:extLst>
+                      <a:ext uri="{FF2B5EF4-FFF2-40B4-BE49-F238E27FC236}">
+                        <a16:creationId xmlns:a16="http://schemas.microsoft.com/office/drawing/2014/main" id="{1C7E4E0D-1119-BE4B-B4C4-8AD5A3C0172B}"/>
+                      </a:ext>
+                    </a:extLst>
+                  </p:cNvPr>
+                  <p:cNvSpPr txBox="1"/>
+                  <p:nvPr/>
+                </p:nvSpPr>
+                <p:spPr>
+                  <a:xfrm>
+                    <a:off x="7871223" y="4401160"/>
+                    <a:ext cx="2650645" cy="713777"/>
+                  </a:xfrm>
+                  <a:prstGeom prst="rect">
+                    <a:avLst/>
+                  </a:prstGeom>
+                  <a:noFill/>
+                </p:spPr>
+                <p:txBody>
+                  <a:bodyPr wrap="square" rtlCol="0">
+                    <a:spAutoFit/>
+                  </a:bodyPr>
+                  <a:lstStyle/>
+                  <a:p>
+                    <a:r>
+                      <a:rPr lang="en-US" dirty="0"/>
+                      <a:t>True/Typical Background CO2 level at Mauna Loa</a:t>
+                    </a:r>
+                  </a:p>
+                </p:txBody>
+              </p:sp>
+            </p:grpSp>
           </p:grpSp>
           <p:sp>
             <p:nvSpPr>
-              <p:cNvPr id="4" name="Rectangle 3">
+              <p:cNvPr id="7" name="Oval 6">
                 <a:extLst>
                   <a:ext uri="{FF2B5EF4-FFF2-40B4-BE49-F238E27FC236}">
-                    <a16:creationId xmlns:a16="http://schemas.microsoft.com/office/drawing/2014/main" id="{454838CB-1C6B-FD49-A234-BCF63E023A19}"/>
+                    <a16:creationId xmlns:a16="http://schemas.microsoft.com/office/drawing/2014/main" id="{60D3E044-0F73-1F44-BFB9-F92371796855}"/>
                   </a:ext>
                 </a:extLst>
               </p:cNvPr>
@@ -5699,17 +6367,13 @@
             </p:nvSpPr>
             <p:spPr>
               <a:xfrm>
-                <a:off x="3893483" y="2600007"/>
-                <a:ext cx="553255" cy="518973"/>
+                <a:off x="3782727" y="2358188"/>
+                <a:ext cx="500513" cy="462012"/>
               </a:xfrm>
-              <a:prstGeom prst="rect">
+              <a:prstGeom prst="ellipse">
                 <a:avLst/>
               </a:prstGeom>
-              <a:solidFill>
-                <a:schemeClr val="accent1">
-                  <a:alpha val="53000"/>
-                </a:schemeClr>
-              </a:solidFill>
+              <a:noFill/>
               <a:ln w="38100">
                 <a:solidFill>
                   <a:schemeClr val="tx1"/>
@@ -5737,634 +6401,182 @@
               <a:lstStyle/>
               <a:p>
                 <a:pPr algn="ctr"/>
-                <a:endParaRPr lang="en-US" dirty="0"/>
-              </a:p>
-            </p:txBody>
-          </p:sp>
-          <p:cxnSp>
-            <p:nvCxnSpPr>
-              <p:cNvPr id="76" name="Straight Arrow Connector 75">
-                <a:extLst>
-                  <a:ext uri="{FF2B5EF4-FFF2-40B4-BE49-F238E27FC236}">
-                    <a16:creationId xmlns:a16="http://schemas.microsoft.com/office/drawing/2014/main" id="{956B263D-318F-9A44-BEF3-2EDE4CF05867}"/>
-                  </a:ext>
-                </a:extLst>
-              </p:cNvPr>
-              <p:cNvCxnSpPr>
-                <a:cxnSpLocks/>
-                <a:stCxn id="74" idx="1"/>
-                <a:endCxn id="50" idx="7"/>
-              </p:cNvCxnSpPr>
-              <p:nvPr/>
-            </p:nvCxnSpPr>
-            <p:spPr>
-              <a:xfrm flipH="1">
-                <a:off x="4998522" y="2322493"/>
-                <a:ext cx="1053637" cy="362124"/>
-              </a:xfrm>
-              <a:prstGeom prst="straightConnector1">
-                <a:avLst/>
-              </a:prstGeom>
-              <a:ln w="38100">
-                <a:solidFill>
-                  <a:schemeClr val="tx1"/>
-                </a:solidFill>
-                <a:tailEnd type="triangle"/>
-              </a:ln>
-            </p:spPr>
-            <p:style>
-              <a:lnRef idx="1">
-                <a:schemeClr val="accent1"/>
-              </a:lnRef>
-              <a:fillRef idx="0">
-                <a:schemeClr val="accent1"/>
-              </a:fillRef>
-              <a:effectRef idx="0">
-                <a:schemeClr val="accent1"/>
-              </a:effectRef>
-              <a:fontRef idx="minor">
-                <a:schemeClr val="tx1"/>
-              </a:fontRef>
-            </p:style>
-          </p:cxnSp>
-          <p:sp>
-            <p:nvSpPr>
-              <p:cNvPr id="47" name="Oval 46">
-                <a:extLst>
-                  <a:ext uri="{FF2B5EF4-FFF2-40B4-BE49-F238E27FC236}">
-                    <a16:creationId xmlns:a16="http://schemas.microsoft.com/office/drawing/2014/main" id="{6034E060-7F6C-CB46-A9C0-BE4E9A1DADF5}"/>
-                  </a:ext>
-                </a:extLst>
-              </p:cNvPr>
-              <p:cNvSpPr/>
-              <p:nvPr/>
-            </p:nvSpPr>
-            <p:spPr>
-              <a:xfrm>
-                <a:off x="5102270" y="3436309"/>
-                <a:ext cx="237993" cy="212942"/>
-              </a:xfrm>
-              <a:prstGeom prst="ellipse">
-                <a:avLst/>
-              </a:prstGeom>
-              <a:solidFill>
-                <a:schemeClr val="accent2">
-                  <a:alpha val="50000"/>
-                </a:schemeClr>
-              </a:solidFill>
-              <a:ln w="38100"/>
-            </p:spPr>
-            <p:style>
-              <a:lnRef idx="2">
-                <a:schemeClr val="accent1">
-                  <a:shade val="50000"/>
-                </a:schemeClr>
-              </a:lnRef>
-              <a:fillRef idx="1">
-                <a:schemeClr val="accent1"/>
-              </a:fillRef>
-              <a:effectRef idx="0">
-                <a:schemeClr val="accent1"/>
-              </a:effectRef>
-              <a:fontRef idx="minor">
-                <a:schemeClr val="lt1"/>
-              </a:fontRef>
-            </p:style>
-            <p:txBody>
-              <a:bodyPr rtlCol="0" anchor="ctr"/>
-              <a:lstStyle/>
-              <a:p>
-                <a:pPr algn="ctr"/>
-                <a:endParaRPr lang="en-US"/>
-              </a:p>
-            </p:txBody>
-          </p:sp>
-          <p:sp>
-            <p:nvSpPr>
-              <p:cNvPr id="48" name="Oval 47">
-                <a:extLst>
-                  <a:ext uri="{FF2B5EF4-FFF2-40B4-BE49-F238E27FC236}">
-                    <a16:creationId xmlns:a16="http://schemas.microsoft.com/office/drawing/2014/main" id="{4A8908AA-EE53-B747-B778-9AE2CAA45F03}"/>
-                  </a:ext>
-                </a:extLst>
-              </p:cNvPr>
-              <p:cNvSpPr/>
-              <p:nvPr/>
-            </p:nvSpPr>
-            <p:spPr>
-              <a:xfrm>
-                <a:off x="3150298" y="2611678"/>
-                <a:ext cx="237993" cy="212942"/>
-              </a:xfrm>
-              <a:prstGeom prst="ellipse">
-                <a:avLst/>
-              </a:prstGeom>
-              <a:solidFill>
-                <a:schemeClr val="accent2">
-                  <a:alpha val="50000"/>
-                </a:schemeClr>
-              </a:solidFill>
-              <a:ln w="38100"/>
-            </p:spPr>
-            <p:style>
-              <a:lnRef idx="2">
-                <a:schemeClr val="accent1">
-                  <a:shade val="50000"/>
-                </a:schemeClr>
-              </a:lnRef>
-              <a:fillRef idx="1">
-                <a:schemeClr val="accent1"/>
-              </a:fillRef>
-              <a:effectRef idx="0">
-                <a:schemeClr val="accent1"/>
-              </a:effectRef>
-              <a:fontRef idx="minor">
-                <a:schemeClr val="lt1"/>
-              </a:fontRef>
-            </p:style>
-            <p:txBody>
-              <a:bodyPr rtlCol="0" anchor="ctr"/>
-              <a:lstStyle/>
-              <a:p>
-                <a:pPr algn="ctr"/>
-                <a:endParaRPr lang="en-US"/>
-              </a:p>
-            </p:txBody>
-          </p:sp>
-          <p:sp>
-            <p:nvSpPr>
-              <p:cNvPr id="46" name="Oval 45">
-                <a:extLst>
-                  <a:ext uri="{FF2B5EF4-FFF2-40B4-BE49-F238E27FC236}">
-                    <a16:creationId xmlns:a16="http://schemas.microsoft.com/office/drawing/2014/main" id="{FD35F731-0B6F-4E42-A51A-9EC281648BAF}"/>
-                  </a:ext>
-                </a:extLst>
-              </p:cNvPr>
-              <p:cNvSpPr/>
-              <p:nvPr/>
-            </p:nvSpPr>
-            <p:spPr>
-              <a:xfrm rot="2794279">
-                <a:off x="3797476" y="2908128"/>
-                <a:ext cx="237993" cy="212942"/>
-              </a:xfrm>
-              <a:prstGeom prst="ellipse">
-                <a:avLst/>
-              </a:prstGeom>
-              <a:solidFill>
-                <a:schemeClr val="accent2">
-                  <a:alpha val="50000"/>
-                </a:schemeClr>
-              </a:solidFill>
-              <a:ln w="38100"/>
-            </p:spPr>
-            <p:style>
-              <a:lnRef idx="2">
-                <a:schemeClr val="accent1">
-                  <a:shade val="50000"/>
-                </a:schemeClr>
-              </a:lnRef>
-              <a:fillRef idx="1">
-                <a:schemeClr val="accent1"/>
-              </a:fillRef>
-              <a:effectRef idx="0">
-                <a:schemeClr val="accent1"/>
-              </a:effectRef>
-              <a:fontRef idx="minor">
-                <a:schemeClr val="lt1"/>
-              </a:fontRef>
-            </p:style>
-            <p:txBody>
-              <a:bodyPr rtlCol="0" anchor="ctr"/>
-              <a:lstStyle/>
-              <a:p>
-                <a:pPr algn="ctr"/>
-                <a:endParaRPr lang="en-US"/>
-              </a:p>
-            </p:txBody>
-          </p:sp>
-          <p:sp>
-            <p:nvSpPr>
-              <p:cNvPr id="49" name="Oval 48">
-                <a:extLst>
-                  <a:ext uri="{FF2B5EF4-FFF2-40B4-BE49-F238E27FC236}">
-                    <a16:creationId xmlns:a16="http://schemas.microsoft.com/office/drawing/2014/main" id="{9997F236-D53A-2A4E-9022-7276E4252EA5}"/>
-                  </a:ext>
-                </a:extLst>
-              </p:cNvPr>
-              <p:cNvSpPr/>
-              <p:nvPr/>
-            </p:nvSpPr>
-            <p:spPr>
-              <a:xfrm>
-                <a:off x="4192046" y="3628374"/>
-                <a:ext cx="237993" cy="212942"/>
-              </a:xfrm>
-              <a:prstGeom prst="ellipse">
-                <a:avLst/>
-              </a:prstGeom>
-              <a:solidFill>
-                <a:schemeClr val="accent2">
-                  <a:alpha val="50000"/>
-                </a:schemeClr>
-              </a:solidFill>
-              <a:ln w="38100"/>
-            </p:spPr>
-            <p:style>
-              <a:lnRef idx="2">
-                <a:schemeClr val="accent1">
-                  <a:shade val="50000"/>
-                </a:schemeClr>
-              </a:lnRef>
-              <a:fillRef idx="1">
-                <a:schemeClr val="accent1"/>
-              </a:fillRef>
-              <a:effectRef idx="0">
-                <a:schemeClr val="accent1"/>
-              </a:effectRef>
-              <a:fontRef idx="minor">
-                <a:schemeClr val="lt1"/>
-              </a:fontRef>
-            </p:style>
-            <p:txBody>
-              <a:bodyPr rtlCol="0" anchor="ctr"/>
-              <a:lstStyle/>
-              <a:p>
-                <a:pPr algn="ctr"/>
-                <a:endParaRPr lang="en-US" dirty="0"/>
-              </a:p>
-            </p:txBody>
-          </p:sp>
-          <p:sp>
-            <p:nvSpPr>
-              <p:cNvPr id="50" name="Oval 49">
-                <a:extLst>
-                  <a:ext uri="{FF2B5EF4-FFF2-40B4-BE49-F238E27FC236}">
-                    <a16:creationId xmlns:a16="http://schemas.microsoft.com/office/drawing/2014/main" id="{FB341EDB-E9A5-7C40-9440-160A0725D7D7}"/>
-                  </a:ext>
-                </a:extLst>
-              </p:cNvPr>
-              <p:cNvSpPr/>
-              <p:nvPr/>
-            </p:nvSpPr>
-            <p:spPr>
-              <a:xfrm>
-                <a:off x="4795382" y="2653432"/>
-                <a:ext cx="237993" cy="212942"/>
-              </a:xfrm>
-              <a:prstGeom prst="ellipse">
-                <a:avLst/>
-              </a:prstGeom>
-              <a:solidFill>
-                <a:schemeClr val="accent2">
-                  <a:alpha val="50000"/>
-                </a:schemeClr>
-              </a:solidFill>
-              <a:ln w="38100"/>
-            </p:spPr>
-            <p:style>
-              <a:lnRef idx="2">
-                <a:schemeClr val="accent1">
-                  <a:shade val="50000"/>
-                </a:schemeClr>
-              </a:lnRef>
-              <a:fillRef idx="1">
-                <a:schemeClr val="accent1"/>
-              </a:fillRef>
-              <a:effectRef idx="0">
-                <a:schemeClr val="accent1"/>
-              </a:effectRef>
-              <a:fontRef idx="minor">
-                <a:schemeClr val="lt1"/>
-              </a:fontRef>
-            </p:style>
-            <p:txBody>
-              <a:bodyPr rtlCol="0" anchor="ctr"/>
-              <a:lstStyle/>
-              <a:p>
-                <a:pPr algn="ctr"/>
-                <a:endParaRPr lang="en-US" dirty="0"/>
-              </a:p>
-            </p:txBody>
-          </p:sp>
-          <p:sp>
-            <p:nvSpPr>
-              <p:cNvPr id="51" name="Oval 50">
-                <a:extLst>
-                  <a:ext uri="{FF2B5EF4-FFF2-40B4-BE49-F238E27FC236}">
-                    <a16:creationId xmlns:a16="http://schemas.microsoft.com/office/drawing/2014/main" id="{1BFF399F-6663-B449-9E69-D63AA1BAAE9D}"/>
-                  </a:ext>
-                </a:extLst>
-              </p:cNvPr>
-              <p:cNvSpPr/>
-              <p:nvPr/>
-            </p:nvSpPr>
-            <p:spPr>
-              <a:xfrm>
-                <a:off x="3219191" y="1728593"/>
-                <a:ext cx="237993" cy="212942"/>
-              </a:xfrm>
-              <a:prstGeom prst="ellipse">
-                <a:avLst/>
-              </a:prstGeom>
-              <a:solidFill>
-                <a:schemeClr val="accent2">
-                  <a:alpha val="50000"/>
-                </a:schemeClr>
-              </a:solidFill>
-              <a:ln w="38100"/>
-            </p:spPr>
-            <p:style>
-              <a:lnRef idx="2">
-                <a:schemeClr val="accent1">
-                  <a:shade val="50000"/>
-                </a:schemeClr>
-              </a:lnRef>
-              <a:fillRef idx="1">
-                <a:schemeClr val="accent1"/>
-              </a:fillRef>
-              <a:effectRef idx="0">
-                <a:schemeClr val="accent1"/>
-              </a:effectRef>
-              <a:fontRef idx="minor">
-                <a:schemeClr val="lt1"/>
-              </a:fontRef>
-            </p:style>
-            <p:txBody>
-              <a:bodyPr rtlCol="0" anchor="ctr"/>
-              <a:lstStyle/>
-              <a:p>
-                <a:pPr algn="ctr"/>
-                <a:endParaRPr lang="en-US"/>
-              </a:p>
-            </p:txBody>
-          </p:sp>
-          <p:sp>
-            <p:nvSpPr>
-              <p:cNvPr id="52" name="Oval 51">
-                <a:extLst>
-                  <a:ext uri="{FF2B5EF4-FFF2-40B4-BE49-F238E27FC236}">
-                    <a16:creationId xmlns:a16="http://schemas.microsoft.com/office/drawing/2014/main" id="{DBB58A25-2C27-8943-8139-3BF73F9D6109}"/>
-                  </a:ext>
-                </a:extLst>
-              </p:cNvPr>
-              <p:cNvSpPr/>
-              <p:nvPr/>
-            </p:nvSpPr>
-            <p:spPr>
-              <a:xfrm>
-                <a:off x="4085575" y="2206670"/>
-                <a:ext cx="237993" cy="212942"/>
-              </a:xfrm>
-              <a:prstGeom prst="ellipse">
-                <a:avLst/>
-              </a:prstGeom>
-              <a:solidFill>
-                <a:schemeClr val="accent2">
-                  <a:alpha val="50000"/>
-                </a:schemeClr>
-              </a:solidFill>
-              <a:ln w="38100"/>
-            </p:spPr>
-            <p:style>
-              <a:lnRef idx="2">
-                <a:schemeClr val="accent1">
-                  <a:shade val="50000"/>
-                </a:schemeClr>
-              </a:lnRef>
-              <a:fillRef idx="1">
-                <a:schemeClr val="accent1"/>
-              </a:fillRef>
-              <a:effectRef idx="0">
-                <a:schemeClr val="accent1"/>
-              </a:effectRef>
-              <a:fontRef idx="minor">
-                <a:schemeClr val="lt1"/>
-              </a:fontRef>
-            </p:style>
-            <p:txBody>
-              <a:bodyPr rtlCol="0" anchor="ctr"/>
-              <a:lstStyle/>
-              <a:p>
-                <a:pPr algn="ctr"/>
-                <a:endParaRPr lang="en-US"/>
-              </a:p>
-            </p:txBody>
-          </p:sp>
-          <p:sp>
-            <p:nvSpPr>
-              <p:cNvPr id="53" name="Oval 52">
-                <a:extLst>
-                  <a:ext uri="{FF2B5EF4-FFF2-40B4-BE49-F238E27FC236}">
-                    <a16:creationId xmlns:a16="http://schemas.microsoft.com/office/drawing/2014/main" id="{80E6177A-489D-4648-92D3-01968C637903}"/>
-                  </a:ext>
-                </a:extLst>
-              </p:cNvPr>
-              <p:cNvSpPr/>
-              <p:nvPr/>
-            </p:nvSpPr>
-            <p:spPr>
-              <a:xfrm>
-                <a:off x="3073054" y="3348627"/>
-                <a:ext cx="237993" cy="212942"/>
-              </a:xfrm>
-              <a:prstGeom prst="ellipse">
-                <a:avLst/>
-              </a:prstGeom>
-              <a:solidFill>
-                <a:schemeClr val="accent2">
-                  <a:alpha val="50000"/>
-                </a:schemeClr>
-              </a:solidFill>
-              <a:ln w="38100"/>
-            </p:spPr>
-            <p:style>
-              <a:lnRef idx="2">
-                <a:schemeClr val="accent1">
-                  <a:shade val="50000"/>
-                </a:schemeClr>
-              </a:lnRef>
-              <a:fillRef idx="1">
-                <a:schemeClr val="accent1"/>
-              </a:fillRef>
-              <a:effectRef idx="0">
-                <a:schemeClr val="accent1"/>
-              </a:effectRef>
-              <a:fontRef idx="minor">
-                <a:schemeClr val="lt1"/>
-              </a:fontRef>
-            </p:style>
-            <p:txBody>
-              <a:bodyPr rtlCol="0" anchor="ctr"/>
-              <a:lstStyle/>
-              <a:p>
-                <a:pPr algn="ctr"/>
-                <a:endParaRPr lang="en-US"/>
-              </a:p>
-            </p:txBody>
-          </p:sp>
-          <p:sp>
-            <p:nvSpPr>
-              <p:cNvPr id="54" name="Oval 53">
-                <a:extLst>
-                  <a:ext uri="{FF2B5EF4-FFF2-40B4-BE49-F238E27FC236}">
-                    <a16:creationId xmlns:a16="http://schemas.microsoft.com/office/drawing/2014/main" id="{44265A9B-CB76-3F42-904F-11BFE6C8F62F}"/>
-                  </a:ext>
-                </a:extLst>
-              </p:cNvPr>
-              <p:cNvSpPr/>
-              <p:nvPr/>
-            </p:nvSpPr>
-            <p:spPr>
-              <a:xfrm>
-                <a:off x="4791207" y="1947799"/>
-                <a:ext cx="237993" cy="212942"/>
-              </a:xfrm>
-              <a:prstGeom prst="ellipse">
-                <a:avLst/>
-              </a:prstGeom>
-              <a:solidFill>
-                <a:schemeClr val="accent2">
-                  <a:alpha val="50000"/>
-                </a:schemeClr>
-              </a:solidFill>
-              <a:ln w="38100"/>
-            </p:spPr>
-            <p:style>
-              <a:lnRef idx="2">
-                <a:schemeClr val="accent1">
-                  <a:shade val="50000"/>
-                </a:schemeClr>
-              </a:lnRef>
-              <a:fillRef idx="1">
-                <a:schemeClr val="accent1"/>
-              </a:fillRef>
-              <a:effectRef idx="0">
-                <a:schemeClr val="accent1"/>
-              </a:effectRef>
-              <a:fontRef idx="minor">
-                <a:schemeClr val="lt1"/>
-              </a:fontRef>
-            </p:style>
-            <p:txBody>
-              <a:bodyPr rtlCol="0" anchor="ctr"/>
-              <a:lstStyle/>
-              <a:p>
-                <a:pPr algn="ctr"/>
                 <a:endParaRPr lang="en-US"/>
               </a:p>
             </p:txBody>
           </p:sp>
         </p:grpSp>
-        <p:grpSp>
-          <p:nvGrpSpPr>
-            <p:cNvPr id="55" name="Group 54">
+        <p:sp>
+          <p:nvSpPr>
+            <p:cNvPr id="8" name="5-Point Star 7">
               <a:extLst>
                 <a:ext uri="{FF2B5EF4-FFF2-40B4-BE49-F238E27FC236}">
-                  <a16:creationId xmlns:a16="http://schemas.microsoft.com/office/drawing/2014/main" id="{5339FD88-1867-8B40-AB82-28546F354163}"/>
+                  <a16:creationId xmlns:a16="http://schemas.microsoft.com/office/drawing/2014/main" id="{433407D9-54C5-704E-BE44-38593A5D7CA1}"/>
                 </a:ext>
               </a:extLst>
             </p:cNvPr>
-            <p:cNvGrpSpPr/>
+            <p:cNvSpPr/>
             <p:nvPr/>
-          </p:nvGrpSpPr>
-          <p:grpSpPr>
+          </p:nvSpPr>
+          <p:spPr>
             <a:xfrm>
-              <a:off x="4221270" y="2906039"/>
-              <a:ext cx="3144033" cy="2588443"/>
-              <a:chOff x="6638796" y="3594970"/>
-              <a:chExt cx="3144033" cy="2588443"/>
+              <a:off x="3801979" y="2358190"/>
+              <a:ext cx="481263" cy="442762"/>
             </a:xfrm>
-          </p:grpSpPr>
-          <p:cxnSp>
-            <p:nvCxnSpPr>
-              <p:cNvPr id="72" name="Straight Arrow Connector 71">
-                <a:extLst>
-                  <a:ext uri="{FF2B5EF4-FFF2-40B4-BE49-F238E27FC236}">
-                    <a16:creationId xmlns:a16="http://schemas.microsoft.com/office/drawing/2014/main" id="{697A2397-6978-844F-A82F-B2A7B98F2CC8}"/>
-                  </a:ext>
-                </a:extLst>
-              </p:cNvPr>
-              <p:cNvCxnSpPr>
-                <a:cxnSpLocks/>
-                <a:stCxn id="56" idx="1"/>
-              </p:cNvCxnSpPr>
-              <p:nvPr/>
-            </p:nvCxnSpPr>
-            <p:spPr>
-              <a:xfrm flipH="1" flipV="1">
-                <a:off x="6638796" y="3594970"/>
-                <a:ext cx="1427966" cy="1803613"/>
-              </a:xfrm>
-              <a:prstGeom prst="straightConnector1">
-                <a:avLst/>
-              </a:prstGeom>
-              <a:ln w="38100">
-                <a:solidFill>
-                  <a:schemeClr val="tx1"/>
-                </a:solidFill>
-                <a:tailEnd type="triangle"/>
-              </a:ln>
-            </p:spPr>
-            <p:style>
-              <a:lnRef idx="1">
-                <a:schemeClr val="accent1"/>
-              </a:lnRef>
-              <a:fillRef idx="0">
-                <a:schemeClr val="accent1"/>
-              </a:fillRef>
-              <a:effectRef idx="0">
-                <a:schemeClr val="accent1"/>
-              </a:effectRef>
-              <a:fontRef idx="minor">
+            <a:prstGeom prst="star5">
+              <a:avLst/>
+            </a:prstGeom>
+            <a:solidFill>
+              <a:schemeClr val="tx1"/>
+            </a:solidFill>
+          </p:spPr>
+          <p:style>
+            <a:lnRef idx="2">
+              <a:schemeClr val="accent1">
+                <a:shade val="50000"/>
+              </a:schemeClr>
+            </a:lnRef>
+            <a:fillRef idx="1">
+              <a:schemeClr val="accent1"/>
+            </a:fillRef>
+            <a:effectRef idx="0">
+              <a:schemeClr val="accent1"/>
+            </a:effectRef>
+            <a:fontRef idx="minor">
+              <a:schemeClr val="lt1"/>
+            </a:fontRef>
+          </p:style>
+          <p:txBody>
+            <a:bodyPr rtlCol="0" anchor="ctr"/>
+            <a:lstStyle/>
+            <a:p>
+              <a:pPr algn="ctr"/>
+              <a:endParaRPr lang="en-US"/>
+            </a:p>
+          </p:txBody>
+        </p:sp>
+      </p:grpSp>
+      <p:grpSp>
+        <p:nvGrpSpPr>
+          <p:cNvPr id="15" name="Group 14">
+            <a:extLst>
+              <a:ext uri="{FF2B5EF4-FFF2-40B4-BE49-F238E27FC236}">
+                <a16:creationId xmlns:a16="http://schemas.microsoft.com/office/drawing/2014/main" id="{E1B2C3A9-0DFC-1C49-ABF2-063D7759A76E}"/>
+              </a:ext>
+            </a:extLst>
+          </p:cNvPr>
+          <p:cNvGrpSpPr/>
+          <p:nvPr/>
+        </p:nvGrpSpPr>
+        <p:grpSpPr>
+          <a:xfrm>
+            <a:off x="10124171" y="4272011"/>
+            <a:ext cx="500513" cy="462012"/>
+            <a:chOff x="10124171" y="4272011"/>
+            <a:chExt cx="500513" cy="462012"/>
+          </a:xfrm>
+        </p:grpSpPr>
+        <p:sp>
+          <p:nvSpPr>
+            <p:cNvPr id="34" name="Oval 33">
+              <a:extLst>
+                <a:ext uri="{FF2B5EF4-FFF2-40B4-BE49-F238E27FC236}">
+                  <a16:creationId xmlns:a16="http://schemas.microsoft.com/office/drawing/2014/main" id="{C98825E0-3A83-1E45-B698-A726D4A9E2D6}"/>
+                </a:ext>
+              </a:extLst>
+            </p:cNvPr>
+            <p:cNvSpPr/>
+            <p:nvPr/>
+          </p:nvSpPr>
+          <p:spPr>
+            <a:xfrm>
+              <a:off x="10124171" y="4272011"/>
+              <a:ext cx="500513" cy="462012"/>
+            </a:xfrm>
+            <a:prstGeom prst="ellipse">
+              <a:avLst/>
+            </a:prstGeom>
+            <a:noFill/>
+            <a:ln w="38100">
+              <a:solidFill>
                 <a:schemeClr val="tx1"/>
-              </a:fontRef>
-            </p:style>
-          </p:cxnSp>
-          <p:sp>
-            <p:nvSpPr>
-              <p:cNvPr id="56" name="TextBox 55">
-                <a:extLst>
-                  <a:ext uri="{FF2B5EF4-FFF2-40B4-BE49-F238E27FC236}">
-                    <a16:creationId xmlns:a16="http://schemas.microsoft.com/office/drawing/2014/main" id="{1C7E4E0D-1119-BE4B-B4C4-8AD5A3C0172B}"/>
-                  </a:ext>
-                </a:extLst>
-              </p:cNvPr>
-              <p:cNvSpPr txBox="1"/>
-              <p:nvPr/>
-            </p:nvSpPr>
-            <p:spPr>
-              <a:xfrm>
-                <a:off x="8066762" y="4613753"/>
-                <a:ext cx="1716067" cy="1569660"/>
-              </a:xfrm>
-              <a:prstGeom prst="rect">
-                <a:avLst/>
-              </a:prstGeom>
-              <a:noFill/>
-            </p:spPr>
-            <p:txBody>
-              <a:bodyPr wrap="square" rtlCol="0">
-                <a:spAutoFit/>
-              </a:bodyPr>
-              <a:lstStyle/>
-              <a:p>
-                <a:r>
-                  <a:rPr lang="en-US" sz="2400" dirty="0"/>
-                  <a:t>True/</a:t>
-                </a:r>
-                <a:r>
-                  <a:rPr lang="en-US" sz="2400" dirty="0" err="1"/>
-                  <a:t>TypicalBackground</a:t>
-                </a:r>
-                <a:r>
-                  <a:rPr lang="en-US" sz="2400" dirty="0"/>
-                  <a:t> CO2 level at Mauna Loa</a:t>
-                </a:r>
-              </a:p>
-            </p:txBody>
-          </p:sp>
-        </p:grpSp>
+              </a:solidFill>
+            </a:ln>
+          </p:spPr>
+          <p:style>
+            <a:lnRef idx="2">
+              <a:schemeClr val="accent1">
+                <a:shade val="50000"/>
+              </a:schemeClr>
+            </a:lnRef>
+            <a:fillRef idx="1">
+              <a:schemeClr val="accent1"/>
+            </a:fillRef>
+            <a:effectRef idx="0">
+              <a:schemeClr val="accent1"/>
+            </a:effectRef>
+            <a:fontRef idx="minor">
+              <a:schemeClr val="lt1"/>
+            </a:fontRef>
+          </p:style>
+          <p:txBody>
+            <a:bodyPr rtlCol="0" anchor="ctr"/>
+            <a:lstStyle/>
+            <a:p>
+              <a:pPr algn="ctr"/>
+              <a:endParaRPr lang="en-US"/>
+            </a:p>
+          </p:txBody>
+        </p:sp>
+        <p:sp>
+          <p:nvSpPr>
+            <p:cNvPr id="35" name="5-Point Star 34">
+              <a:extLst>
+                <a:ext uri="{FF2B5EF4-FFF2-40B4-BE49-F238E27FC236}">
+                  <a16:creationId xmlns:a16="http://schemas.microsoft.com/office/drawing/2014/main" id="{CA279A86-D274-6843-B44A-230E00FD6D65}"/>
+                </a:ext>
+              </a:extLst>
+            </p:cNvPr>
+            <p:cNvSpPr/>
+            <p:nvPr/>
+          </p:nvSpPr>
+          <p:spPr>
+            <a:xfrm>
+              <a:off x="10133797" y="4272013"/>
+              <a:ext cx="481263" cy="442762"/>
+            </a:xfrm>
+            <a:prstGeom prst="star5">
+              <a:avLst/>
+            </a:prstGeom>
+            <a:solidFill>
+              <a:schemeClr val="tx1"/>
+            </a:solidFill>
+          </p:spPr>
+          <p:style>
+            <a:lnRef idx="2">
+              <a:schemeClr val="accent1">
+                <a:shade val="50000"/>
+              </a:schemeClr>
+            </a:lnRef>
+            <a:fillRef idx="1">
+              <a:schemeClr val="accent1"/>
+            </a:fillRef>
+            <a:effectRef idx="0">
+              <a:schemeClr val="accent1"/>
+            </a:effectRef>
+            <a:fontRef idx="minor">
+              <a:schemeClr val="lt1"/>
+            </a:fontRef>
+          </p:style>
+          <p:txBody>
+            <a:bodyPr rtlCol="0" anchor="ctr"/>
+            <a:lstStyle/>
+            <a:p>
+              <a:pPr algn="ctr"/>
+              <a:endParaRPr lang="en-US"/>
+            </a:p>
+          </p:txBody>
+        </p:sp>
       </p:grpSp>
     </p:spTree>
     <p:extLst>
@@ -6398,10 +6610,10 @@
       </p:grpSpPr>
       <p:grpSp>
         <p:nvGrpSpPr>
-          <p:cNvPr id="73" name="Group 72">
+          <p:cNvPr id="2" name="Group 1">
             <a:extLst>
               <a:ext uri="{FF2B5EF4-FFF2-40B4-BE49-F238E27FC236}">
-                <a16:creationId xmlns:a16="http://schemas.microsoft.com/office/drawing/2014/main" id="{F45F92D1-2D4A-5840-9403-3314F6026A33}"/>
+                <a16:creationId xmlns:a16="http://schemas.microsoft.com/office/drawing/2014/main" id="{3D8FF71F-AAA0-AC4F-A3E7-DD8EDA41DCAD}"/>
               </a:ext>
             </a:extLst>
           </p:cNvPr>
@@ -6410,88 +6622,18 @@
         </p:nvGrpSpPr>
         <p:grpSpPr>
           <a:xfrm>
-            <a:off x="903963" y="0"/>
-            <a:ext cx="8703500" cy="6728564"/>
-            <a:chOff x="903963" y="0"/>
+            <a:off x="1029091" y="327259"/>
+            <a:ext cx="8182285" cy="6025415"/>
+            <a:chOff x="903963" y="327259"/>
             <a:chExt cx="8703500" cy="6728564"/>
           </a:xfrm>
         </p:grpSpPr>
-        <p:sp>
-          <p:nvSpPr>
-            <p:cNvPr id="68" name="TextBox 67">
+        <p:grpSp>
+          <p:nvGrpSpPr>
+            <p:cNvPr id="73" name="Group 72">
               <a:extLst>
                 <a:ext uri="{FF2B5EF4-FFF2-40B4-BE49-F238E27FC236}">
-                  <a16:creationId xmlns:a16="http://schemas.microsoft.com/office/drawing/2014/main" id="{F2ECEB6B-6B7B-5742-9F6B-12B0B4BFE5F5}"/>
-                </a:ext>
-              </a:extLst>
-            </p:cNvPr>
-            <p:cNvSpPr txBox="1"/>
-            <p:nvPr/>
-          </p:nvSpPr>
-          <p:spPr>
-            <a:xfrm>
-              <a:off x="939453" y="1929009"/>
-              <a:ext cx="1268681" cy="461665"/>
-            </a:xfrm>
-            <a:prstGeom prst="rect">
-              <a:avLst/>
-            </a:prstGeom>
-            <a:noFill/>
-          </p:spPr>
-          <p:txBody>
-            <a:bodyPr wrap="none" rtlCol="0">
-              <a:spAutoFit/>
-            </a:bodyPr>
-            <a:lstStyle/>
-            <a:p>
-              <a:r>
-                <a:rPr lang="en-US" sz="2400" dirty="0"/>
-                <a:t>Low Bias</a:t>
-              </a:r>
-            </a:p>
-          </p:txBody>
-        </p:sp>
-        <p:sp>
-          <p:nvSpPr>
-            <p:cNvPr id="69" name="TextBox 68">
-              <a:extLst>
-                <a:ext uri="{FF2B5EF4-FFF2-40B4-BE49-F238E27FC236}">
-                  <a16:creationId xmlns:a16="http://schemas.microsoft.com/office/drawing/2014/main" id="{7037863B-FA51-074E-AD2C-E7DFACC27215}"/>
-                </a:ext>
-              </a:extLst>
-            </p:cNvPr>
-            <p:cNvSpPr txBox="1"/>
-            <p:nvPr/>
-          </p:nvSpPr>
-          <p:spPr>
-            <a:xfrm>
-              <a:off x="903963" y="4674297"/>
-              <a:ext cx="1327608" cy="461665"/>
-            </a:xfrm>
-            <a:prstGeom prst="rect">
-              <a:avLst/>
-            </a:prstGeom>
-            <a:noFill/>
-          </p:spPr>
-          <p:txBody>
-            <a:bodyPr wrap="none" rtlCol="0">
-              <a:spAutoFit/>
-            </a:bodyPr>
-            <a:lstStyle/>
-            <a:p>
-              <a:r>
-                <a:rPr lang="en-US" sz="2400" dirty="0"/>
-                <a:t>High Bias</a:t>
-              </a:r>
-            </a:p>
-          </p:txBody>
-        </p:sp>
-        <p:grpSp>
-          <p:nvGrpSpPr>
-            <p:cNvPr id="72" name="Group 71">
-              <a:extLst>
-                <a:ext uri="{FF2B5EF4-FFF2-40B4-BE49-F238E27FC236}">
-                  <a16:creationId xmlns:a16="http://schemas.microsoft.com/office/drawing/2014/main" id="{49558143-A0AE-254A-9A2C-F00A85D6AB71}"/>
+                  <a16:creationId xmlns:a16="http://schemas.microsoft.com/office/drawing/2014/main" id="{F45F92D1-2D4A-5840-9403-3314F6026A33}"/>
                 </a:ext>
               </a:extLst>
             </p:cNvPr>
@@ -6500,18 +6642,2376 @@
           </p:nvGrpSpPr>
           <p:grpSpPr>
             <a:xfrm>
-              <a:off x="2281802" y="0"/>
-              <a:ext cx="7325661" cy="6728564"/>
-              <a:chOff x="2281802" y="0"/>
-              <a:chExt cx="7325661" cy="6728564"/>
+              <a:off x="903963" y="327259"/>
+              <a:ext cx="8703500" cy="6728564"/>
+              <a:chOff x="903963" y="0"/>
+              <a:chExt cx="8703500" cy="6728564"/>
             </a:xfrm>
           </p:grpSpPr>
           <p:sp>
             <p:nvSpPr>
-              <p:cNvPr id="3" name="Oval 2">
+              <p:cNvPr id="68" name="TextBox 67">
                 <a:extLst>
                   <a:ext uri="{FF2B5EF4-FFF2-40B4-BE49-F238E27FC236}">
-                    <a16:creationId xmlns:a16="http://schemas.microsoft.com/office/drawing/2014/main" id="{C8B4180F-D24F-9241-B917-A2A1AAED664A}"/>
+                    <a16:creationId xmlns:a16="http://schemas.microsoft.com/office/drawing/2014/main" id="{F2ECEB6B-6B7B-5742-9F6B-12B0B4BFE5F5}"/>
+                  </a:ext>
+                </a:extLst>
+              </p:cNvPr>
+              <p:cNvSpPr txBox="1"/>
+              <p:nvPr/>
+            </p:nvSpPr>
+            <p:spPr>
+              <a:xfrm>
+                <a:off x="939453" y="1929009"/>
+                <a:ext cx="1268681" cy="461665"/>
+              </a:xfrm>
+              <a:prstGeom prst="rect">
+                <a:avLst/>
+              </a:prstGeom>
+              <a:noFill/>
+            </p:spPr>
+            <p:txBody>
+              <a:bodyPr wrap="none" rtlCol="0">
+                <a:spAutoFit/>
+              </a:bodyPr>
+              <a:lstStyle/>
+              <a:p>
+                <a:r>
+                  <a:rPr lang="en-US" sz="2400" dirty="0"/>
+                  <a:t>Low Bias</a:t>
+                </a:r>
+              </a:p>
+            </p:txBody>
+          </p:sp>
+          <p:sp>
+            <p:nvSpPr>
+              <p:cNvPr id="69" name="TextBox 68">
+                <a:extLst>
+                  <a:ext uri="{FF2B5EF4-FFF2-40B4-BE49-F238E27FC236}">
+                    <a16:creationId xmlns:a16="http://schemas.microsoft.com/office/drawing/2014/main" id="{7037863B-FA51-074E-AD2C-E7DFACC27215}"/>
+                  </a:ext>
+                </a:extLst>
+              </p:cNvPr>
+              <p:cNvSpPr txBox="1"/>
+              <p:nvPr/>
+            </p:nvSpPr>
+            <p:spPr>
+              <a:xfrm>
+                <a:off x="903963" y="4674297"/>
+                <a:ext cx="1327608" cy="461665"/>
+              </a:xfrm>
+              <a:prstGeom prst="rect">
+                <a:avLst/>
+              </a:prstGeom>
+              <a:noFill/>
+            </p:spPr>
+            <p:txBody>
+              <a:bodyPr wrap="none" rtlCol="0">
+                <a:spAutoFit/>
+              </a:bodyPr>
+              <a:lstStyle/>
+              <a:p>
+                <a:r>
+                  <a:rPr lang="en-US" sz="2400" dirty="0"/>
+                  <a:t>High Bias</a:t>
+                </a:r>
+              </a:p>
+            </p:txBody>
+          </p:sp>
+          <p:grpSp>
+            <p:nvGrpSpPr>
+              <p:cNvPr id="72" name="Group 71">
+                <a:extLst>
+                  <a:ext uri="{FF2B5EF4-FFF2-40B4-BE49-F238E27FC236}">
+                    <a16:creationId xmlns:a16="http://schemas.microsoft.com/office/drawing/2014/main" id="{49558143-A0AE-254A-9A2C-F00A85D6AB71}"/>
+                  </a:ext>
+                </a:extLst>
+              </p:cNvPr>
+              <p:cNvGrpSpPr/>
+              <p:nvPr/>
+            </p:nvGrpSpPr>
+            <p:grpSpPr>
+              <a:xfrm>
+                <a:off x="2885161" y="0"/>
+                <a:ext cx="6722302" cy="6728564"/>
+                <a:chOff x="2885161" y="0"/>
+                <a:chExt cx="6722302" cy="6728564"/>
+              </a:xfrm>
+            </p:grpSpPr>
+            <p:sp>
+              <p:nvSpPr>
+                <p:cNvPr id="3" name="Oval 2">
+                  <a:extLst>
+                    <a:ext uri="{FF2B5EF4-FFF2-40B4-BE49-F238E27FC236}">
+                      <a16:creationId xmlns:a16="http://schemas.microsoft.com/office/drawing/2014/main" id="{C8B4180F-D24F-9241-B917-A2A1AAED664A}"/>
+                    </a:ext>
+                  </a:extLst>
+                </p:cNvPr>
+                <p:cNvSpPr/>
+                <p:nvPr/>
+              </p:nvSpPr>
+              <p:spPr>
+                <a:xfrm>
+                  <a:off x="6588690" y="475988"/>
+                  <a:ext cx="3018773" cy="3006247"/>
+                </a:xfrm>
+                <a:prstGeom prst="ellipse">
+                  <a:avLst/>
+                </a:prstGeom>
+                <a:pattFill prst="wdDnDiag">
+                  <a:fgClr>
+                    <a:schemeClr val="tx1"/>
+                  </a:fgClr>
+                  <a:bgClr>
+                    <a:schemeClr val="bg1"/>
+                  </a:bgClr>
+                </a:pattFill>
+                <a:ln w="38100"/>
+              </p:spPr>
+              <p:style>
+                <a:lnRef idx="2">
+                  <a:schemeClr val="accent1">
+                    <a:shade val="50000"/>
+                  </a:schemeClr>
+                </a:lnRef>
+                <a:fillRef idx="1">
+                  <a:schemeClr val="accent1"/>
+                </a:fillRef>
+                <a:effectRef idx="0">
+                  <a:schemeClr val="accent1"/>
+                </a:effectRef>
+                <a:fontRef idx="minor">
+                  <a:schemeClr val="lt1"/>
+                </a:fontRef>
+              </p:style>
+              <p:txBody>
+                <a:bodyPr rtlCol="0" anchor="ctr"/>
+                <a:lstStyle/>
+                <a:p>
+                  <a:pPr algn="ctr"/>
+                  <a:endParaRPr lang="en-US"/>
+                </a:p>
+              </p:txBody>
+            </p:sp>
+            <p:sp>
+              <p:nvSpPr>
+                <p:cNvPr id="10" name="Oval 9">
+                  <a:extLst>
+                    <a:ext uri="{FF2B5EF4-FFF2-40B4-BE49-F238E27FC236}">
+                      <a16:creationId xmlns:a16="http://schemas.microsoft.com/office/drawing/2014/main" id="{C3373A0C-6AAA-D24C-A123-1B4D9ADE92EC}"/>
+                    </a:ext>
+                  </a:extLst>
+                </p:cNvPr>
+                <p:cNvSpPr/>
+                <p:nvPr/>
+              </p:nvSpPr>
+              <p:spPr>
+                <a:xfrm>
+                  <a:off x="6452991" y="3722317"/>
+                  <a:ext cx="3018773" cy="3006247"/>
+                </a:xfrm>
+                <a:prstGeom prst="ellipse">
+                  <a:avLst/>
+                </a:prstGeom>
+                <a:pattFill prst="wdDnDiag">
+                  <a:fgClr>
+                    <a:schemeClr val="tx1"/>
+                  </a:fgClr>
+                  <a:bgClr>
+                    <a:schemeClr val="bg1"/>
+                  </a:bgClr>
+                </a:pattFill>
+                <a:ln w="38100"/>
+              </p:spPr>
+              <p:style>
+                <a:lnRef idx="2">
+                  <a:schemeClr val="accent1">
+                    <a:shade val="50000"/>
+                  </a:schemeClr>
+                </a:lnRef>
+                <a:fillRef idx="1">
+                  <a:schemeClr val="accent1"/>
+                </a:fillRef>
+                <a:effectRef idx="0">
+                  <a:schemeClr val="accent1"/>
+                </a:effectRef>
+                <a:fontRef idx="minor">
+                  <a:schemeClr val="lt1"/>
+                </a:fontRef>
+              </p:style>
+              <p:txBody>
+                <a:bodyPr rtlCol="0" anchor="ctr"/>
+                <a:lstStyle/>
+                <a:p>
+                  <a:pPr algn="ctr"/>
+                  <a:endParaRPr lang="en-US"/>
+                </a:p>
+              </p:txBody>
+            </p:sp>
+            <p:sp>
+              <p:nvSpPr>
+                <p:cNvPr id="12" name="Oval 11">
+                  <a:extLst>
+                    <a:ext uri="{FF2B5EF4-FFF2-40B4-BE49-F238E27FC236}">
+                      <a16:creationId xmlns:a16="http://schemas.microsoft.com/office/drawing/2014/main" id="{A426812A-3EC0-B74E-8F68-6D7837C2CFFD}"/>
+                    </a:ext>
+                  </a:extLst>
+                </p:cNvPr>
+                <p:cNvSpPr/>
+                <p:nvPr/>
+              </p:nvSpPr>
+              <p:spPr>
+                <a:xfrm>
+                  <a:off x="2908125" y="1116903"/>
+                  <a:ext cx="1977025" cy="1864291"/>
+                </a:xfrm>
+                <a:prstGeom prst="ellipse">
+                  <a:avLst/>
+                </a:prstGeom>
+                <a:pattFill prst="wdDnDiag">
+                  <a:fgClr>
+                    <a:schemeClr val="tx1"/>
+                  </a:fgClr>
+                  <a:bgClr>
+                    <a:schemeClr val="bg1"/>
+                  </a:bgClr>
+                </a:pattFill>
+                <a:ln w="38100"/>
+              </p:spPr>
+              <p:style>
+                <a:lnRef idx="2">
+                  <a:schemeClr val="accent1">
+                    <a:shade val="50000"/>
+                  </a:schemeClr>
+                </a:lnRef>
+                <a:fillRef idx="1">
+                  <a:schemeClr val="accent1"/>
+                </a:fillRef>
+                <a:effectRef idx="0">
+                  <a:schemeClr val="accent1"/>
+                </a:effectRef>
+                <a:fontRef idx="minor">
+                  <a:schemeClr val="lt1"/>
+                </a:fontRef>
+              </p:style>
+              <p:txBody>
+                <a:bodyPr rtlCol="0" anchor="ctr"/>
+                <a:lstStyle/>
+                <a:p>
+                  <a:pPr algn="ctr"/>
+                  <a:endParaRPr lang="en-US"/>
+                </a:p>
+              </p:txBody>
+            </p:sp>
+            <p:sp>
+              <p:nvSpPr>
+                <p:cNvPr id="13" name="Oval 12">
+                  <a:extLst>
+                    <a:ext uri="{FF2B5EF4-FFF2-40B4-BE49-F238E27FC236}">
+                      <a16:creationId xmlns:a16="http://schemas.microsoft.com/office/drawing/2014/main" id="{885EFE14-4C73-7946-A317-17D92A2CB9CF}"/>
+                    </a:ext>
+                  </a:extLst>
+                </p:cNvPr>
+                <p:cNvSpPr/>
+                <p:nvPr/>
+              </p:nvSpPr>
+              <p:spPr>
+                <a:xfrm>
+                  <a:off x="2885161" y="4062607"/>
+                  <a:ext cx="1977025" cy="1864291"/>
+                </a:xfrm>
+                <a:prstGeom prst="ellipse">
+                  <a:avLst/>
+                </a:prstGeom>
+                <a:pattFill prst="wdDnDiag">
+                  <a:fgClr>
+                    <a:schemeClr val="tx1"/>
+                  </a:fgClr>
+                  <a:bgClr>
+                    <a:schemeClr val="bg1"/>
+                  </a:bgClr>
+                </a:pattFill>
+                <a:ln w="38100"/>
+              </p:spPr>
+              <p:style>
+                <a:lnRef idx="2">
+                  <a:schemeClr val="accent1">
+                    <a:shade val="50000"/>
+                  </a:schemeClr>
+                </a:lnRef>
+                <a:fillRef idx="1">
+                  <a:schemeClr val="accent1"/>
+                </a:fillRef>
+                <a:effectRef idx="0">
+                  <a:schemeClr val="accent1"/>
+                </a:effectRef>
+                <a:fontRef idx="minor">
+                  <a:schemeClr val="lt1"/>
+                </a:fontRef>
+              </p:style>
+              <p:txBody>
+                <a:bodyPr rtlCol="0" anchor="ctr"/>
+                <a:lstStyle/>
+                <a:p>
+                  <a:pPr algn="ctr"/>
+                  <a:endParaRPr lang="en-US"/>
+                </a:p>
+              </p:txBody>
+            </p:sp>
+            <p:grpSp>
+              <p:nvGrpSpPr>
+                <p:cNvPr id="24" name="Group 23">
+                  <a:extLst>
+                    <a:ext uri="{FF2B5EF4-FFF2-40B4-BE49-F238E27FC236}">
+                      <a16:creationId xmlns:a16="http://schemas.microsoft.com/office/drawing/2014/main" id="{F1F60D61-26E4-4549-A3A6-C3BCBAA24317}"/>
+                    </a:ext>
+                  </a:extLst>
+                </p:cNvPr>
+                <p:cNvGrpSpPr/>
+                <p:nvPr/>
+              </p:nvGrpSpPr>
+              <p:grpSpPr>
+                <a:xfrm>
+                  <a:off x="3171173" y="1290182"/>
+                  <a:ext cx="1574103" cy="1459282"/>
+                  <a:chOff x="3058439" y="4058434"/>
+                  <a:chExt cx="1574103" cy="1459282"/>
+                </a:xfrm>
+              </p:grpSpPr>
+              <p:sp>
+                <p:nvSpPr>
+                  <p:cNvPr id="8" name="Oval 7">
+                    <a:extLst>
+                      <a:ext uri="{FF2B5EF4-FFF2-40B4-BE49-F238E27FC236}">
+                        <a16:creationId xmlns:a16="http://schemas.microsoft.com/office/drawing/2014/main" id="{0D6ED903-1935-0D44-B651-ED4C4E4DC138}"/>
+                      </a:ext>
+                    </a:extLst>
+                  </p:cNvPr>
+                  <p:cNvSpPr/>
+                  <p:nvPr/>
+                </p:nvSpPr>
+                <p:spPr>
+                  <a:xfrm>
+                    <a:off x="3206664" y="4446741"/>
+                    <a:ext cx="237993" cy="212942"/>
+                  </a:xfrm>
+                  <a:prstGeom prst="ellipse">
+                    <a:avLst/>
+                  </a:prstGeom>
+                  <a:solidFill>
+                    <a:schemeClr val="accent2">
+                      <a:alpha val="50000"/>
+                    </a:schemeClr>
+                  </a:solidFill>
+                  <a:ln w="38100"/>
+                </p:spPr>
+                <p:style>
+                  <a:lnRef idx="2">
+                    <a:schemeClr val="accent1">
+                      <a:shade val="50000"/>
+                    </a:schemeClr>
+                  </a:lnRef>
+                  <a:fillRef idx="1">
+                    <a:schemeClr val="accent1"/>
+                  </a:fillRef>
+                  <a:effectRef idx="0">
+                    <a:schemeClr val="accent1"/>
+                  </a:effectRef>
+                  <a:fontRef idx="minor">
+                    <a:schemeClr val="lt1"/>
+                  </a:fontRef>
+                </p:style>
+                <p:txBody>
+                  <a:bodyPr rtlCol="0" anchor="ctr"/>
+                  <a:lstStyle/>
+                  <a:p>
+                    <a:pPr algn="ctr"/>
+                    <a:endParaRPr lang="en-US"/>
+                  </a:p>
+                </p:txBody>
+              </p:sp>
+              <p:sp>
+                <p:nvSpPr>
+                  <p:cNvPr id="16" name="Oval 15">
+                    <a:extLst>
+                      <a:ext uri="{FF2B5EF4-FFF2-40B4-BE49-F238E27FC236}">
+                        <a16:creationId xmlns:a16="http://schemas.microsoft.com/office/drawing/2014/main" id="{27BCA0C6-7C0D-3F4D-9D3B-E65CCEDCB345}"/>
+                      </a:ext>
+                    </a:extLst>
+                  </p:cNvPr>
+                  <p:cNvSpPr/>
+                  <p:nvPr/>
+                </p:nvSpPr>
+                <p:spPr>
+                  <a:xfrm>
+                    <a:off x="3058439" y="5050078"/>
+                    <a:ext cx="237993" cy="212942"/>
+                  </a:xfrm>
+                  <a:prstGeom prst="ellipse">
+                    <a:avLst/>
+                  </a:prstGeom>
+                  <a:solidFill>
+                    <a:schemeClr val="accent2">
+                      <a:alpha val="50000"/>
+                    </a:schemeClr>
+                  </a:solidFill>
+                  <a:ln w="38100"/>
+                </p:spPr>
+                <p:style>
+                  <a:lnRef idx="2">
+                    <a:schemeClr val="accent1">
+                      <a:shade val="50000"/>
+                    </a:schemeClr>
+                  </a:lnRef>
+                  <a:fillRef idx="1">
+                    <a:schemeClr val="accent1"/>
+                  </a:fillRef>
+                  <a:effectRef idx="0">
+                    <a:schemeClr val="accent1"/>
+                  </a:effectRef>
+                  <a:fontRef idx="minor">
+                    <a:schemeClr val="lt1"/>
+                  </a:fontRef>
+                </p:style>
+                <p:txBody>
+                  <a:bodyPr rtlCol="0" anchor="ctr"/>
+                  <a:lstStyle/>
+                  <a:p>
+                    <a:pPr algn="ctr"/>
+                    <a:endParaRPr lang="en-US"/>
+                  </a:p>
+                </p:txBody>
+              </p:sp>
+              <p:sp>
+                <p:nvSpPr>
+                  <p:cNvPr id="17" name="Oval 16">
+                    <a:extLst>
+                      <a:ext uri="{FF2B5EF4-FFF2-40B4-BE49-F238E27FC236}">
+                        <a16:creationId xmlns:a16="http://schemas.microsoft.com/office/drawing/2014/main" id="{6E3CD074-68C1-144F-80A1-D3F086154BEB}"/>
+                      </a:ext>
+                    </a:extLst>
+                  </p:cNvPr>
+                  <p:cNvSpPr/>
+                  <p:nvPr/>
+                </p:nvSpPr>
+                <p:spPr>
+                  <a:xfrm>
+                    <a:off x="3511464" y="4751541"/>
+                    <a:ext cx="237993" cy="212942"/>
+                  </a:xfrm>
+                  <a:prstGeom prst="ellipse">
+                    <a:avLst/>
+                  </a:prstGeom>
+                  <a:solidFill>
+                    <a:schemeClr val="accent2">
+                      <a:alpha val="50000"/>
+                    </a:schemeClr>
+                  </a:solidFill>
+                  <a:ln w="38100"/>
+                </p:spPr>
+                <p:style>
+                  <a:lnRef idx="2">
+                    <a:schemeClr val="accent1">
+                      <a:shade val="50000"/>
+                    </a:schemeClr>
+                  </a:lnRef>
+                  <a:fillRef idx="1">
+                    <a:schemeClr val="accent1"/>
+                  </a:fillRef>
+                  <a:effectRef idx="0">
+                    <a:schemeClr val="accent1"/>
+                  </a:effectRef>
+                  <a:fontRef idx="minor">
+                    <a:schemeClr val="lt1"/>
+                  </a:fontRef>
+                </p:style>
+                <p:txBody>
+                  <a:bodyPr rtlCol="0" anchor="ctr"/>
+                  <a:lstStyle/>
+                  <a:p>
+                    <a:pPr algn="ctr"/>
+                    <a:endParaRPr lang="en-US"/>
+                  </a:p>
+                </p:txBody>
+              </p:sp>
+              <p:sp>
+                <p:nvSpPr>
+                  <p:cNvPr id="18" name="Oval 17">
+                    <a:extLst>
+                      <a:ext uri="{FF2B5EF4-FFF2-40B4-BE49-F238E27FC236}">
+                        <a16:creationId xmlns:a16="http://schemas.microsoft.com/office/drawing/2014/main" id="{F3DD1C86-C609-5E4B-BC14-0CA555DC0F6B}"/>
+                      </a:ext>
+                    </a:extLst>
+                  </p:cNvPr>
+                  <p:cNvSpPr/>
+                  <p:nvPr/>
+                </p:nvSpPr>
+                <p:spPr>
+                  <a:xfrm>
+                    <a:off x="3613760" y="5304774"/>
+                    <a:ext cx="237993" cy="212942"/>
+                  </a:xfrm>
+                  <a:prstGeom prst="ellipse">
+                    <a:avLst/>
+                  </a:prstGeom>
+                  <a:solidFill>
+                    <a:schemeClr val="accent2">
+                      <a:alpha val="50000"/>
+                    </a:schemeClr>
+                  </a:solidFill>
+                  <a:ln w="38100"/>
+                </p:spPr>
+                <p:style>
+                  <a:lnRef idx="2">
+                    <a:schemeClr val="accent1">
+                      <a:shade val="50000"/>
+                    </a:schemeClr>
+                  </a:lnRef>
+                  <a:fillRef idx="1">
+                    <a:schemeClr val="accent1"/>
+                  </a:fillRef>
+                  <a:effectRef idx="0">
+                    <a:schemeClr val="accent1"/>
+                  </a:effectRef>
+                  <a:fontRef idx="minor">
+                    <a:schemeClr val="lt1"/>
+                  </a:fontRef>
+                </p:style>
+                <p:txBody>
+                  <a:bodyPr rtlCol="0" anchor="ctr"/>
+                  <a:lstStyle/>
+                  <a:p>
+                    <a:pPr algn="ctr"/>
+                    <a:endParaRPr lang="en-US"/>
+                  </a:p>
+                </p:txBody>
+              </p:sp>
+              <p:sp>
+                <p:nvSpPr>
+                  <p:cNvPr id="19" name="Oval 18">
+                    <a:extLst>
+                      <a:ext uri="{FF2B5EF4-FFF2-40B4-BE49-F238E27FC236}">
+                        <a16:creationId xmlns:a16="http://schemas.microsoft.com/office/drawing/2014/main" id="{1FEBFB60-8B9D-8C45-A691-A1DC40BC6F8B}"/>
+                      </a:ext>
+                    </a:extLst>
+                  </p:cNvPr>
+                  <p:cNvSpPr/>
+                  <p:nvPr/>
+                </p:nvSpPr>
+                <p:spPr>
+                  <a:xfrm>
+                    <a:off x="3891420" y="4680560"/>
+                    <a:ext cx="237993" cy="212942"/>
+                  </a:xfrm>
+                  <a:prstGeom prst="ellipse">
+                    <a:avLst/>
+                  </a:prstGeom>
+                  <a:solidFill>
+                    <a:schemeClr val="accent2">
+                      <a:alpha val="50000"/>
+                    </a:schemeClr>
+                  </a:solidFill>
+                  <a:ln w="38100"/>
+                </p:spPr>
+                <p:style>
+                  <a:lnRef idx="2">
+                    <a:schemeClr val="accent1">
+                      <a:shade val="50000"/>
+                    </a:schemeClr>
+                  </a:lnRef>
+                  <a:fillRef idx="1">
+                    <a:schemeClr val="accent1"/>
+                  </a:fillRef>
+                  <a:effectRef idx="0">
+                    <a:schemeClr val="accent1"/>
+                  </a:effectRef>
+                  <a:fontRef idx="minor">
+                    <a:schemeClr val="lt1"/>
+                  </a:fontRef>
+                </p:style>
+                <p:txBody>
+                  <a:bodyPr rtlCol="0" anchor="ctr"/>
+                  <a:lstStyle/>
+                  <a:p>
+                    <a:pPr algn="ctr"/>
+                    <a:endParaRPr lang="en-US"/>
+                  </a:p>
+                </p:txBody>
+              </p:sp>
+              <p:sp>
+                <p:nvSpPr>
+                  <p:cNvPr id="20" name="Oval 19">
+                    <a:extLst>
+                      <a:ext uri="{FF2B5EF4-FFF2-40B4-BE49-F238E27FC236}">
+                        <a16:creationId xmlns:a16="http://schemas.microsoft.com/office/drawing/2014/main" id="{F5BCEBEA-7B30-4846-BD1E-5C862AD17121}"/>
+                      </a:ext>
+                    </a:extLst>
+                  </p:cNvPr>
+                  <p:cNvSpPr/>
+                  <p:nvPr/>
+                </p:nvSpPr>
+                <p:spPr>
+                  <a:xfrm>
+                    <a:off x="4394549" y="4995798"/>
+                    <a:ext cx="237993" cy="212942"/>
+                  </a:xfrm>
+                  <a:prstGeom prst="ellipse">
+                    <a:avLst/>
+                  </a:prstGeom>
+                  <a:solidFill>
+                    <a:schemeClr val="accent2">
+                      <a:alpha val="50000"/>
+                    </a:schemeClr>
+                  </a:solidFill>
+                  <a:ln w="38100"/>
+                </p:spPr>
+                <p:style>
+                  <a:lnRef idx="2">
+                    <a:schemeClr val="accent1">
+                      <a:shade val="50000"/>
+                    </a:schemeClr>
+                  </a:lnRef>
+                  <a:fillRef idx="1">
+                    <a:schemeClr val="accent1"/>
+                  </a:fillRef>
+                  <a:effectRef idx="0">
+                    <a:schemeClr val="accent1"/>
+                  </a:effectRef>
+                  <a:fontRef idx="minor">
+                    <a:schemeClr val="lt1"/>
+                  </a:fontRef>
+                </p:style>
+                <p:txBody>
+                  <a:bodyPr rtlCol="0" anchor="ctr"/>
+                  <a:lstStyle/>
+                  <a:p>
+                    <a:pPr algn="ctr"/>
+                    <a:endParaRPr lang="en-US"/>
+                  </a:p>
+                </p:txBody>
+              </p:sp>
+              <p:sp>
+                <p:nvSpPr>
+                  <p:cNvPr id="21" name="Oval 20">
+                    <a:extLst>
+                      <a:ext uri="{FF2B5EF4-FFF2-40B4-BE49-F238E27FC236}">
+                        <a16:creationId xmlns:a16="http://schemas.microsoft.com/office/drawing/2014/main" id="{324F92FE-0162-C24E-B4B2-DCCBEE7E702F}"/>
+                      </a:ext>
+                    </a:extLst>
+                  </p:cNvPr>
+                  <p:cNvSpPr/>
+                  <p:nvPr/>
+                </p:nvSpPr>
+                <p:spPr>
+                  <a:xfrm>
+                    <a:off x="3532341" y="4058434"/>
+                    <a:ext cx="237993" cy="212942"/>
+                  </a:xfrm>
+                  <a:prstGeom prst="ellipse">
+                    <a:avLst/>
+                  </a:prstGeom>
+                  <a:solidFill>
+                    <a:schemeClr val="accent2">
+                      <a:alpha val="50000"/>
+                    </a:schemeClr>
+                  </a:solidFill>
+                  <a:ln w="38100"/>
+                </p:spPr>
+                <p:style>
+                  <a:lnRef idx="2">
+                    <a:schemeClr val="accent1">
+                      <a:shade val="50000"/>
+                    </a:schemeClr>
+                  </a:lnRef>
+                  <a:fillRef idx="1">
+                    <a:schemeClr val="accent1"/>
+                  </a:fillRef>
+                  <a:effectRef idx="0">
+                    <a:schemeClr val="accent1"/>
+                  </a:effectRef>
+                  <a:fontRef idx="minor">
+                    <a:schemeClr val="lt1"/>
+                  </a:fontRef>
+                </p:style>
+                <p:txBody>
+                  <a:bodyPr rtlCol="0" anchor="ctr"/>
+                  <a:lstStyle/>
+                  <a:p>
+                    <a:pPr algn="ctr"/>
+                    <a:endParaRPr lang="en-US"/>
+                  </a:p>
+                </p:txBody>
+              </p:sp>
+              <p:sp>
+                <p:nvSpPr>
+                  <p:cNvPr id="22" name="Oval 21">
+                    <a:extLst>
+                      <a:ext uri="{FF2B5EF4-FFF2-40B4-BE49-F238E27FC236}">
+                        <a16:creationId xmlns:a16="http://schemas.microsoft.com/office/drawing/2014/main" id="{37794DEE-6E90-EE4D-8FCC-F5D47872F85C}"/>
+                      </a:ext>
+                    </a:extLst>
+                  </p:cNvPr>
+                  <p:cNvSpPr/>
+                  <p:nvPr/>
+                </p:nvSpPr>
+                <p:spPr>
+                  <a:xfrm>
+                    <a:off x="3897683" y="5025026"/>
+                    <a:ext cx="237993" cy="212942"/>
+                  </a:xfrm>
+                  <a:prstGeom prst="ellipse">
+                    <a:avLst/>
+                  </a:prstGeom>
+                  <a:solidFill>
+                    <a:schemeClr val="accent2">
+                      <a:alpha val="50000"/>
+                    </a:schemeClr>
+                  </a:solidFill>
+                  <a:ln w="38100"/>
+                </p:spPr>
+                <p:style>
+                  <a:lnRef idx="2">
+                    <a:schemeClr val="accent1">
+                      <a:shade val="50000"/>
+                    </a:schemeClr>
+                  </a:lnRef>
+                  <a:fillRef idx="1">
+                    <a:schemeClr val="accent1"/>
+                  </a:fillRef>
+                  <a:effectRef idx="0">
+                    <a:schemeClr val="accent1"/>
+                  </a:effectRef>
+                  <a:fontRef idx="minor">
+                    <a:schemeClr val="lt1"/>
+                  </a:fontRef>
+                </p:style>
+                <p:txBody>
+                  <a:bodyPr rtlCol="0" anchor="ctr"/>
+                  <a:lstStyle/>
+                  <a:p>
+                    <a:pPr algn="ctr"/>
+                    <a:endParaRPr lang="en-US"/>
+                  </a:p>
+                </p:txBody>
+              </p:sp>
+              <p:sp>
+                <p:nvSpPr>
+                  <p:cNvPr id="23" name="Oval 22">
+                    <a:extLst>
+                      <a:ext uri="{FF2B5EF4-FFF2-40B4-BE49-F238E27FC236}">
+                        <a16:creationId xmlns:a16="http://schemas.microsoft.com/office/drawing/2014/main" id="{49BAF0B9-F9D7-E841-86BE-54DACEB90DE3}"/>
+                      </a:ext>
+                    </a:extLst>
+                  </p:cNvPr>
+                  <p:cNvSpPr/>
+                  <p:nvPr/>
+                </p:nvSpPr>
+                <p:spPr>
+                  <a:xfrm>
+                    <a:off x="4025031" y="4388286"/>
+                    <a:ext cx="237993" cy="212942"/>
+                  </a:xfrm>
+                  <a:prstGeom prst="ellipse">
+                    <a:avLst/>
+                  </a:prstGeom>
+                  <a:solidFill>
+                    <a:schemeClr val="accent2">
+                      <a:alpha val="50000"/>
+                    </a:schemeClr>
+                  </a:solidFill>
+                  <a:ln w="38100"/>
+                </p:spPr>
+                <p:style>
+                  <a:lnRef idx="2">
+                    <a:schemeClr val="accent1">
+                      <a:shade val="50000"/>
+                    </a:schemeClr>
+                  </a:lnRef>
+                  <a:fillRef idx="1">
+                    <a:schemeClr val="accent1"/>
+                  </a:fillRef>
+                  <a:effectRef idx="0">
+                    <a:schemeClr val="accent1"/>
+                  </a:effectRef>
+                  <a:fontRef idx="minor">
+                    <a:schemeClr val="lt1"/>
+                  </a:fontRef>
+                </p:style>
+                <p:txBody>
+                  <a:bodyPr rtlCol="0" anchor="ctr"/>
+                  <a:lstStyle/>
+                  <a:p>
+                    <a:pPr algn="ctr"/>
+                    <a:endParaRPr lang="en-US"/>
+                  </a:p>
+                </p:txBody>
+              </p:sp>
+            </p:grpSp>
+            <p:grpSp>
+              <p:nvGrpSpPr>
+                <p:cNvPr id="25" name="Group 24">
+                  <a:extLst>
+                    <a:ext uri="{FF2B5EF4-FFF2-40B4-BE49-F238E27FC236}">
+                      <a16:creationId xmlns:a16="http://schemas.microsoft.com/office/drawing/2014/main" id="{352970BA-57ED-A240-A59D-78F5E00267CF}"/>
+                    </a:ext>
+                  </a:extLst>
+                </p:cNvPr>
+                <p:cNvGrpSpPr/>
+                <p:nvPr/>
+              </p:nvGrpSpPr>
+              <p:grpSpPr>
+                <a:xfrm>
+                  <a:off x="3098105" y="4173256"/>
+                  <a:ext cx="1574103" cy="1459282"/>
+                  <a:chOff x="3058439" y="4058434"/>
+                  <a:chExt cx="1574103" cy="1459282"/>
+                </a:xfrm>
+              </p:grpSpPr>
+              <p:sp>
+                <p:nvSpPr>
+                  <p:cNvPr id="26" name="Oval 25">
+                    <a:extLst>
+                      <a:ext uri="{FF2B5EF4-FFF2-40B4-BE49-F238E27FC236}">
+                        <a16:creationId xmlns:a16="http://schemas.microsoft.com/office/drawing/2014/main" id="{E08EC7CC-8403-8A43-8AEF-0AB1EDB9B43C}"/>
+                      </a:ext>
+                    </a:extLst>
+                  </p:cNvPr>
+                  <p:cNvSpPr/>
+                  <p:nvPr/>
+                </p:nvSpPr>
+                <p:spPr>
+                  <a:xfrm>
+                    <a:off x="3206664" y="4446741"/>
+                    <a:ext cx="237993" cy="212942"/>
+                  </a:xfrm>
+                  <a:prstGeom prst="ellipse">
+                    <a:avLst/>
+                  </a:prstGeom>
+                  <a:solidFill>
+                    <a:schemeClr val="accent2">
+                      <a:alpha val="50000"/>
+                    </a:schemeClr>
+                  </a:solidFill>
+                  <a:ln w="38100"/>
+                </p:spPr>
+                <p:style>
+                  <a:lnRef idx="2">
+                    <a:schemeClr val="accent1">
+                      <a:shade val="50000"/>
+                    </a:schemeClr>
+                  </a:lnRef>
+                  <a:fillRef idx="1">
+                    <a:schemeClr val="accent1"/>
+                  </a:fillRef>
+                  <a:effectRef idx="0">
+                    <a:schemeClr val="accent1"/>
+                  </a:effectRef>
+                  <a:fontRef idx="minor">
+                    <a:schemeClr val="lt1"/>
+                  </a:fontRef>
+                </p:style>
+                <p:txBody>
+                  <a:bodyPr rtlCol="0" anchor="ctr"/>
+                  <a:lstStyle/>
+                  <a:p>
+                    <a:pPr algn="ctr"/>
+                    <a:endParaRPr lang="en-US"/>
+                  </a:p>
+                </p:txBody>
+              </p:sp>
+              <p:sp>
+                <p:nvSpPr>
+                  <p:cNvPr id="27" name="Oval 26">
+                    <a:extLst>
+                      <a:ext uri="{FF2B5EF4-FFF2-40B4-BE49-F238E27FC236}">
+                        <a16:creationId xmlns:a16="http://schemas.microsoft.com/office/drawing/2014/main" id="{43166CD2-4119-D249-B63E-CFCE16CECF30}"/>
+                      </a:ext>
+                    </a:extLst>
+                  </p:cNvPr>
+                  <p:cNvSpPr/>
+                  <p:nvPr/>
+                </p:nvSpPr>
+                <p:spPr>
+                  <a:xfrm>
+                    <a:off x="3058439" y="5050078"/>
+                    <a:ext cx="237993" cy="212942"/>
+                  </a:xfrm>
+                  <a:prstGeom prst="ellipse">
+                    <a:avLst/>
+                  </a:prstGeom>
+                  <a:solidFill>
+                    <a:schemeClr val="accent2">
+                      <a:alpha val="50000"/>
+                    </a:schemeClr>
+                  </a:solidFill>
+                  <a:ln w="38100"/>
+                </p:spPr>
+                <p:style>
+                  <a:lnRef idx="2">
+                    <a:schemeClr val="accent1">
+                      <a:shade val="50000"/>
+                    </a:schemeClr>
+                  </a:lnRef>
+                  <a:fillRef idx="1">
+                    <a:schemeClr val="accent1"/>
+                  </a:fillRef>
+                  <a:effectRef idx="0">
+                    <a:schemeClr val="accent1"/>
+                  </a:effectRef>
+                  <a:fontRef idx="minor">
+                    <a:schemeClr val="lt1"/>
+                  </a:fontRef>
+                </p:style>
+                <p:txBody>
+                  <a:bodyPr rtlCol="0" anchor="ctr"/>
+                  <a:lstStyle/>
+                  <a:p>
+                    <a:pPr algn="ctr"/>
+                    <a:endParaRPr lang="en-US"/>
+                  </a:p>
+                </p:txBody>
+              </p:sp>
+              <p:sp>
+                <p:nvSpPr>
+                  <p:cNvPr id="28" name="Oval 27">
+                    <a:extLst>
+                      <a:ext uri="{FF2B5EF4-FFF2-40B4-BE49-F238E27FC236}">
+                        <a16:creationId xmlns:a16="http://schemas.microsoft.com/office/drawing/2014/main" id="{E4E2FC11-6C86-9D40-BBA4-E9DDC43BD6BD}"/>
+                      </a:ext>
+                    </a:extLst>
+                  </p:cNvPr>
+                  <p:cNvSpPr/>
+                  <p:nvPr/>
+                </p:nvSpPr>
+                <p:spPr>
+                  <a:xfrm>
+                    <a:off x="3511464" y="4751541"/>
+                    <a:ext cx="237993" cy="212942"/>
+                  </a:xfrm>
+                  <a:prstGeom prst="ellipse">
+                    <a:avLst/>
+                  </a:prstGeom>
+                  <a:solidFill>
+                    <a:schemeClr val="accent2">
+                      <a:alpha val="50000"/>
+                    </a:schemeClr>
+                  </a:solidFill>
+                  <a:ln w="38100"/>
+                </p:spPr>
+                <p:style>
+                  <a:lnRef idx="2">
+                    <a:schemeClr val="accent1">
+                      <a:shade val="50000"/>
+                    </a:schemeClr>
+                  </a:lnRef>
+                  <a:fillRef idx="1">
+                    <a:schemeClr val="accent1"/>
+                  </a:fillRef>
+                  <a:effectRef idx="0">
+                    <a:schemeClr val="accent1"/>
+                  </a:effectRef>
+                  <a:fontRef idx="minor">
+                    <a:schemeClr val="lt1"/>
+                  </a:fontRef>
+                </p:style>
+                <p:txBody>
+                  <a:bodyPr rtlCol="0" anchor="ctr"/>
+                  <a:lstStyle/>
+                  <a:p>
+                    <a:pPr algn="ctr"/>
+                    <a:endParaRPr lang="en-US"/>
+                  </a:p>
+                </p:txBody>
+              </p:sp>
+              <p:sp>
+                <p:nvSpPr>
+                  <p:cNvPr id="29" name="Oval 28">
+                    <a:extLst>
+                      <a:ext uri="{FF2B5EF4-FFF2-40B4-BE49-F238E27FC236}">
+                        <a16:creationId xmlns:a16="http://schemas.microsoft.com/office/drawing/2014/main" id="{4A74C208-13C2-0244-9F9E-E4B81B886449}"/>
+                      </a:ext>
+                    </a:extLst>
+                  </p:cNvPr>
+                  <p:cNvSpPr/>
+                  <p:nvPr/>
+                </p:nvSpPr>
+                <p:spPr>
+                  <a:xfrm>
+                    <a:off x="3613760" y="5304774"/>
+                    <a:ext cx="237993" cy="212942"/>
+                  </a:xfrm>
+                  <a:prstGeom prst="ellipse">
+                    <a:avLst/>
+                  </a:prstGeom>
+                  <a:solidFill>
+                    <a:schemeClr val="accent2">
+                      <a:alpha val="50000"/>
+                    </a:schemeClr>
+                  </a:solidFill>
+                  <a:ln w="38100"/>
+                </p:spPr>
+                <p:style>
+                  <a:lnRef idx="2">
+                    <a:schemeClr val="accent1">
+                      <a:shade val="50000"/>
+                    </a:schemeClr>
+                  </a:lnRef>
+                  <a:fillRef idx="1">
+                    <a:schemeClr val="accent1"/>
+                  </a:fillRef>
+                  <a:effectRef idx="0">
+                    <a:schemeClr val="accent1"/>
+                  </a:effectRef>
+                  <a:fontRef idx="minor">
+                    <a:schemeClr val="lt1"/>
+                  </a:fontRef>
+                </p:style>
+                <p:txBody>
+                  <a:bodyPr rtlCol="0" anchor="ctr"/>
+                  <a:lstStyle/>
+                  <a:p>
+                    <a:pPr algn="ctr"/>
+                    <a:endParaRPr lang="en-US"/>
+                  </a:p>
+                </p:txBody>
+              </p:sp>
+              <p:sp>
+                <p:nvSpPr>
+                  <p:cNvPr id="30" name="Oval 29">
+                    <a:extLst>
+                      <a:ext uri="{FF2B5EF4-FFF2-40B4-BE49-F238E27FC236}">
+                        <a16:creationId xmlns:a16="http://schemas.microsoft.com/office/drawing/2014/main" id="{6CD304DD-9887-CF4F-83FA-B01A8D2026F7}"/>
+                      </a:ext>
+                    </a:extLst>
+                  </p:cNvPr>
+                  <p:cNvSpPr/>
+                  <p:nvPr/>
+                </p:nvSpPr>
+                <p:spPr>
+                  <a:xfrm>
+                    <a:off x="3891420" y="4680560"/>
+                    <a:ext cx="237993" cy="212942"/>
+                  </a:xfrm>
+                  <a:prstGeom prst="ellipse">
+                    <a:avLst/>
+                  </a:prstGeom>
+                  <a:solidFill>
+                    <a:schemeClr val="accent2">
+                      <a:alpha val="50000"/>
+                    </a:schemeClr>
+                  </a:solidFill>
+                  <a:ln w="38100"/>
+                </p:spPr>
+                <p:style>
+                  <a:lnRef idx="2">
+                    <a:schemeClr val="accent1">
+                      <a:shade val="50000"/>
+                    </a:schemeClr>
+                  </a:lnRef>
+                  <a:fillRef idx="1">
+                    <a:schemeClr val="accent1"/>
+                  </a:fillRef>
+                  <a:effectRef idx="0">
+                    <a:schemeClr val="accent1"/>
+                  </a:effectRef>
+                  <a:fontRef idx="minor">
+                    <a:schemeClr val="lt1"/>
+                  </a:fontRef>
+                </p:style>
+                <p:txBody>
+                  <a:bodyPr rtlCol="0" anchor="ctr"/>
+                  <a:lstStyle/>
+                  <a:p>
+                    <a:pPr algn="ctr"/>
+                    <a:endParaRPr lang="en-US"/>
+                  </a:p>
+                </p:txBody>
+              </p:sp>
+              <p:sp>
+                <p:nvSpPr>
+                  <p:cNvPr id="31" name="Oval 30">
+                    <a:extLst>
+                      <a:ext uri="{FF2B5EF4-FFF2-40B4-BE49-F238E27FC236}">
+                        <a16:creationId xmlns:a16="http://schemas.microsoft.com/office/drawing/2014/main" id="{9CD66CFC-15ED-F944-BF6D-01B013641778}"/>
+                      </a:ext>
+                    </a:extLst>
+                  </p:cNvPr>
+                  <p:cNvSpPr/>
+                  <p:nvPr/>
+                </p:nvSpPr>
+                <p:spPr>
+                  <a:xfrm>
+                    <a:off x="4394549" y="4995798"/>
+                    <a:ext cx="237993" cy="212942"/>
+                  </a:xfrm>
+                  <a:prstGeom prst="ellipse">
+                    <a:avLst/>
+                  </a:prstGeom>
+                  <a:solidFill>
+                    <a:schemeClr val="accent2">
+                      <a:alpha val="50000"/>
+                    </a:schemeClr>
+                  </a:solidFill>
+                  <a:ln w="38100"/>
+                </p:spPr>
+                <p:style>
+                  <a:lnRef idx="2">
+                    <a:schemeClr val="accent1">
+                      <a:shade val="50000"/>
+                    </a:schemeClr>
+                  </a:lnRef>
+                  <a:fillRef idx="1">
+                    <a:schemeClr val="accent1"/>
+                  </a:fillRef>
+                  <a:effectRef idx="0">
+                    <a:schemeClr val="accent1"/>
+                  </a:effectRef>
+                  <a:fontRef idx="minor">
+                    <a:schemeClr val="lt1"/>
+                  </a:fontRef>
+                </p:style>
+                <p:txBody>
+                  <a:bodyPr rtlCol="0" anchor="ctr"/>
+                  <a:lstStyle/>
+                  <a:p>
+                    <a:pPr algn="ctr"/>
+                    <a:endParaRPr lang="en-US"/>
+                  </a:p>
+                </p:txBody>
+              </p:sp>
+              <p:sp>
+                <p:nvSpPr>
+                  <p:cNvPr id="32" name="Oval 31">
+                    <a:extLst>
+                      <a:ext uri="{FF2B5EF4-FFF2-40B4-BE49-F238E27FC236}">
+                        <a16:creationId xmlns:a16="http://schemas.microsoft.com/office/drawing/2014/main" id="{D3A6A069-C2F6-8A46-AD18-65492C7EB323}"/>
+                      </a:ext>
+                    </a:extLst>
+                  </p:cNvPr>
+                  <p:cNvSpPr/>
+                  <p:nvPr/>
+                </p:nvSpPr>
+                <p:spPr>
+                  <a:xfrm>
+                    <a:off x="3532341" y="4058434"/>
+                    <a:ext cx="237993" cy="212942"/>
+                  </a:xfrm>
+                  <a:prstGeom prst="ellipse">
+                    <a:avLst/>
+                  </a:prstGeom>
+                  <a:solidFill>
+                    <a:schemeClr val="accent2">
+                      <a:alpha val="50000"/>
+                    </a:schemeClr>
+                  </a:solidFill>
+                  <a:ln w="38100"/>
+                </p:spPr>
+                <p:style>
+                  <a:lnRef idx="2">
+                    <a:schemeClr val="accent1">
+                      <a:shade val="50000"/>
+                    </a:schemeClr>
+                  </a:lnRef>
+                  <a:fillRef idx="1">
+                    <a:schemeClr val="accent1"/>
+                  </a:fillRef>
+                  <a:effectRef idx="0">
+                    <a:schemeClr val="accent1"/>
+                  </a:effectRef>
+                  <a:fontRef idx="minor">
+                    <a:schemeClr val="lt1"/>
+                  </a:fontRef>
+                </p:style>
+                <p:txBody>
+                  <a:bodyPr rtlCol="0" anchor="ctr"/>
+                  <a:lstStyle/>
+                  <a:p>
+                    <a:pPr algn="ctr"/>
+                    <a:endParaRPr lang="en-US"/>
+                  </a:p>
+                </p:txBody>
+              </p:sp>
+              <p:sp>
+                <p:nvSpPr>
+                  <p:cNvPr id="33" name="Oval 32">
+                    <a:extLst>
+                      <a:ext uri="{FF2B5EF4-FFF2-40B4-BE49-F238E27FC236}">
+                        <a16:creationId xmlns:a16="http://schemas.microsoft.com/office/drawing/2014/main" id="{6ADDBF96-6A63-3B4D-A3DC-B60C422C1FBF}"/>
+                      </a:ext>
+                    </a:extLst>
+                  </p:cNvPr>
+                  <p:cNvSpPr/>
+                  <p:nvPr/>
+                </p:nvSpPr>
+                <p:spPr>
+                  <a:xfrm>
+                    <a:off x="3897683" y="5025026"/>
+                    <a:ext cx="237993" cy="212942"/>
+                  </a:xfrm>
+                  <a:prstGeom prst="ellipse">
+                    <a:avLst/>
+                  </a:prstGeom>
+                  <a:solidFill>
+                    <a:schemeClr val="accent2">
+                      <a:alpha val="50000"/>
+                    </a:schemeClr>
+                  </a:solidFill>
+                  <a:ln w="38100"/>
+                </p:spPr>
+                <p:style>
+                  <a:lnRef idx="2">
+                    <a:schemeClr val="accent1">
+                      <a:shade val="50000"/>
+                    </a:schemeClr>
+                  </a:lnRef>
+                  <a:fillRef idx="1">
+                    <a:schemeClr val="accent1"/>
+                  </a:fillRef>
+                  <a:effectRef idx="0">
+                    <a:schemeClr val="accent1"/>
+                  </a:effectRef>
+                  <a:fontRef idx="minor">
+                    <a:schemeClr val="lt1"/>
+                  </a:fontRef>
+                </p:style>
+                <p:txBody>
+                  <a:bodyPr rtlCol="0" anchor="ctr"/>
+                  <a:lstStyle/>
+                  <a:p>
+                    <a:pPr algn="ctr"/>
+                    <a:endParaRPr lang="en-US"/>
+                  </a:p>
+                </p:txBody>
+              </p:sp>
+              <p:sp>
+                <p:nvSpPr>
+                  <p:cNvPr id="34" name="Oval 33">
+                    <a:extLst>
+                      <a:ext uri="{FF2B5EF4-FFF2-40B4-BE49-F238E27FC236}">
+                        <a16:creationId xmlns:a16="http://schemas.microsoft.com/office/drawing/2014/main" id="{A3EE9EC7-9A09-2C49-A936-7829C314301A}"/>
+                      </a:ext>
+                    </a:extLst>
+                  </p:cNvPr>
+                  <p:cNvSpPr/>
+                  <p:nvPr/>
+                </p:nvSpPr>
+                <p:spPr>
+                  <a:xfrm>
+                    <a:off x="4025031" y="4388286"/>
+                    <a:ext cx="237993" cy="212942"/>
+                  </a:xfrm>
+                  <a:prstGeom prst="ellipse">
+                    <a:avLst/>
+                  </a:prstGeom>
+                  <a:solidFill>
+                    <a:schemeClr val="accent2">
+                      <a:alpha val="50000"/>
+                    </a:schemeClr>
+                  </a:solidFill>
+                  <a:ln w="38100"/>
+                </p:spPr>
+                <p:style>
+                  <a:lnRef idx="2">
+                    <a:schemeClr val="accent1">
+                      <a:shade val="50000"/>
+                    </a:schemeClr>
+                  </a:lnRef>
+                  <a:fillRef idx="1">
+                    <a:schemeClr val="accent1"/>
+                  </a:fillRef>
+                  <a:effectRef idx="0">
+                    <a:schemeClr val="accent1"/>
+                  </a:effectRef>
+                  <a:fontRef idx="minor">
+                    <a:schemeClr val="lt1"/>
+                  </a:fontRef>
+                </p:style>
+                <p:txBody>
+                  <a:bodyPr rtlCol="0" anchor="ctr"/>
+                  <a:lstStyle/>
+                  <a:p>
+                    <a:pPr algn="ctr"/>
+                    <a:endParaRPr lang="en-US"/>
+                  </a:p>
+                </p:txBody>
+              </p:sp>
+            </p:grpSp>
+            <p:grpSp>
+              <p:nvGrpSpPr>
+                <p:cNvPr id="57" name="Group 56">
+                  <a:extLst>
+                    <a:ext uri="{FF2B5EF4-FFF2-40B4-BE49-F238E27FC236}">
+                      <a16:creationId xmlns:a16="http://schemas.microsoft.com/office/drawing/2014/main" id="{67CECF5D-EBC2-C744-B981-4DF37697AD74}"/>
+                    </a:ext>
+                  </a:extLst>
+                </p:cNvPr>
+                <p:cNvGrpSpPr/>
+                <p:nvPr/>
+              </p:nvGrpSpPr>
+              <p:grpSpPr>
+                <a:xfrm>
+                  <a:off x="6968648" y="889349"/>
+                  <a:ext cx="2267209" cy="2112723"/>
+                  <a:chOff x="6968648" y="889349"/>
+                  <a:chExt cx="2267209" cy="2112723"/>
+                </a:xfrm>
+              </p:grpSpPr>
+              <p:sp>
+                <p:nvSpPr>
+                  <p:cNvPr id="46" name="Oval 45">
+                    <a:extLst>
+                      <a:ext uri="{FF2B5EF4-FFF2-40B4-BE49-F238E27FC236}">
+                        <a16:creationId xmlns:a16="http://schemas.microsoft.com/office/drawing/2014/main" id="{FD35F731-0B6F-4E42-A51A-9EC281648BAF}"/>
+                      </a:ext>
+                    </a:extLst>
+                  </p:cNvPr>
+                  <p:cNvSpPr/>
+                  <p:nvPr/>
+                </p:nvSpPr>
+                <p:spPr>
+                  <a:xfrm>
+                    <a:off x="7693070" y="2068884"/>
+                    <a:ext cx="237993" cy="212942"/>
+                  </a:xfrm>
+                  <a:prstGeom prst="ellipse">
+                    <a:avLst/>
+                  </a:prstGeom>
+                  <a:solidFill>
+                    <a:schemeClr val="accent2">
+                      <a:alpha val="50000"/>
+                    </a:schemeClr>
+                  </a:solidFill>
+                  <a:ln w="38100"/>
+                </p:spPr>
+                <p:style>
+                  <a:lnRef idx="2">
+                    <a:schemeClr val="accent1">
+                      <a:shade val="50000"/>
+                    </a:schemeClr>
+                  </a:lnRef>
+                  <a:fillRef idx="1">
+                    <a:schemeClr val="accent1"/>
+                  </a:fillRef>
+                  <a:effectRef idx="0">
+                    <a:schemeClr val="accent1"/>
+                  </a:effectRef>
+                  <a:fontRef idx="minor">
+                    <a:schemeClr val="lt1"/>
+                  </a:fontRef>
+                </p:style>
+                <p:txBody>
+                  <a:bodyPr rtlCol="0" anchor="ctr"/>
+                  <a:lstStyle/>
+                  <a:p>
+                    <a:pPr algn="ctr"/>
+                    <a:endParaRPr lang="en-US"/>
+                  </a:p>
+                </p:txBody>
+              </p:sp>
+              <p:sp>
+                <p:nvSpPr>
+                  <p:cNvPr id="47" name="Oval 46">
+                    <a:extLst>
+                      <a:ext uri="{FF2B5EF4-FFF2-40B4-BE49-F238E27FC236}">
+                        <a16:creationId xmlns:a16="http://schemas.microsoft.com/office/drawing/2014/main" id="{6034E060-7F6C-CB46-A9C0-BE4E9A1DADF5}"/>
+                      </a:ext>
+                    </a:extLst>
+                  </p:cNvPr>
+                  <p:cNvSpPr/>
+                  <p:nvPr/>
+                </p:nvSpPr>
+                <p:spPr>
+                  <a:xfrm>
+                    <a:off x="8997864" y="2597065"/>
+                    <a:ext cx="237993" cy="212942"/>
+                  </a:xfrm>
+                  <a:prstGeom prst="ellipse">
+                    <a:avLst/>
+                  </a:prstGeom>
+                  <a:solidFill>
+                    <a:schemeClr val="accent2">
+                      <a:alpha val="50000"/>
+                    </a:schemeClr>
+                  </a:solidFill>
+                  <a:ln w="38100"/>
+                </p:spPr>
+                <p:style>
+                  <a:lnRef idx="2">
+                    <a:schemeClr val="accent1">
+                      <a:shade val="50000"/>
+                    </a:schemeClr>
+                  </a:lnRef>
+                  <a:fillRef idx="1">
+                    <a:schemeClr val="accent1"/>
+                  </a:fillRef>
+                  <a:effectRef idx="0">
+                    <a:schemeClr val="accent1"/>
+                  </a:effectRef>
+                  <a:fontRef idx="minor">
+                    <a:schemeClr val="lt1"/>
+                  </a:fontRef>
+                </p:style>
+                <p:txBody>
+                  <a:bodyPr rtlCol="0" anchor="ctr"/>
+                  <a:lstStyle/>
+                  <a:p>
+                    <a:pPr algn="ctr"/>
+                    <a:endParaRPr lang="en-US"/>
+                  </a:p>
+                </p:txBody>
+              </p:sp>
+              <p:sp>
+                <p:nvSpPr>
+                  <p:cNvPr id="48" name="Oval 47">
+                    <a:extLst>
+                      <a:ext uri="{FF2B5EF4-FFF2-40B4-BE49-F238E27FC236}">
+                        <a16:creationId xmlns:a16="http://schemas.microsoft.com/office/drawing/2014/main" id="{4A8908AA-EE53-B747-B778-9AE2CAA45F03}"/>
+                      </a:ext>
+                    </a:extLst>
+                  </p:cNvPr>
+                  <p:cNvSpPr/>
+                  <p:nvPr/>
+                </p:nvSpPr>
+                <p:spPr>
+                  <a:xfrm>
+                    <a:off x="7045892" y="1772434"/>
+                    <a:ext cx="237993" cy="212942"/>
+                  </a:xfrm>
+                  <a:prstGeom prst="ellipse">
+                    <a:avLst/>
+                  </a:prstGeom>
+                  <a:solidFill>
+                    <a:schemeClr val="accent2">
+                      <a:alpha val="50000"/>
+                    </a:schemeClr>
+                  </a:solidFill>
+                  <a:ln w="38100"/>
+                </p:spPr>
+                <p:style>
+                  <a:lnRef idx="2">
+                    <a:schemeClr val="accent1">
+                      <a:shade val="50000"/>
+                    </a:schemeClr>
+                  </a:lnRef>
+                  <a:fillRef idx="1">
+                    <a:schemeClr val="accent1"/>
+                  </a:fillRef>
+                  <a:effectRef idx="0">
+                    <a:schemeClr val="accent1"/>
+                  </a:effectRef>
+                  <a:fontRef idx="minor">
+                    <a:schemeClr val="lt1"/>
+                  </a:fontRef>
+                </p:style>
+                <p:txBody>
+                  <a:bodyPr rtlCol="0" anchor="ctr"/>
+                  <a:lstStyle/>
+                  <a:p>
+                    <a:pPr algn="ctr"/>
+                    <a:endParaRPr lang="en-US"/>
+                  </a:p>
+                </p:txBody>
+              </p:sp>
+              <p:sp>
+                <p:nvSpPr>
+                  <p:cNvPr id="49" name="Oval 48">
+                    <a:extLst>
+                      <a:ext uri="{FF2B5EF4-FFF2-40B4-BE49-F238E27FC236}">
+                        <a16:creationId xmlns:a16="http://schemas.microsoft.com/office/drawing/2014/main" id="{9997F236-D53A-2A4E-9022-7276E4252EA5}"/>
+                      </a:ext>
+                    </a:extLst>
+                  </p:cNvPr>
+                  <p:cNvSpPr/>
+                  <p:nvPr/>
+                </p:nvSpPr>
+                <p:spPr>
+                  <a:xfrm>
+                    <a:off x="8087640" y="2789130"/>
+                    <a:ext cx="237993" cy="212942"/>
+                  </a:xfrm>
+                  <a:prstGeom prst="ellipse">
+                    <a:avLst/>
+                  </a:prstGeom>
+                  <a:solidFill>
+                    <a:schemeClr val="accent2">
+                      <a:alpha val="50000"/>
+                    </a:schemeClr>
+                  </a:solidFill>
+                  <a:ln w="38100"/>
+                </p:spPr>
+                <p:style>
+                  <a:lnRef idx="2">
+                    <a:schemeClr val="accent1">
+                      <a:shade val="50000"/>
+                    </a:schemeClr>
+                  </a:lnRef>
+                  <a:fillRef idx="1">
+                    <a:schemeClr val="accent1"/>
+                  </a:fillRef>
+                  <a:effectRef idx="0">
+                    <a:schemeClr val="accent1"/>
+                  </a:effectRef>
+                  <a:fontRef idx="minor">
+                    <a:schemeClr val="lt1"/>
+                  </a:fontRef>
+                </p:style>
+                <p:txBody>
+                  <a:bodyPr rtlCol="0" anchor="ctr"/>
+                  <a:lstStyle/>
+                  <a:p>
+                    <a:pPr algn="ctr"/>
+                    <a:endParaRPr lang="en-US" dirty="0"/>
+                  </a:p>
+                </p:txBody>
+              </p:sp>
+              <p:sp>
+                <p:nvSpPr>
+                  <p:cNvPr id="50" name="Oval 49">
+                    <a:extLst>
+                      <a:ext uri="{FF2B5EF4-FFF2-40B4-BE49-F238E27FC236}">
+                        <a16:creationId xmlns:a16="http://schemas.microsoft.com/office/drawing/2014/main" id="{FB341EDB-E9A5-7C40-9440-160A0725D7D7}"/>
+                      </a:ext>
+                    </a:extLst>
+                  </p:cNvPr>
+                  <p:cNvSpPr/>
+                  <p:nvPr/>
+                </p:nvSpPr>
+                <p:spPr>
+                  <a:xfrm>
+                    <a:off x="8690976" y="1814188"/>
+                    <a:ext cx="237993" cy="212942"/>
+                  </a:xfrm>
+                  <a:prstGeom prst="ellipse">
+                    <a:avLst/>
+                  </a:prstGeom>
+                  <a:solidFill>
+                    <a:schemeClr val="accent2">
+                      <a:alpha val="50000"/>
+                    </a:schemeClr>
+                  </a:solidFill>
+                  <a:ln w="38100"/>
+                </p:spPr>
+                <p:style>
+                  <a:lnRef idx="2">
+                    <a:schemeClr val="accent1">
+                      <a:shade val="50000"/>
+                    </a:schemeClr>
+                  </a:lnRef>
+                  <a:fillRef idx="1">
+                    <a:schemeClr val="accent1"/>
+                  </a:fillRef>
+                  <a:effectRef idx="0">
+                    <a:schemeClr val="accent1"/>
+                  </a:effectRef>
+                  <a:fontRef idx="minor">
+                    <a:schemeClr val="lt1"/>
+                  </a:fontRef>
+                </p:style>
+                <p:txBody>
+                  <a:bodyPr rtlCol="0" anchor="ctr"/>
+                  <a:lstStyle/>
+                  <a:p>
+                    <a:pPr algn="ctr"/>
+                    <a:endParaRPr lang="en-US"/>
+                  </a:p>
+                </p:txBody>
+              </p:sp>
+              <p:sp>
+                <p:nvSpPr>
+                  <p:cNvPr id="51" name="Oval 50">
+                    <a:extLst>
+                      <a:ext uri="{FF2B5EF4-FFF2-40B4-BE49-F238E27FC236}">
+                        <a16:creationId xmlns:a16="http://schemas.microsoft.com/office/drawing/2014/main" id="{1BFF399F-6663-B449-9E69-D63AA1BAAE9D}"/>
+                      </a:ext>
+                    </a:extLst>
+                  </p:cNvPr>
+                  <p:cNvSpPr/>
+                  <p:nvPr/>
+                </p:nvSpPr>
+                <p:spPr>
+                  <a:xfrm>
+                    <a:off x="7114785" y="889349"/>
+                    <a:ext cx="237993" cy="212942"/>
+                  </a:xfrm>
+                  <a:prstGeom prst="ellipse">
+                    <a:avLst/>
+                  </a:prstGeom>
+                  <a:solidFill>
+                    <a:schemeClr val="accent2">
+                      <a:alpha val="50000"/>
+                    </a:schemeClr>
+                  </a:solidFill>
+                  <a:ln w="38100"/>
+                </p:spPr>
+                <p:style>
+                  <a:lnRef idx="2">
+                    <a:schemeClr val="accent1">
+                      <a:shade val="50000"/>
+                    </a:schemeClr>
+                  </a:lnRef>
+                  <a:fillRef idx="1">
+                    <a:schemeClr val="accent1"/>
+                  </a:fillRef>
+                  <a:effectRef idx="0">
+                    <a:schemeClr val="accent1"/>
+                  </a:effectRef>
+                  <a:fontRef idx="minor">
+                    <a:schemeClr val="lt1"/>
+                  </a:fontRef>
+                </p:style>
+                <p:txBody>
+                  <a:bodyPr rtlCol="0" anchor="ctr"/>
+                  <a:lstStyle/>
+                  <a:p>
+                    <a:pPr algn="ctr"/>
+                    <a:endParaRPr lang="en-US"/>
+                  </a:p>
+                </p:txBody>
+              </p:sp>
+              <p:sp>
+                <p:nvSpPr>
+                  <p:cNvPr id="52" name="Oval 51">
+                    <a:extLst>
+                      <a:ext uri="{FF2B5EF4-FFF2-40B4-BE49-F238E27FC236}">
+                        <a16:creationId xmlns:a16="http://schemas.microsoft.com/office/drawing/2014/main" id="{DBB58A25-2C27-8943-8139-3BF73F9D6109}"/>
+                      </a:ext>
+                    </a:extLst>
+                  </p:cNvPr>
+                  <p:cNvSpPr/>
+                  <p:nvPr/>
+                </p:nvSpPr>
+                <p:spPr>
+                  <a:xfrm>
+                    <a:off x="7981169" y="1367426"/>
+                    <a:ext cx="237993" cy="212942"/>
+                  </a:xfrm>
+                  <a:prstGeom prst="ellipse">
+                    <a:avLst/>
+                  </a:prstGeom>
+                  <a:solidFill>
+                    <a:schemeClr val="accent2">
+                      <a:alpha val="50000"/>
+                    </a:schemeClr>
+                  </a:solidFill>
+                  <a:ln w="38100"/>
+                </p:spPr>
+                <p:style>
+                  <a:lnRef idx="2">
+                    <a:schemeClr val="accent1">
+                      <a:shade val="50000"/>
+                    </a:schemeClr>
+                  </a:lnRef>
+                  <a:fillRef idx="1">
+                    <a:schemeClr val="accent1"/>
+                  </a:fillRef>
+                  <a:effectRef idx="0">
+                    <a:schemeClr val="accent1"/>
+                  </a:effectRef>
+                  <a:fontRef idx="minor">
+                    <a:schemeClr val="lt1"/>
+                  </a:fontRef>
+                </p:style>
+                <p:txBody>
+                  <a:bodyPr rtlCol="0" anchor="ctr"/>
+                  <a:lstStyle/>
+                  <a:p>
+                    <a:pPr algn="ctr"/>
+                    <a:endParaRPr lang="en-US"/>
+                  </a:p>
+                </p:txBody>
+              </p:sp>
+              <p:sp>
+                <p:nvSpPr>
+                  <p:cNvPr id="53" name="Oval 52">
+                    <a:extLst>
+                      <a:ext uri="{FF2B5EF4-FFF2-40B4-BE49-F238E27FC236}">
+                        <a16:creationId xmlns:a16="http://schemas.microsoft.com/office/drawing/2014/main" id="{80E6177A-489D-4648-92D3-01968C637903}"/>
+                      </a:ext>
+                    </a:extLst>
+                  </p:cNvPr>
+                  <p:cNvSpPr/>
+                  <p:nvPr/>
+                </p:nvSpPr>
+                <p:spPr>
+                  <a:xfrm>
+                    <a:off x="6968648" y="2509383"/>
+                    <a:ext cx="237993" cy="212942"/>
+                  </a:xfrm>
+                  <a:prstGeom prst="ellipse">
+                    <a:avLst/>
+                  </a:prstGeom>
+                  <a:solidFill>
+                    <a:schemeClr val="accent2">
+                      <a:alpha val="50000"/>
+                    </a:schemeClr>
+                  </a:solidFill>
+                  <a:ln w="38100"/>
+                </p:spPr>
+                <p:style>
+                  <a:lnRef idx="2">
+                    <a:schemeClr val="accent1">
+                      <a:shade val="50000"/>
+                    </a:schemeClr>
+                  </a:lnRef>
+                  <a:fillRef idx="1">
+                    <a:schemeClr val="accent1"/>
+                  </a:fillRef>
+                  <a:effectRef idx="0">
+                    <a:schemeClr val="accent1"/>
+                  </a:effectRef>
+                  <a:fontRef idx="minor">
+                    <a:schemeClr val="lt1"/>
+                  </a:fontRef>
+                </p:style>
+                <p:txBody>
+                  <a:bodyPr rtlCol="0" anchor="ctr"/>
+                  <a:lstStyle/>
+                  <a:p>
+                    <a:pPr algn="ctr"/>
+                    <a:endParaRPr lang="en-US"/>
+                  </a:p>
+                </p:txBody>
+              </p:sp>
+              <p:sp>
+                <p:nvSpPr>
+                  <p:cNvPr id="54" name="Oval 53">
+                    <a:extLst>
+                      <a:ext uri="{FF2B5EF4-FFF2-40B4-BE49-F238E27FC236}">
+                        <a16:creationId xmlns:a16="http://schemas.microsoft.com/office/drawing/2014/main" id="{44265A9B-CB76-3F42-904F-11BFE6C8F62F}"/>
+                      </a:ext>
+                    </a:extLst>
+                  </p:cNvPr>
+                  <p:cNvSpPr/>
+                  <p:nvPr/>
+                </p:nvSpPr>
+                <p:spPr>
+                  <a:xfrm>
+                    <a:off x="8686801" y="1108555"/>
+                    <a:ext cx="237993" cy="212942"/>
+                  </a:xfrm>
+                  <a:prstGeom prst="ellipse">
+                    <a:avLst/>
+                  </a:prstGeom>
+                  <a:solidFill>
+                    <a:schemeClr val="accent2">
+                      <a:alpha val="50000"/>
+                    </a:schemeClr>
+                  </a:solidFill>
+                  <a:ln w="38100"/>
+                </p:spPr>
+                <p:style>
+                  <a:lnRef idx="2">
+                    <a:schemeClr val="accent1">
+                      <a:shade val="50000"/>
+                    </a:schemeClr>
+                  </a:lnRef>
+                  <a:fillRef idx="1">
+                    <a:schemeClr val="accent1"/>
+                  </a:fillRef>
+                  <a:effectRef idx="0">
+                    <a:schemeClr val="accent1"/>
+                  </a:effectRef>
+                  <a:fontRef idx="minor">
+                    <a:schemeClr val="lt1"/>
+                  </a:fontRef>
+                </p:style>
+                <p:txBody>
+                  <a:bodyPr rtlCol="0" anchor="ctr"/>
+                  <a:lstStyle/>
+                  <a:p>
+                    <a:pPr algn="ctr"/>
+                    <a:endParaRPr lang="en-US"/>
+                  </a:p>
+                </p:txBody>
+              </p:sp>
+            </p:grpSp>
+            <p:grpSp>
+              <p:nvGrpSpPr>
+                <p:cNvPr id="58" name="Group 57">
+                  <a:extLst>
+                    <a:ext uri="{FF2B5EF4-FFF2-40B4-BE49-F238E27FC236}">
+                      <a16:creationId xmlns:a16="http://schemas.microsoft.com/office/drawing/2014/main" id="{1AB96DA9-8F20-6044-8A73-E978983C8BA2}"/>
+                    </a:ext>
+                  </a:extLst>
+                </p:cNvPr>
+                <p:cNvGrpSpPr/>
+                <p:nvPr/>
+              </p:nvGrpSpPr>
+              <p:grpSpPr>
+                <a:xfrm rot="725680">
+                  <a:off x="6895580" y="4148204"/>
+                  <a:ext cx="2267209" cy="2112723"/>
+                  <a:chOff x="6968648" y="889349"/>
+                  <a:chExt cx="2267209" cy="2112723"/>
+                </a:xfrm>
+              </p:grpSpPr>
+              <p:sp>
+                <p:nvSpPr>
+                  <p:cNvPr id="59" name="Oval 58">
+                    <a:extLst>
+                      <a:ext uri="{FF2B5EF4-FFF2-40B4-BE49-F238E27FC236}">
+                        <a16:creationId xmlns:a16="http://schemas.microsoft.com/office/drawing/2014/main" id="{4E5995EC-8F09-B946-8298-8D589613BB98}"/>
+                      </a:ext>
+                    </a:extLst>
+                  </p:cNvPr>
+                  <p:cNvSpPr/>
+                  <p:nvPr/>
+                </p:nvSpPr>
+                <p:spPr>
+                  <a:xfrm>
+                    <a:off x="7693070" y="2068884"/>
+                    <a:ext cx="237993" cy="212942"/>
+                  </a:xfrm>
+                  <a:prstGeom prst="ellipse">
+                    <a:avLst/>
+                  </a:prstGeom>
+                  <a:solidFill>
+                    <a:schemeClr val="accent2">
+                      <a:alpha val="50000"/>
+                    </a:schemeClr>
+                  </a:solidFill>
+                  <a:ln w="38100"/>
+                </p:spPr>
+                <p:style>
+                  <a:lnRef idx="2">
+                    <a:schemeClr val="accent1">
+                      <a:shade val="50000"/>
+                    </a:schemeClr>
+                  </a:lnRef>
+                  <a:fillRef idx="1">
+                    <a:schemeClr val="accent1"/>
+                  </a:fillRef>
+                  <a:effectRef idx="0">
+                    <a:schemeClr val="accent1"/>
+                  </a:effectRef>
+                  <a:fontRef idx="minor">
+                    <a:schemeClr val="lt1"/>
+                  </a:fontRef>
+                </p:style>
+                <p:txBody>
+                  <a:bodyPr rtlCol="0" anchor="ctr"/>
+                  <a:lstStyle/>
+                  <a:p>
+                    <a:pPr algn="ctr"/>
+                    <a:endParaRPr lang="en-US"/>
+                  </a:p>
+                </p:txBody>
+              </p:sp>
+              <p:sp>
+                <p:nvSpPr>
+                  <p:cNvPr id="60" name="Oval 59">
+                    <a:extLst>
+                      <a:ext uri="{FF2B5EF4-FFF2-40B4-BE49-F238E27FC236}">
+                        <a16:creationId xmlns:a16="http://schemas.microsoft.com/office/drawing/2014/main" id="{8356CE5A-87F3-BB46-ACA6-DFB9B3FCECE1}"/>
+                      </a:ext>
+                    </a:extLst>
+                  </p:cNvPr>
+                  <p:cNvSpPr/>
+                  <p:nvPr/>
+                </p:nvSpPr>
+                <p:spPr>
+                  <a:xfrm>
+                    <a:off x="8997864" y="2597065"/>
+                    <a:ext cx="237993" cy="212942"/>
+                  </a:xfrm>
+                  <a:prstGeom prst="ellipse">
+                    <a:avLst/>
+                  </a:prstGeom>
+                  <a:solidFill>
+                    <a:schemeClr val="accent2">
+                      <a:alpha val="50000"/>
+                    </a:schemeClr>
+                  </a:solidFill>
+                  <a:ln w="38100"/>
+                </p:spPr>
+                <p:style>
+                  <a:lnRef idx="2">
+                    <a:schemeClr val="accent1">
+                      <a:shade val="50000"/>
+                    </a:schemeClr>
+                  </a:lnRef>
+                  <a:fillRef idx="1">
+                    <a:schemeClr val="accent1"/>
+                  </a:fillRef>
+                  <a:effectRef idx="0">
+                    <a:schemeClr val="accent1"/>
+                  </a:effectRef>
+                  <a:fontRef idx="minor">
+                    <a:schemeClr val="lt1"/>
+                  </a:fontRef>
+                </p:style>
+                <p:txBody>
+                  <a:bodyPr rtlCol="0" anchor="ctr"/>
+                  <a:lstStyle/>
+                  <a:p>
+                    <a:pPr algn="ctr"/>
+                    <a:endParaRPr lang="en-US"/>
+                  </a:p>
+                </p:txBody>
+              </p:sp>
+              <p:sp>
+                <p:nvSpPr>
+                  <p:cNvPr id="61" name="Oval 60">
+                    <a:extLst>
+                      <a:ext uri="{FF2B5EF4-FFF2-40B4-BE49-F238E27FC236}">
+                        <a16:creationId xmlns:a16="http://schemas.microsoft.com/office/drawing/2014/main" id="{E5EC08DB-568F-6748-A49B-96EDA30C8CF3}"/>
+                      </a:ext>
+                    </a:extLst>
+                  </p:cNvPr>
+                  <p:cNvSpPr/>
+                  <p:nvPr/>
+                </p:nvSpPr>
+                <p:spPr>
+                  <a:xfrm>
+                    <a:off x="7045892" y="1772434"/>
+                    <a:ext cx="237993" cy="212942"/>
+                  </a:xfrm>
+                  <a:prstGeom prst="ellipse">
+                    <a:avLst/>
+                  </a:prstGeom>
+                  <a:solidFill>
+                    <a:schemeClr val="accent2">
+                      <a:alpha val="50000"/>
+                    </a:schemeClr>
+                  </a:solidFill>
+                  <a:ln w="38100"/>
+                </p:spPr>
+                <p:style>
+                  <a:lnRef idx="2">
+                    <a:schemeClr val="accent1">
+                      <a:shade val="50000"/>
+                    </a:schemeClr>
+                  </a:lnRef>
+                  <a:fillRef idx="1">
+                    <a:schemeClr val="accent1"/>
+                  </a:fillRef>
+                  <a:effectRef idx="0">
+                    <a:schemeClr val="accent1"/>
+                  </a:effectRef>
+                  <a:fontRef idx="minor">
+                    <a:schemeClr val="lt1"/>
+                  </a:fontRef>
+                </p:style>
+                <p:txBody>
+                  <a:bodyPr rtlCol="0" anchor="ctr"/>
+                  <a:lstStyle/>
+                  <a:p>
+                    <a:pPr algn="ctr"/>
+                    <a:endParaRPr lang="en-US"/>
+                  </a:p>
+                </p:txBody>
+              </p:sp>
+              <p:sp>
+                <p:nvSpPr>
+                  <p:cNvPr id="62" name="Oval 61">
+                    <a:extLst>
+                      <a:ext uri="{FF2B5EF4-FFF2-40B4-BE49-F238E27FC236}">
+                        <a16:creationId xmlns:a16="http://schemas.microsoft.com/office/drawing/2014/main" id="{20AD1383-1490-7849-9DF3-A7837CECB57D}"/>
+                      </a:ext>
+                    </a:extLst>
+                  </p:cNvPr>
+                  <p:cNvSpPr/>
+                  <p:nvPr/>
+                </p:nvSpPr>
+                <p:spPr>
+                  <a:xfrm>
+                    <a:off x="8087640" y="2789130"/>
+                    <a:ext cx="237993" cy="212942"/>
+                  </a:xfrm>
+                  <a:prstGeom prst="ellipse">
+                    <a:avLst/>
+                  </a:prstGeom>
+                  <a:solidFill>
+                    <a:schemeClr val="accent2">
+                      <a:alpha val="50000"/>
+                    </a:schemeClr>
+                  </a:solidFill>
+                  <a:ln w="38100"/>
+                </p:spPr>
+                <p:style>
+                  <a:lnRef idx="2">
+                    <a:schemeClr val="accent1">
+                      <a:shade val="50000"/>
+                    </a:schemeClr>
+                  </a:lnRef>
+                  <a:fillRef idx="1">
+                    <a:schemeClr val="accent1"/>
+                  </a:fillRef>
+                  <a:effectRef idx="0">
+                    <a:schemeClr val="accent1"/>
+                  </a:effectRef>
+                  <a:fontRef idx="minor">
+                    <a:schemeClr val="lt1"/>
+                  </a:fontRef>
+                </p:style>
+                <p:txBody>
+                  <a:bodyPr rtlCol="0" anchor="ctr"/>
+                  <a:lstStyle/>
+                  <a:p>
+                    <a:pPr algn="ctr"/>
+                    <a:endParaRPr lang="en-US" dirty="0"/>
+                  </a:p>
+                </p:txBody>
+              </p:sp>
+              <p:sp>
+                <p:nvSpPr>
+                  <p:cNvPr id="63" name="Oval 62">
+                    <a:extLst>
+                      <a:ext uri="{FF2B5EF4-FFF2-40B4-BE49-F238E27FC236}">
+                        <a16:creationId xmlns:a16="http://schemas.microsoft.com/office/drawing/2014/main" id="{47775395-BD6B-DB4F-ACD4-AA8A4238AA99}"/>
+                      </a:ext>
+                    </a:extLst>
+                  </p:cNvPr>
+                  <p:cNvSpPr/>
+                  <p:nvPr/>
+                </p:nvSpPr>
+                <p:spPr>
+                  <a:xfrm>
+                    <a:off x="8690976" y="1814188"/>
+                    <a:ext cx="237993" cy="212942"/>
+                  </a:xfrm>
+                  <a:prstGeom prst="ellipse">
+                    <a:avLst/>
+                  </a:prstGeom>
+                  <a:solidFill>
+                    <a:schemeClr val="accent2">
+                      <a:alpha val="50000"/>
+                    </a:schemeClr>
+                  </a:solidFill>
+                  <a:ln w="38100"/>
+                </p:spPr>
+                <p:style>
+                  <a:lnRef idx="2">
+                    <a:schemeClr val="accent1">
+                      <a:shade val="50000"/>
+                    </a:schemeClr>
+                  </a:lnRef>
+                  <a:fillRef idx="1">
+                    <a:schemeClr val="accent1"/>
+                  </a:fillRef>
+                  <a:effectRef idx="0">
+                    <a:schemeClr val="accent1"/>
+                  </a:effectRef>
+                  <a:fontRef idx="minor">
+                    <a:schemeClr val="lt1"/>
+                  </a:fontRef>
+                </p:style>
+                <p:txBody>
+                  <a:bodyPr rtlCol="0" anchor="ctr"/>
+                  <a:lstStyle/>
+                  <a:p>
+                    <a:pPr algn="ctr"/>
+                    <a:endParaRPr lang="en-US"/>
+                  </a:p>
+                </p:txBody>
+              </p:sp>
+              <p:sp>
+                <p:nvSpPr>
+                  <p:cNvPr id="64" name="Oval 63">
+                    <a:extLst>
+                      <a:ext uri="{FF2B5EF4-FFF2-40B4-BE49-F238E27FC236}">
+                        <a16:creationId xmlns:a16="http://schemas.microsoft.com/office/drawing/2014/main" id="{C18E4C57-BD2B-324A-84E3-03FE4366D938}"/>
+                      </a:ext>
+                    </a:extLst>
+                  </p:cNvPr>
+                  <p:cNvSpPr/>
+                  <p:nvPr/>
+                </p:nvSpPr>
+                <p:spPr>
+                  <a:xfrm>
+                    <a:off x="7114785" y="889349"/>
+                    <a:ext cx="237993" cy="212942"/>
+                  </a:xfrm>
+                  <a:prstGeom prst="ellipse">
+                    <a:avLst/>
+                  </a:prstGeom>
+                  <a:solidFill>
+                    <a:schemeClr val="accent2">
+                      <a:alpha val="50000"/>
+                    </a:schemeClr>
+                  </a:solidFill>
+                  <a:ln w="38100"/>
+                </p:spPr>
+                <p:style>
+                  <a:lnRef idx="2">
+                    <a:schemeClr val="accent1">
+                      <a:shade val="50000"/>
+                    </a:schemeClr>
+                  </a:lnRef>
+                  <a:fillRef idx="1">
+                    <a:schemeClr val="accent1"/>
+                  </a:fillRef>
+                  <a:effectRef idx="0">
+                    <a:schemeClr val="accent1"/>
+                  </a:effectRef>
+                  <a:fontRef idx="minor">
+                    <a:schemeClr val="lt1"/>
+                  </a:fontRef>
+                </p:style>
+                <p:txBody>
+                  <a:bodyPr rtlCol="0" anchor="ctr"/>
+                  <a:lstStyle/>
+                  <a:p>
+                    <a:pPr algn="ctr"/>
+                    <a:endParaRPr lang="en-US"/>
+                  </a:p>
+                </p:txBody>
+              </p:sp>
+              <p:sp>
+                <p:nvSpPr>
+                  <p:cNvPr id="65" name="Oval 64">
+                    <a:extLst>
+                      <a:ext uri="{FF2B5EF4-FFF2-40B4-BE49-F238E27FC236}">
+                        <a16:creationId xmlns:a16="http://schemas.microsoft.com/office/drawing/2014/main" id="{C89D4EBB-1C46-A94C-9354-8696A5FB688F}"/>
+                      </a:ext>
+                    </a:extLst>
+                  </p:cNvPr>
+                  <p:cNvSpPr/>
+                  <p:nvPr/>
+                </p:nvSpPr>
+                <p:spPr>
+                  <a:xfrm>
+                    <a:off x="7981169" y="1367426"/>
+                    <a:ext cx="237993" cy="212942"/>
+                  </a:xfrm>
+                  <a:prstGeom prst="ellipse">
+                    <a:avLst/>
+                  </a:prstGeom>
+                  <a:solidFill>
+                    <a:schemeClr val="accent2">
+                      <a:alpha val="50000"/>
+                    </a:schemeClr>
+                  </a:solidFill>
+                  <a:ln w="38100"/>
+                </p:spPr>
+                <p:style>
+                  <a:lnRef idx="2">
+                    <a:schemeClr val="accent1">
+                      <a:shade val="50000"/>
+                    </a:schemeClr>
+                  </a:lnRef>
+                  <a:fillRef idx="1">
+                    <a:schemeClr val="accent1"/>
+                  </a:fillRef>
+                  <a:effectRef idx="0">
+                    <a:schemeClr val="accent1"/>
+                  </a:effectRef>
+                  <a:fontRef idx="minor">
+                    <a:schemeClr val="lt1"/>
+                  </a:fontRef>
+                </p:style>
+                <p:txBody>
+                  <a:bodyPr rtlCol="0" anchor="ctr"/>
+                  <a:lstStyle/>
+                  <a:p>
+                    <a:pPr algn="ctr"/>
+                    <a:endParaRPr lang="en-US"/>
+                  </a:p>
+                </p:txBody>
+              </p:sp>
+              <p:sp>
+                <p:nvSpPr>
+                  <p:cNvPr id="66" name="Oval 65">
+                    <a:extLst>
+                      <a:ext uri="{FF2B5EF4-FFF2-40B4-BE49-F238E27FC236}">
+                        <a16:creationId xmlns:a16="http://schemas.microsoft.com/office/drawing/2014/main" id="{BE471AEE-9871-FF44-9441-B911192C11FA}"/>
+                      </a:ext>
+                    </a:extLst>
+                  </p:cNvPr>
+                  <p:cNvSpPr/>
+                  <p:nvPr/>
+                </p:nvSpPr>
+                <p:spPr>
+                  <a:xfrm>
+                    <a:off x="6968648" y="2509383"/>
+                    <a:ext cx="237993" cy="212942"/>
+                  </a:xfrm>
+                  <a:prstGeom prst="ellipse">
+                    <a:avLst/>
+                  </a:prstGeom>
+                  <a:solidFill>
+                    <a:schemeClr val="accent2">
+                      <a:alpha val="50000"/>
+                    </a:schemeClr>
+                  </a:solidFill>
+                  <a:ln w="38100"/>
+                </p:spPr>
+                <p:style>
+                  <a:lnRef idx="2">
+                    <a:schemeClr val="accent1">
+                      <a:shade val="50000"/>
+                    </a:schemeClr>
+                  </a:lnRef>
+                  <a:fillRef idx="1">
+                    <a:schemeClr val="accent1"/>
+                  </a:fillRef>
+                  <a:effectRef idx="0">
+                    <a:schemeClr val="accent1"/>
+                  </a:effectRef>
+                  <a:fontRef idx="minor">
+                    <a:schemeClr val="lt1"/>
+                  </a:fontRef>
+                </p:style>
+                <p:txBody>
+                  <a:bodyPr rtlCol="0" anchor="ctr"/>
+                  <a:lstStyle/>
+                  <a:p>
+                    <a:pPr algn="ctr"/>
+                    <a:endParaRPr lang="en-US"/>
+                  </a:p>
+                </p:txBody>
+              </p:sp>
+              <p:sp>
+                <p:nvSpPr>
+                  <p:cNvPr id="67" name="Oval 66">
+                    <a:extLst>
+                      <a:ext uri="{FF2B5EF4-FFF2-40B4-BE49-F238E27FC236}">
+                        <a16:creationId xmlns:a16="http://schemas.microsoft.com/office/drawing/2014/main" id="{6177C102-A19D-874B-99F4-791FCB91BACE}"/>
+                      </a:ext>
+                    </a:extLst>
+                  </p:cNvPr>
+                  <p:cNvSpPr/>
+                  <p:nvPr/>
+                </p:nvSpPr>
+                <p:spPr>
+                  <a:xfrm>
+                    <a:off x="8686801" y="1108555"/>
+                    <a:ext cx="237993" cy="212942"/>
+                  </a:xfrm>
+                  <a:prstGeom prst="ellipse">
+                    <a:avLst/>
+                  </a:prstGeom>
+                  <a:solidFill>
+                    <a:schemeClr val="accent2">
+                      <a:alpha val="50000"/>
+                    </a:schemeClr>
+                  </a:solidFill>
+                  <a:ln w="38100"/>
+                </p:spPr>
+                <p:style>
+                  <a:lnRef idx="2">
+                    <a:schemeClr val="accent1">
+                      <a:shade val="50000"/>
+                    </a:schemeClr>
+                  </a:lnRef>
+                  <a:fillRef idx="1">
+                    <a:schemeClr val="accent1"/>
+                  </a:fillRef>
+                  <a:effectRef idx="0">
+                    <a:schemeClr val="accent1"/>
+                  </a:effectRef>
+                  <a:fontRef idx="minor">
+                    <a:schemeClr val="lt1"/>
+                  </a:fontRef>
+                </p:style>
+                <p:txBody>
+                  <a:bodyPr rtlCol="0" anchor="ctr"/>
+                  <a:lstStyle/>
+                  <a:p>
+                    <a:pPr algn="ctr"/>
+                    <a:endParaRPr lang="en-US"/>
+                  </a:p>
+                </p:txBody>
+              </p:sp>
+            </p:grpSp>
+            <p:sp>
+              <p:nvSpPr>
+                <p:cNvPr id="70" name="TextBox 69">
+                  <a:extLst>
+                    <a:ext uri="{FF2B5EF4-FFF2-40B4-BE49-F238E27FC236}">
+                      <a16:creationId xmlns:a16="http://schemas.microsoft.com/office/drawing/2014/main" id="{D174B30D-E9C4-7C42-9E6D-8579C5047285}"/>
+                    </a:ext>
+                  </a:extLst>
+                </p:cNvPr>
+                <p:cNvSpPr txBox="1"/>
+                <p:nvPr/>
+              </p:nvSpPr>
+              <p:spPr>
+                <a:xfrm>
+                  <a:off x="3081404" y="0"/>
+                  <a:ext cx="1839863" cy="461665"/>
+                </a:xfrm>
+                <a:prstGeom prst="rect">
+                  <a:avLst/>
+                </a:prstGeom>
+                <a:noFill/>
+              </p:spPr>
+              <p:txBody>
+                <a:bodyPr wrap="none" rtlCol="0">
+                  <a:spAutoFit/>
+                </a:bodyPr>
+                <a:lstStyle/>
+                <a:p>
+                  <a:r>
+                    <a:rPr lang="en-US" sz="2400" dirty="0"/>
+                    <a:t>Low Variance</a:t>
+                  </a:r>
+                </a:p>
+              </p:txBody>
+            </p:sp>
+            <p:sp>
+              <p:nvSpPr>
+                <p:cNvPr id="71" name="TextBox 70">
+                  <a:extLst>
+                    <a:ext uri="{FF2B5EF4-FFF2-40B4-BE49-F238E27FC236}">
+                      <a16:creationId xmlns:a16="http://schemas.microsoft.com/office/drawing/2014/main" id="{3600EE18-6D4E-B848-8E47-FAFF0063FABD}"/>
+                    </a:ext>
+                  </a:extLst>
+                </p:cNvPr>
+                <p:cNvSpPr txBox="1"/>
+                <p:nvPr/>
+              </p:nvSpPr>
+              <p:spPr>
+                <a:xfrm flipH="1">
+                  <a:off x="7027726" y="0"/>
+                  <a:ext cx="2354268" cy="461665"/>
+                </a:xfrm>
+                <a:prstGeom prst="rect">
+                  <a:avLst/>
+                </a:prstGeom>
+                <a:noFill/>
+              </p:spPr>
+              <p:txBody>
+                <a:bodyPr wrap="square" rtlCol="0">
+                  <a:spAutoFit/>
+                </a:bodyPr>
+                <a:lstStyle/>
+                <a:p>
+                  <a:r>
+                    <a:rPr lang="en-US" sz="2400" dirty="0"/>
+                    <a:t>High Variance</a:t>
+                  </a:r>
+                </a:p>
+              </p:txBody>
+            </p:sp>
+          </p:grpSp>
+        </p:grpSp>
+        <p:grpSp>
+          <p:nvGrpSpPr>
+            <p:cNvPr id="56" name="Group 55">
+              <a:extLst>
+                <a:ext uri="{FF2B5EF4-FFF2-40B4-BE49-F238E27FC236}">
+                  <a16:creationId xmlns:a16="http://schemas.microsoft.com/office/drawing/2014/main" id="{D9060D70-433C-CF43-BBDE-19E281EC3032}"/>
+                </a:ext>
+              </a:extLst>
+            </p:cNvPr>
+            <p:cNvGrpSpPr/>
+            <p:nvPr/>
+          </p:nvGrpSpPr>
+          <p:grpSpPr>
+            <a:xfrm>
+              <a:off x="3617493" y="2106327"/>
+              <a:ext cx="500513" cy="462012"/>
+              <a:chOff x="10124171" y="4272011"/>
+              <a:chExt cx="500513" cy="462012"/>
+            </a:xfrm>
+          </p:grpSpPr>
+          <p:sp>
+            <p:nvSpPr>
+              <p:cNvPr id="74" name="Oval 73">
+                <a:extLst>
+                  <a:ext uri="{FF2B5EF4-FFF2-40B4-BE49-F238E27FC236}">
+                    <a16:creationId xmlns:a16="http://schemas.microsoft.com/office/drawing/2014/main" id="{A3231A86-BEC5-5D40-985F-154809B0AF38}"/>
                   </a:ext>
                 </a:extLst>
               </p:cNvPr>
@@ -6520,183 +9020,13 @@
             </p:nvSpPr>
             <p:spPr>
               <a:xfrm>
-                <a:off x="6588690" y="475988"/>
-                <a:ext cx="3018773" cy="3006247"/>
+                <a:off x="10124171" y="4272011"/>
+                <a:ext cx="500513" cy="462012"/>
               </a:xfrm>
               <a:prstGeom prst="ellipse">
                 <a:avLst/>
               </a:prstGeom>
-              <a:pattFill prst="wdDnDiag">
-                <a:fgClr>
-                  <a:schemeClr val="tx1"/>
-                </a:fgClr>
-                <a:bgClr>
-                  <a:schemeClr val="bg1"/>
-                </a:bgClr>
-              </a:pattFill>
-              <a:ln w="38100"/>
-            </p:spPr>
-            <p:style>
-              <a:lnRef idx="2">
-                <a:schemeClr val="accent1">
-                  <a:shade val="50000"/>
-                </a:schemeClr>
-              </a:lnRef>
-              <a:fillRef idx="1">
-                <a:schemeClr val="accent1"/>
-              </a:fillRef>
-              <a:effectRef idx="0">
-                <a:schemeClr val="accent1"/>
-              </a:effectRef>
-              <a:fontRef idx="minor">
-                <a:schemeClr val="lt1"/>
-              </a:fontRef>
-            </p:style>
-            <p:txBody>
-              <a:bodyPr rtlCol="0" anchor="ctr"/>
-              <a:lstStyle/>
-              <a:p>
-                <a:pPr algn="ctr"/>
-                <a:endParaRPr lang="en-US"/>
-              </a:p>
-            </p:txBody>
-          </p:sp>
-          <p:sp>
-            <p:nvSpPr>
-              <p:cNvPr id="10" name="Oval 9">
-                <a:extLst>
-                  <a:ext uri="{FF2B5EF4-FFF2-40B4-BE49-F238E27FC236}">
-                    <a16:creationId xmlns:a16="http://schemas.microsoft.com/office/drawing/2014/main" id="{C3373A0C-6AAA-D24C-A123-1B4D9ADE92EC}"/>
-                  </a:ext>
-                </a:extLst>
-              </p:cNvPr>
-              <p:cNvSpPr/>
-              <p:nvPr/>
-            </p:nvSpPr>
-            <p:spPr>
-              <a:xfrm>
-                <a:off x="6452991" y="3722317"/>
-                <a:ext cx="3018773" cy="3006247"/>
-              </a:xfrm>
-              <a:prstGeom prst="ellipse">
-                <a:avLst/>
-              </a:prstGeom>
-              <a:pattFill prst="wdDnDiag">
-                <a:fgClr>
-                  <a:schemeClr val="tx1"/>
-                </a:fgClr>
-                <a:bgClr>
-                  <a:schemeClr val="bg1"/>
-                </a:bgClr>
-              </a:pattFill>
-              <a:ln w="38100"/>
-            </p:spPr>
-            <p:style>
-              <a:lnRef idx="2">
-                <a:schemeClr val="accent1">
-                  <a:shade val="50000"/>
-                </a:schemeClr>
-              </a:lnRef>
-              <a:fillRef idx="1">
-                <a:schemeClr val="accent1"/>
-              </a:fillRef>
-              <a:effectRef idx="0">
-                <a:schemeClr val="accent1"/>
-              </a:effectRef>
-              <a:fontRef idx="minor">
-                <a:schemeClr val="lt1"/>
-              </a:fontRef>
-            </p:style>
-            <p:txBody>
-              <a:bodyPr rtlCol="0" anchor="ctr"/>
-              <a:lstStyle/>
-              <a:p>
-                <a:pPr algn="ctr"/>
-                <a:endParaRPr lang="en-US"/>
-              </a:p>
-            </p:txBody>
-          </p:sp>
-          <p:sp>
-            <p:nvSpPr>
-              <p:cNvPr id="4" name="Rectangle 3">
-                <a:extLst>
-                  <a:ext uri="{FF2B5EF4-FFF2-40B4-BE49-F238E27FC236}">
-                    <a16:creationId xmlns:a16="http://schemas.microsoft.com/office/drawing/2014/main" id="{454838CB-1C6B-FD49-A234-BCF63E023A19}"/>
-                  </a:ext>
-                </a:extLst>
-              </p:cNvPr>
-              <p:cNvSpPr/>
-              <p:nvPr/>
-            </p:nvSpPr>
-            <p:spPr>
-              <a:xfrm>
-                <a:off x="7751501" y="1710660"/>
-                <a:ext cx="553255" cy="518973"/>
-              </a:xfrm>
-              <a:prstGeom prst="rect">
-                <a:avLst/>
-              </a:prstGeom>
-              <a:solidFill>
-                <a:schemeClr val="accent1">
-                  <a:alpha val="50000"/>
-                </a:schemeClr>
-              </a:solidFill>
-              <a:ln w="38100">
-                <a:solidFill>
-                  <a:schemeClr val="tx1"/>
-                </a:solidFill>
-              </a:ln>
-            </p:spPr>
-            <p:style>
-              <a:lnRef idx="2">
-                <a:schemeClr val="accent1">
-                  <a:shade val="50000"/>
-                </a:schemeClr>
-              </a:lnRef>
-              <a:fillRef idx="1">
-                <a:schemeClr val="accent1"/>
-              </a:fillRef>
-              <a:effectRef idx="0">
-                <a:schemeClr val="accent1"/>
-              </a:effectRef>
-              <a:fontRef idx="minor">
-                <a:schemeClr val="lt1"/>
-              </a:fontRef>
-            </p:style>
-            <p:txBody>
-              <a:bodyPr rtlCol="0" anchor="ctr"/>
-              <a:lstStyle/>
-              <a:p>
-                <a:pPr algn="ctr"/>
-                <a:endParaRPr lang="en-US" dirty="0"/>
-              </a:p>
-            </p:txBody>
-          </p:sp>
-          <p:sp>
-            <p:nvSpPr>
-              <p:cNvPr id="11" name="Rectangle 10">
-                <a:extLst>
-                  <a:ext uri="{FF2B5EF4-FFF2-40B4-BE49-F238E27FC236}">
-                    <a16:creationId xmlns:a16="http://schemas.microsoft.com/office/drawing/2014/main" id="{53E5485A-3CEA-084B-A108-F1976FC59C32}"/>
-                  </a:ext>
-                </a:extLst>
-              </p:cNvPr>
-              <p:cNvSpPr/>
-              <p:nvPr/>
-            </p:nvSpPr>
-            <p:spPr>
-              <a:xfrm>
-                <a:off x="6513512" y="5495608"/>
-                <a:ext cx="553255" cy="518973"/>
-              </a:xfrm>
-              <a:prstGeom prst="rect">
-                <a:avLst/>
-              </a:prstGeom>
-              <a:solidFill>
-                <a:schemeClr val="accent1">
-                  <a:alpha val="50000"/>
-                </a:schemeClr>
-              </a:solidFill>
+              <a:noFill/>
               <a:ln w="38100">
                 <a:solidFill>
                   <a:schemeClr val="tx1"/>
@@ -6730,10 +9060,10 @@
           </p:sp>
           <p:sp>
             <p:nvSpPr>
-              <p:cNvPr id="12" name="Oval 11">
+              <p:cNvPr id="75" name="5-Point Star 74">
                 <a:extLst>
                   <a:ext uri="{FF2B5EF4-FFF2-40B4-BE49-F238E27FC236}">
-                    <a16:creationId xmlns:a16="http://schemas.microsoft.com/office/drawing/2014/main" id="{A426812A-3EC0-B74E-8F68-6D7837C2CFFD}"/>
+                    <a16:creationId xmlns:a16="http://schemas.microsoft.com/office/drawing/2014/main" id="{FF1F08A4-6524-7E48-ABCF-1261AB1D17EF}"/>
                   </a:ext>
                 </a:extLst>
               </p:cNvPr>
@@ -6742,21 +9072,15 @@
             </p:nvSpPr>
             <p:spPr>
               <a:xfrm>
-                <a:off x="2908125" y="1116903"/>
-                <a:ext cx="1977025" cy="1864291"/>
+                <a:off x="10133797" y="4272013"/>
+                <a:ext cx="481263" cy="442762"/>
               </a:xfrm>
-              <a:prstGeom prst="ellipse">
+              <a:prstGeom prst="star5">
                 <a:avLst/>
               </a:prstGeom>
-              <a:pattFill prst="wdDnDiag">
-                <a:fgClr>
-                  <a:schemeClr val="tx1"/>
-                </a:fgClr>
-                <a:bgClr>
-                  <a:schemeClr val="bg1"/>
-                </a:bgClr>
-              </a:pattFill>
-              <a:ln w="38100"/>
+              <a:solidFill>
+                <a:schemeClr val="tx1"/>
+              </a:solidFill>
             </p:spPr>
             <p:style>
               <a:lnRef idx="2">
@@ -6783,12 +9107,33 @@
               </a:p>
             </p:txBody>
           </p:sp>
+        </p:grpSp>
+        <p:grpSp>
+          <p:nvGrpSpPr>
+            <p:cNvPr id="76" name="Group 75">
+              <a:extLst>
+                <a:ext uri="{FF2B5EF4-FFF2-40B4-BE49-F238E27FC236}">
+                  <a16:creationId xmlns:a16="http://schemas.microsoft.com/office/drawing/2014/main" id="{E4B75BEA-776A-0E4B-9FD7-77CDAAFF058A}"/>
+                </a:ext>
+              </a:extLst>
+            </p:cNvPr>
+            <p:cNvGrpSpPr/>
+            <p:nvPr/>
+          </p:nvGrpSpPr>
+          <p:grpSpPr>
+            <a:xfrm>
+              <a:off x="7833358" y="2000449"/>
+              <a:ext cx="500513" cy="462012"/>
+              <a:chOff x="10124171" y="4272011"/>
+              <a:chExt cx="500513" cy="462012"/>
+            </a:xfrm>
+          </p:grpSpPr>
           <p:sp>
             <p:nvSpPr>
-              <p:cNvPr id="13" name="Oval 12">
+              <p:cNvPr id="77" name="Oval 76">
                 <a:extLst>
                   <a:ext uri="{FF2B5EF4-FFF2-40B4-BE49-F238E27FC236}">
-                    <a16:creationId xmlns:a16="http://schemas.microsoft.com/office/drawing/2014/main" id="{885EFE14-4C73-7946-A317-17D92A2CB9CF}"/>
+                    <a16:creationId xmlns:a16="http://schemas.microsoft.com/office/drawing/2014/main" id="{C460BAA2-69F1-3544-946E-77D995BA738A}"/>
                   </a:ext>
                 </a:extLst>
               </p:cNvPr>
@@ -6797,72 +9142,13 @@
             </p:nvSpPr>
             <p:spPr>
               <a:xfrm>
-                <a:off x="2885161" y="4062607"/>
-                <a:ext cx="1977025" cy="1864291"/>
+                <a:off x="10124171" y="4272011"/>
+                <a:ext cx="500513" cy="462012"/>
               </a:xfrm>
               <a:prstGeom prst="ellipse">
                 <a:avLst/>
               </a:prstGeom>
-              <a:pattFill prst="wdDnDiag">
-                <a:fgClr>
-                  <a:schemeClr val="tx1"/>
-                </a:fgClr>
-                <a:bgClr>
-                  <a:schemeClr val="bg1"/>
-                </a:bgClr>
-              </a:pattFill>
-              <a:ln w="38100"/>
-            </p:spPr>
-            <p:style>
-              <a:lnRef idx="2">
-                <a:schemeClr val="accent1">
-                  <a:shade val="50000"/>
-                </a:schemeClr>
-              </a:lnRef>
-              <a:fillRef idx="1">
-                <a:schemeClr val="accent1"/>
-              </a:fillRef>
-              <a:effectRef idx="0">
-                <a:schemeClr val="accent1"/>
-              </a:effectRef>
-              <a:fontRef idx="minor">
-                <a:schemeClr val="lt1"/>
-              </a:fontRef>
-            </p:style>
-            <p:txBody>
-              <a:bodyPr rtlCol="0" anchor="ctr"/>
-              <a:lstStyle/>
-              <a:p>
-                <a:pPr algn="ctr"/>
-                <a:endParaRPr lang="en-US"/>
-              </a:p>
-            </p:txBody>
-          </p:sp>
-          <p:sp>
-            <p:nvSpPr>
-              <p:cNvPr id="14" name="Rectangle 13">
-                <a:extLst>
-                  <a:ext uri="{FF2B5EF4-FFF2-40B4-BE49-F238E27FC236}">
-                    <a16:creationId xmlns:a16="http://schemas.microsoft.com/office/drawing/2014/main" id="{7F09CB6B-5134-6B47-ACDC-0D7A74E13A56}"/>
-                  </a:ext>
-                </a:extLst>
-              </p:cNvPr>
-              <p:cNvSpPr/>
-              <p:nvPr/>
-            </p:nvSpPr>
-            <p:spPr>
-              <a:xfrm>
-                <a:off x="3569895" y="1787904"/>
-                <a:ext cx="553255" cy="518973"/>
-              </a:xfrm>
-              <a:prstGeom prst="rect">
-                <a:avLst/>
-              </a:prstGeom>
-              <a:solidFill>
-                <a:schemeClr val="accent1">
-                  <a:alpha val="50000"/>
-                </a:schemeClr>
-              </a:solidFill>
+              <a:noFill/>
               <a:ln w="38100">
                 <a:solidFill>
                   <a:schemeClr val="tx1"/>
@@ -6896,10 +9182,10 @@
           </p:sp>
           <p:sp>
             <p:nvSpPr>
-              <p:cNvPr id="15" name="Rectangle 14">
+              <p:cNvPr id="78" name="5-Point Star 77">
                 <a:extLst>
                   <a:ext uri="{FF2B5EF4-FFF2-40B4-BE49-F238E27FC236}">
-                    <a16:creationId xmlns:a16="http://schemas.microsoft.com/office/drawing/2014/main" id="{0A2A8B4E-69C2-9A42-919D-FC1EE5F4C757}"/>
+                    <a16:creationId xmlns:a16="http://schemas.microsoft.com/office/drawing/2014/main" id="{16C83CCE-6DC4-EE4C-8803-21136A4BF5C5}"/>
                   </a:ext>
                 </a:extLst>
               </p:cNvPr>
@@ -6908,22 +9194,15 @@
             </p:nvSpPr>
             <p:spPr>
               <a:xfrm>
-                <a:off x="2281802" y="5347383"/>
-                <a:ext cx="553255" cy="518973"/>
+                <a:off x="10133797" y="4272013"/>
+                <a:ext cx="481263" cy="442762"/>
               </a:xfrm>
-              <a:prstGeom prst="rect">
+              <a:prstGeom prst="star5">
                 <a:avLst/>
               </a:prstGeom>
               <a:solidFill>
-                <a:schemeClr val="accent1">
-                  <a:alpha val="50000"/>
-                </a:schemeClr>
+                <a:schemeClr val="tx1"/>
               </a:solidFill>
-              <a:ln w="38100">
-                <a:solidFill>
-                  <a:schemeClr val="tx1"/>
-                </a:solidFill>
-              </a:ln>
             </p:spPr>
             <p:style>
               <a:lnRef idx="2">
@@ -6950,2033 +9229,209 @@
               </a:p>
             </p:txBody>
           </p:sp>
-          <p:grpSp>
-            <p:nvGrpSpPr>
-              <p:cNvPr id="24" name="Group 23">
-                <a:extLst>
-                  <a:ext uri="{FF2B5EF4-FFF2-40B4-BE49-F238E27FC236}">
-                    <a16:creationId xmlns:a16="http://schemas.microsoft.com/office/drawing/2014/main" id="{F1F60D61-26E4-4549-A3A6-C3BCBAA24317}"/>
-                  </a:ext>
-                </a:extLst>
-              </p:cNvPr>
-              <p:cNvGrpSpPr/>
-              <p:nvPr/>
-            </p:nvGrpSpPr>
-            <p:grpSpPr>
-              <a:xfrm>
-                <a:off x="3171173" y="1290182"/>
-                <a:ext cx="1574103" cy="1459282"/>
-                <a:chOff x="3058439" y="4058434"/>
-                <a:chExt cx="1574103" cy="1459282"/>
-              </a:xfrm>
-            </p:grpSpPr>
-            <p:sp>
-              <p:nvSpPr>
-                <p:cNvPr id="8" name="Oval 7">
-                  <a:extLst>
-                    <a:ext uri="{FF2B5EF4-FFF2-40B4-BE49-F238E27FC236}">
-                      <a16:creationId xmlns:a16="http://schemas.microsoft.com/office/drawing/2014/main" id="{0D6ED903-1935-0D44-B651-ED4C4E4DC138}"/>
-                    </a:ext>
-                  </a:extLst>
-                </p:cNvPr>
-                <p:cNvSpPr/>
-                <p:nvPr/>
-              </p:nvSpPr>
-              <p:spPr>
-                <a:xfrm>
-                  <a:off x="3206664" y="4446741"/>
-                  <a:ext cx="237993" cy="212942"/>
-                </a:xfrm>
-                <a:prstGeom prst="ellipse">
-                  <a:avLst/>
-                </a:prstGeom>
-                <a:solidFill>
-                  <a:schemeClr val="accent2">
-                    <a:alpha val="50000"/>
-                  </a:schemeClr>
-                </a:solidFill>
-                <a:ln w="38100"/>
-              </p:spPr>
-              <p:style>
-                <a:lnRef idx="2">
-                  <a:schemeClr val="accent1">
-                    <a:shade val="50000"/>
-                  </a:schemeClr>
-                </a:lnRef>
-                <a:fillRef idx="1">
-                  <a:schemeClr val="accent1"/>
-                </a:fillRef>
-                <a:effectRef idx="0">
-                  <a:schemeClr val="accent1"/>
-                </a:effectRef>
-                <a:fontRef idx="minor">
-                  <a:schemeClr val="lt1"/>
-                </a:fontRef>
-              </p:style>
-              <p:txBody>
-                <a:bodyPr rtlCol="0" anchor="ctr"/>
-                <a:lstStyle/>
-                <a:p>
-                  <a:pPr algn="ctr"/>
-                  <a:endParaRPr lang="en-US"/>
-                </a:p>
-              </p:txBody>
-            </p:sp>
-            <p:sp>
-              <p:nvSpPr>
-                <p:cNvPr id="16" name="Oval 15">
-                  <a:extLst>
-                    <a:ext uri="{FF2B5EF4-FFF2-40B4-BE49-F238E27FC236}">
-                      <a16:creationId xmlns:a16="http://schemas.microsoft.com/office/drawing/2014/main" id="{27BCA0C6-7C0D-3F4D-9D3B-E65CCEDCB345}"/>
-                    </a:ext>
-                  </a:extLst>
-                </p:cNvPr>
-                <p:cNvSpPr/>
-                <p:nvPr/>
-              </p:nvSpPr>
-              <p:spPr>
-                <a:xfrm>
-                  <a:off x="3058439" y="5050078"/>
-                  <a:ext cx="237993" cy="212942"/>
-                </a:xfrm>
-                <a:prstGeom prst="ellipse">
-                  <a:avLst/>
-                </a:prstGeom>
-                <a:solidFill>
-                  <a:schemeClr val="accent2">
-                    <a:alpha val="50000"/>
-                  </a:schemeClr>
-                </a:solidFill>
-                <a:ln w="38100"/>
-              </p:spPr>
-              <p:style>
-                <a:lnRef idx="2">
-                  <a:schemeClr val="accent1">
-                    <a:shade val="50000"/>
-                  </a:schemeClr>
-                </a:lnRef>
-                <a:fillRef idx="1">
-                  <a:schemeClr val="accent1"/>
-                </a:fillRef>
-                <a:effectRef idx="0">
-                  <a:schemeClr val="accent1"/>
-                </a:effectRef>
-                <a:fontRef idx="minor">
-                  <a:schemeClr val="lt1"/>
-                </a:fontRef>
-              </p:style>
-              <p:txBody>
-                <a:bodyPr rtlCol="0" anchor="ctr"/>
-                <a:lstStyle/>
-                <a:p>
-                  <a:pPr algn="ctr"/>
-                  <a:endParaRPr lang="en-US"/>
-                </a:p>
-              </p:txBody>
-            </p:sp>
-            <p:sp>
-              <p:nvSpPr>
-                <p:cNvPr id="17" name="Oval 16">
-                  <a:extLst>
-                    <a:ext uri="{FF2B5EF4-FFF2-40B4-BE49-F238E27FC236}">
-                      <a16:creationId xmlns:a16="http://schemas.microsoft.com/office/drawing/2014/main" id="{6E3CD074-68C1-144F-80A1-D3F086154BEB}"/>
-                    </a:ext>
-                  </a:extLst>
-                </p:cNvPr>
-                <p:cNvSpPr/>
-                <p:nvPr/>
-              </p:nvSpPr>
-              <p:spPr>
-                <a:xfrm>
-                  <a:off x="3511464" y="4751541"/>
-                  <a:ext cx="237993" cy="212942"/>
-                </a:xfrm>
-                <a:prstGeom prst="ellipse">
-                  <a:avLst/>
-                </a:prstGeom>
-                <a:solidFill>
-                  <a:schemeClr val="accent2">
-                    <a:alpha val="50000"/>
-                  </a:schemeClr>
-                </a:solidFill>
-                <a:ln w="38100"/>
-              </p:spPr>
-              <p:style>
-                <a:lnRef idx="2">
-                  <a:schemeClr val="accent1">
-                    <a:shade val="50000"/>
-                  </a:schemeClr>
-                </a:lnRef>
-                <a:fillRef idx="1">
-                  <a:schemeClr val="accent1"/>
-                </a:fillRef>
-                <a:effectRef idx="0">
-                  <a:schemeClr val="accent1"/>
-                </a:effectRef>
-                <a:fontRef idx="minor">
-                  <a:schemeClr val="lt1"/>
-                </a:fontRef>
-              </p:style>
-              <p:txBody>
-                <a:bodyPr rtlCol="0" anchor="ctr"/>
-                <a:lstStyle/>
-                <a:p>
-                  <a:pPr algn="ctr"/>
-                  <a:endParaRPr lang="en-US"/>
-                </a:p>
-              </p:txBody>
-            </p:sp>
-            <p:sp>
-              <p:nvSpPr>
-                <p:cNvPr id="18" name="Oval 17">
-                  <a:extLst>
-                    <a:ext uri="{FF2B5EF4-FFF2-40B4-BE49-F238E27FC236}">
-                      <a16:creationId xmlns:a16="http://schemas.microsoft.com/office/drawing/2014/main" id="{F3DD1C86-C609-5E4B-BC14-0CA555DC0F6B}"/>
-                    </a:ext>
-                  </a:extLst>
-                </p:cNvPr>
-                <p:cNvSpPr/>
-                <p:nvPr/>
-              </p:nvSpPr>
-              <p:spPr>
-                <a:xfrm>
-                  <a:off x="3613760" y="5304774"/>
-                  <a:ext cx="237993" cy="212942"/>
-                </a:xfrm>
-                <a:prstGeom prst="ellipse">
-                  <a:avLst/>
-                </a:prstGeom>
-                <a:solidFill>
-                  <a:schemeClr val="accent2">
-                    <a:alpha val="50000"/>
-                  </a:schemeClr>
-                </a:solidFill>
-                <a:ln w="38100"/>
-              </p:spPr>
-              <p:style>
-                <a:lnRef idx="2">
-                  <a:schemeClr val="accent1">
-                    <a:shade val="50000"/>
-                  </a:schemeClr>
-                </a:lnRef>
-                <a:fillRef idx="1">
-                  <a:schemeClr val="accent1"/>
-                </a:fillRef>
-                <a:effectRef idx="0">
-                  <a:schemeClr val="accent1"/>
-                </a:effectRef>
-                <a:fontRef idx="minor">
-                  <a:schemeClr val="lt1"/>
-                </a:fontRef>
-              </p:style>
-              <p:txBody>
-                <a:bodyPr rtlCol="0" anchor="ctr"/>
-                <a:lstStyle/>
-                <a:p>
-                  <a:pPr algn="ctr"/>
-                  <a:endParaRPr lang="en-US"/>
-                </a:p>
-              </p:txBody>
-            </p:sp>
-            <p:sp>
-              <p:nvSpPr>
-                <p:cNvPr id="19" name="Oval 18">
-                  <a:extLst>
-                    <a:ext uri="{FF2B5EF4-FFF2-40B4-BE49-F238E27FC236}">
-                      <a16:creationId xmlns:a16="http://schemas.microsoft.com/office/drawing/2014/main" id="{1FEBFB60-8B9D-8C45-A691-A1DC40BC6F8B}"/>
-                    </a:ext>
-                  </a:extLst>
-                </p:cNvPr>
-                <p:cNvSpPr/>
-                <p:nvPr/>
-              </p:nvSpPr>
-              <p:spPr>
-                <a:xfrm>
-                  <a:off x="3891420" y="4680560"/>
-                  <a:ext cx="237993" cy="212942"/>
-                </a:xfrm>
-                <a:prstGeom prst="ellipse">
-                  <a:avLst/>
-                </a:prstGeom>
-                <a:solidFill>
-                  <a:schemeClr val="accent2">
-                    <a:alpha val="50000"/>
-                  </a:schemeClr>
-                </a:solidFill>
-                <a:ln w="38100"/>
-              </p:spPr>
-              <p:style>
-                <a:lnRef idx="2">
-                  <a:schemeClr val="accent1">
-                    <a:shade val="50000"/>
-                  </a:schemeClr>
-                </a:lnRef>
-                <a:fillRef idx="1">
-                  <a:schemeClr val="accent1"/>
-                </a:fillRef>
-                <a:effectRef idx="0">
-                  <a:schemeClr val="accent1"/>
-                </a:effectRef>
-                <a:fontRef idx="minor">
-                  <a:schemeClr val="lt1"/>
-                </a:fontRef>
-              </p:style>
-              <p:txBody>
-                <a:bodyPr rtlCol="0" anchor="ctr"/>
-                <a:lstStyle/>
-                <a:p>
-                  <a:pPr algn="ctr"/>
-                  <a:endParaRPr lang="en-US"/>
-                </a:p>
-              </p:txBody>
-            </p:sp>
-            <p:sp>
-              <p:nvSpPr>
-                <p:cNvPr id="20" name="Oval 19">
-                  <a:extLst>
-                    <a:ext uri="{FF2B5EF4-FFF2-40B4-BE49-F238E27FC236}">
-                      <a16:creationId xmlns:a16="http://schemas.microsoft.com/office/drawing/2014/main" id="{F5BCEBEA-7B30-4846-BD1E-5C862AD17121}"/>
-                    </a:ext>
-                  </a:extLst>
-                </p:cNvPr>
-                <p:cNvSpPr/>
-                <p:nvPr/>
-              </p:nvSpPr>
-              <p:spPr>
-                <a:xfrm>
-                  <a:off x="4394549" y="4995798"/>
-                  <a:ext cx="237993" cy="212942"/>
-                </a:xfrm>
-                <a:prstGeom prst="ellipse">
-                  <a:avLst/>
-                </a:prstGeom>
-                <a:solidFill>
-                  <a:schemeClr val="accent2">
-                    <a:alpha val="50000"/>
-                  </a:schemeClr>
-                </a:solidFill>
-                <a:ln w="38100"/>
-              </p:spPr>
-              <p:style>
-                <a:lnRef idx="2">
-                  <a:schemeClr val="accent1">
-                    <a:shade val="50000"/>
-                  </a:schemeClr>
-                </a:lnRef>
-                <a:fillRef idx="1">
-                  <a:schemeClr val="accent1"/>
-                </a:fillRef>
-                <a:effectRef idx="0">
-                  <a:schemeClr val="accent1"/>
-                </a:effectRef>
-                <a:fontRef idx="minor">
-                  <a:schemeClr val="lt1"/>
-                </a:fontRef>
-              </p:style>
-              <p:txBody>
-                <a:bodyPr rtlCol="0" anchor="ctr"/>
-                <a:lstStyle/>
-                <a:p>
-                  <a:pPr algn="ctr"/>
-                  <a:endParaRPr lang="en-US"/>
-                </a:p>
-              </p:txBody>
-            </p:sp>
-            <p:sp>
-              <p:nvSpPr>
-                <p:cNvPr id="21" name="Oval 20">
-                  <a:extLst>
-                    <a:ext uri="{FF2B5EF4-FFF2-40B4-BE49-F238E27FC236}">
-                      <a16:creationId xmlns:a16="http://schemas.microsoft.com/office/drawing/2014/main" id="{324F92FE-0162-C24E-B4B2-DCCBEE7E702F}"/>
-                    </a:ext>
-                  </a:extLst>
-                </p:cNvPr>
-                <p:cNvSpPr/>
-                <p:nvPr/>
-              </p:nvSpPr>
-              <p:spPr>
-                <a:xfrm>
-                  <a:off x="3532341" y="4058434"/>
-                  <a:ext cx="237993" cy="212942"/>
-                </a:xfrm>
-                <a:prstGeom prst="ellipse">
-                  <a:avLst/>
-                </a:prstGeom>
-                <a:solidFill>
-                  <a:schemeClr val="accent2">
-                    <a:alpha val="50000"/>
-                  </a:schemeClr>
-                </a:solidFill>
-                <a:ln w="38100"/>
-              </p:spPr>
-              <p:style>
-                <a:lnRef idx="2">
-                  <a:schemeClr val="accent1">
-                    <a:shade val="50000"/>
-                  </a:schemeClr>
-                </a:lnRef>
-                <a:fillRef idx="1">
-                  <a:schemeClr val="accent1"/>
-                </a:fillRef>
-                <a:effectRef idx="0">
-                  <a:schemeClr val="accent1"/>
-                </a:effectRef>
-                <a:fontRef idx="minor">
-                  <a:schemeClr val="lt1"/>
-                </a:fontRef>
-              </p:style>
-              <p:txBody>
-                <a:bodyPr rtlCol="0" anchor="ctr"/>
-                <a:lstStyle/>
-                <a:p>
-                  <a:pPr algn="ctr"/>
-                  <a:endParaRPr lang="en-US"/>
-                </a:p>
-              </p:txBody>
-            </p:sp>
-            <p:sp>
-              <p:nvSpPr>
-                <p:cNvPr id="22" name="Oval 21">
-                  <a:extLst>
-                    <a:ext uri="{FF2B5EF4-FFF2-40B4-BE49-F238E27FC236}">
-                      <a16:creationId xmlns:a16="http://schemas.microsoft.com/office/drawing/2014/main" id="{37794DEE-6E90-EE4D-8FCC-F5D47872F85C}"/>
-                    </a:ext>
-                  </a:extLst>
-                </p:cNvPr>
-                <p:cNvSpPr/>
-                <p:nvPr/>
-              </p:nvSpPr>
-              <p:spPr>
-                <a:xfrm>
-                  <a:off x="3897683" y="5025026"/>
-                  <a:ext cx="237993" cy="212942"/>
-                </a:xfrm>
-                <a:prstGeom prst="ellipse">
-                  <a:avLst/>
-                </a:prstGeom>
-                <a:solidFill>
-                  <a:schemeClr val="accent2">
-                    <a:alpha val="50000"/>
-                  </a:schemeClr>
-                </a:solidFill>
-                <a:ln w="38100"/>
-              </p:spPr>
-              <p:style>
-                <a:lnRef idx="2">
-                  <a:schemeClr val="accent1">
-                    <a:shade val="50000"/>
-                  </a:schemeClr>
-                </a:lnRef>
-                <a:fillRef idx="1">
-                  <a:schemeClr val="accent1"/>
-                </a:fillRef>
-                <a:effectRef idx="0">
-                  <a:schemeClr val="accent1"/>
-                </a:effectRef>
-                <a:fontRef idx="minor">
-                  <a:schemeClr val="lt1"/>
-                </a:fontRef>
-              </p:style>
-              <p:txBody>
-                <a:bodyPr rtlCol="0" anchor="ctr"/>
-                <a:lstStyle/>
-                <a:p>
-                  <a:pPr algn="ctr"/>
-                  <a:endParaRPr lang="en-US"/>
-                </a:p>
-              </p:txBody>
-            </p:sp>
-            <p:sp>
-              <p:nvSpPr>
-                <p:cNvPr id="23" name="Oval 22">
-                  <a:extLst>
-                    <a:ext uri="{FF2B5EF4-FFF2-40B4-BE49-F238E27FC236}">
-                      <a16:creationId xmlns:a16="http://schemas.microsoft.com/office/drawing/2014/main" id="{49BAF0B9-F9D7-E841-86BE-54DACEB90DE3}"/>
-                    </a:ext>
-                  </a:extLst>
-                </p:cNvPr>
-                <p:cNvSpPr/>
-                <p:nvPr/>
-              </p:nvSpPr>
-              <p:spPr>
-                <a:xfrm>
-                  <a:off x="4025031" y="4388286"/>
-                  <a:ext cx="237993" cy="212942"/>
-                </a:xfrm>
-                <a:prstGeom prst="ellipse">
-                  <a:avLst/>
-                </a:prstGeom>
-                <a:solidFill>
-                  <a:schemeClr val="accent2">
-                    <a:alpha val="50000"/>
-                  </a:schemeClr>
-                </a:solidFill>
-                <a:ln w="38100"/>
-              </p:spPr>
-              <p:style>
-                <a:lnRef idx="2">
-                  <a:schemeClr val="accent1">
-                    <a:shade val="50000"/>
-                  </a:schemeClr>
-                </a:lnRef>
-                <a:fillRef idx="1">
-                  <a:schemeClr val="accent1"/>
-                </a:fillRef>
-                <a:effectRef idx="0">
-                  <a:schemeClr val="accent1"/>
-                </a:effectRef>
-                <a:fontRef idx="minor">
-                  <a:schemeClr val="lt1"/>
-                </a:fontRef>
-              </p:style>
-              <p:txBody>
-                <a:bodyPr rtlCol="0" anchor="ctr"/>
-                <a:lstStyle/>
-                <a:p>
-                  <a:pPr algn="ctr"/>
-                  <a:endParaRPr lang="en-US"/>
-                </a:p>
-              </p:txBody>
-            </p:sp>
-          </p:grpSp>
-          <p:grpSp>
-            <p:nvGrpSpPr>
-              <p:cNvPr id="25" name="Group 24">
-                <a:extLst>
-                  <a:ext uri="{FF2B5EF4-FFF2-40B4-BE49-F238E27FC236}">
-                    <a16:creationId xmlns:a16="http://schemas.microsoft.com/office/drawing/2014/main" id="{352970BA-57ED-A240-A59D-78F5E00267CF}"/>
-                  </a:ext>
-                </a:extLst>
-              </p:cNvPr>
-              <p:cNvGrpSpPr/>
-              <p:nvPr/>
-            </p:nvGrpSpPr>
-            <p:grpSpPr>
-              <a:xfrm>
-                <a:off x="3098105" y="4173256"/>
-                <a:ext cx="1574103" cy="1459282"/>
-                <a:chOff x="3058439" y="4058434"/>
-                <a:chExt cx="1574103" cy="1459282"/>
-              </a:xfrm>
-            </p:grpSpPr>
-            <p:sp>
-              <p:nvSpPr>
-                <p:cNvPr id="26" name="Oval 25">
-                  <a:extLst>
-                    <a:ext uri="{FF2B5EF4-FFF2-40B4-BE49-F238E27FC236}">
-                      <a16:creationId xmlns:a16="http://schemas.microsoft.com/office/drawing/2014/main" id="{E08EC7CC-8403-8A43-8AEF-0AB1EDB9B43C}"/>
-                    </a:ext>
-                  </a:extLst>
-                </p:cNvPr>
-                <p:cNvSpPr/>
-                <p:nvPr/>
-              </p:nvSpPr>
-              <p:spPr>
-                <a:xfrm>
-                  <a:off x="3206664" y="4446741"/>
-                  <a:ext cx="237993" cy="212942"/>
-                </a:xfrm>
-                <a:prstGeom prst="ellipse">
-                  <a:avLst/>
-                </a:prstGeom>
-                <a:solidFill>
-                  <a:schemeClr val="accent2">
-                    <a:alpha val="50000"/>
-                  </a:schemeClr>
-                </a:solidFill>
-                <a:ln w="38100"/>
-              </p:spPr>
-              <p:style>
-                <a:lnRef idx="2">
-                  <a:schemeClr val="accent1">
-                    <a:shade val="50000"/>
-                  </a:schemeClr>
-                </a:lnRef>
-                <a:fillRef idx="1">
-                  <a:schemeClr val="accent1"/>
-                </a:fillRef>
-                <a:effectRef idx="0">
-                  <a:schemeClr val="accent1"/>
-                </a:effectRef>
-                <a:fontRef idx="minor">
-                  <a:schemeClr val="lt1"/>
-                </a:fontRef>
-              </p:style>
-              <p:txBody>
-                <a:bodyPr rtlCol="0" anchor="ctr"/>
-                <a:lstStyle/>
-                <a:p>
-                  <a:pPr algn="ctr"/>
-                  <a:endParaRPr lang="en-US"/>
-                </a:p>
-              </p:txBody>
-            </p:sp>
-            <p:sp>
-              <p:nvSpPr>
-                <p:cNvPr id="27" name="Oval 26">
-                  <a:extLst>
-                    <a:ext uri="{FF2B5EF4-FFF2-40B4-BE49-F238E27FC236}">
-                      <a16:creationId xmlns:a16="http://schemas.microsoft.com/office/drawing/2014/main" id="{43166CD2-4119-D249-B63E-CFCE16CECF30}"/>
-                    </a:ext>
-                  </a:extLst>
-                </p:cNvPr>
-                <p:cNvSpPr/>
-                <p:nvPr/>
-              </p:nvSpPr>
-              <p:spPr>
-                <a:xfrm>
-                  <a:off x="3058439" y="5050078"/>
-                  <a:ext cx="237993" cy="212942"/>
-                </a:xfrm>
-                <a:prstGeom prst="ellipse">
-                  <a:avLst/>
-                </a:prstGeom>
-                <a:solidFill>
-                  <a:schemeClr val="accent2">
-                    <a:alpha val="50000"/>
-                  </a:schemeClr>
-                </a:solidFill>
-                <a:ln w="38100"/>
-              </p:spPr>
-              <p:style>
-                <a:lnRef idx="2">
-                  <a:schemeClr val="accent1">
-                    <a:shade val="50000"/>
-                  </a:schemeClr>
-                </a:lnRef>
-                <a:fillRef idx="1">
-                  <a:schemeClr val="accent1"/>
-                </a:fillRef>
-                <a:effectRef idx="0">
-                  <a:schemeClr val="accent1"/>
-                </a:effectRef>
-                <a:fontRef idx="minor">
-                  <a:schemeClr val="lt1"/>
-                </a:fontRef>
-              </p:style>
-              <p:txBody>
-                <a:bodyPr rtlCol="0" anchor="ctr"/>
-                <a:lstStyle/>
-                <a:p>
-                  <a:pPr algn="ctr"/>
-                  <a:endParaRPr lang="en-US"/>
-                </a:p>
-              </p:txBody>
-            </p:sp>
-            <p:sp>
-              <p:nvSpPr>
-                <p:cNvPr id="28" name="Oval 27">
-                  <a:extLst>
-                    <a:ext uri="{FF2B5EF4-FFF2-40B4-BE49-F238E27FC236}">
-                      <a16:creationId xmlns:a16="http://schemas.microsoft.com/office/drawing/2014/main" id="{E4E2FC11-6C86-9D40-BBA4-E9DDC43BD6BD}"/>
-                    </a:ext>
-                  </a:extLst>
-                </p:cNvPr>
-                <p:cNvSpPr/>
-                <p:nvPr/>
-              </p:nvSpPr>
-              <p:spPr>
-                <a:xfrm>
-                  <a:off x="3511464" y="4751541"/>
-                  <a:ext cx="237993" cy="212942"/>
-                </a:xfrm>
-                <a:prstGeom prst="ellipse">
-                  <a:avLst/>
-                </a:prstGeom>
-                <a:solidFill>
-                  <a:schemeClr val="accent2">
-                    <a:alpha val="50000"/>
-                  </a:schemeClr>
-                </a:solidFill>
-                <a:ln w="38100"/>
-              </p:spPr>
-              <p:style>
-                <a:lnRef idx="2">
-                  <a:schemeClr val="accent1">
-                    <a:shade val="50000"/>
-                  </a:schemeClr>
-                </a:lnRef>
-                <a:fillRef idx="1">
-                  <a:schemeClr val="accent1"/>
-                </a:fillRef>
-                <a:effectRef idx="0">
-                  <a:schemeClr val="accent1"/>
-                </a:effectRef>
-                <a:fontRef idx="minor">
-                  <a:schemeClr val="lt1"/>
-                </a:fontRef>
-              </p:style>
-              <p:txBody>
-                <a:bodyPr rtlCol="0" anchor="ctr"/>
-                <a:lstStyle/>
-                <a:p>
-                  <a:pPr algn="ctr"/>
-                  <a:endParaRPr lang="en-US"/>
-                </a:p>
-              </p:txBody>
-            </p:sp>
-            <p:sp>
-              <p:nvSpPr>
-                <p:cNvPr id="29" name="Oval 28">
-                  <a:extLst>
-                    <a:ext uri="{FF2B5EF4-FFF2-40B4-BE49-F238E27FC236}">
-                      <a16:creationId xmlns:a16="http://schemas.microsoft.com/office/drawing/2014/main" id="{4A74C208-13C2-0244-9F9E-E4B81B886449}"/>
-                    </a:ext>
-                  </a:extLst>
-                </p:cNvPr>
-                <p:cNvSpPr/>
-                <p:nvPr/>
-              </p:nvSpPr>
-              <p:spPr>
-                <a:xfrm>
-                  <a:off x="3613760" y="5304774"/>
-                  <a:ext cx="237993" cy="212942"/>
-                </a:xfrm>
-                <a:prstGeom prst="ellipse">
-                  <a:avLst/>
-                </a:prstGeom>
-                <a:solidFill>
-                  <a:schemeClr val="accent2">
-                    <a:alpha val="50000"/>
-                  </a:schemeClr>
-                </a:solidFill>
-                <a:ln w="38100"/>
-              </p:spPr>
-              <p:style>
-                <a:lnRef idx="2">
-                  <a:schemeClr val="accent1">
-                    <a:shade val="50000"/>
-                  </a:schemeClr>
-                </a:lnRef>
-                <a:fillRef idx="1">
-                  <a:schemeClr val="accent1"/>
-                </a:fillRef>
-                <a:effectRef idx="0">
-                  <a:schemeClr val="accent1"/>
-                </a:effectRef>
-                <a:fontRef idx="minor">
-                  <a:schemeClr val="lt1"/>
-                </a:fontRef>
-              </p:style>
-              <p:txBody>
-                <a:bodyPr rtlCol="0" anchor="ctr"/>
-                <a:lstStyle/>
-                <a:p>
-                  <a:pPr algn="ctr"/>
-                  <a:endParaRPr lang="en-US"/>
-                </a:p>
-              </p:txBody>
-            </p:sp>
-            <p:sp>
-              <p:nvSpPr>
-                <p:cNvPr id="30" name="Oval 29">
-                  <a:extLst>
-                    <a:ext uri="{FF2B5EF4-FFF2-40B4-BE49-F238E27FC236}">
-                      <a16:creationId xmlns:a16="http://schemas.microsoft.com/office/drawing/2014/main" id="{6CD304DD-9887-CF4F-83FA-B01A8D2026F7}"/>
-                    </a:ext>
-                  </a:extLst>
-                </p:cNvPr>
-                <p:cNvSpPr/>
-                <p:nvPr/>
-              </p:nvSpPr>
-              <p:spPr>
-                <a:xfrm>
-                  <a:off x="3891420" y="4680560"/>
-                  <a:ext cx="237993" cy="212942"/>
-                </a:xfrm>
-                <a:prstGeom prst="ellipse">
-                  <a:avLst/>
-                </a:prstGeom>
-                <a:solidFill>
-                  <a:schemeClr val="accent2">
-                    <a:alpha val="50000"/>
-                  </a:schemeClr>
-                </a:solidFill>
-                <a:ln w="38100"/>
-              </p:spPr>
-              <p:style>
-                <a:lnRef idx="2">
-                  <a:schemeClr val="accent1">
-                    <a:shade val="50000"/>
-                  </a:schemeClr>
-                </a:lnRef>
-                <a:fillRef idx="1">
-                  <a:schemeClr val="accent1"/>
-                </a:fillRef>
-                <a:effectRef idx="0">
-                  <a:schemeClr val="accent1"/>
-                </a:effectRef>
-                <a:fontRef idx="minor">
-                  <a:schemeClr val="lt1"/>
-                </a:fontRef>
-              </p:style>
-              <p:txBody>
-                <a:bodyPr rtlCol="0" anchor="ctr"/>
-                <a:lstStyle/>
-                <a:p>
-                  <a:pPr algn="ctr"/>
-                  <a:endParaRPr lang="en-US"/>
-                </a:p>
-              </p:txBody>
-            </p:sp>
-            <p:sp>
-              <p:nvSpPr>
-                <p:cNvPr id="31" name="Oval 30">
-                  <a:extLst>
-                    <a:ext uri="{FF2B5EF4-FFF2-40B4-BE49-F238E27FC236}">
-                      <a16:creationId xmlns:a16="http://schemas.microsoft.com/office/drawing/2014/main" id="{9CD66CFC-15ED-F944-BF6D-01B013641778}"/>
-                    </a:ext>
-                  </a:extLst>
-                </p:cNvPr>
-                <p:cNvSpPr/>
-                <p:nvPr/>
-              </p:nvSpPr>
-              <p:spPr>
-                <a:xfrm>
-                  <a:off x="4394549" y="4995798"/>
-                  <a:ext cx="237993" cy="212942"/>
-                </a:xfrm>
-                <a:prstGeom prst="ellipse">
-                  <a:avLst/>
-                </a:prstGeom>
-                <a:solidFill>
-                  <a:schemeClr val="accent2">
-                    <a:alpha val="50000"/>
-                  </a:schemeClr>
-                </a:solidFill>
-                <a:ln w="38100"/>
-              </p:spPr>
-              <p:style>
-                <a:lnRef idx="2">
-                  <a:schemeClr val="accent1">
-                    <a:shade val="50000"/>
-                  </a:schemeClr>
-                </a:lnRef>
-                <a:fillRef idx="1">
-                  <a:schemeClr val="accent1"/>
-                </a:fillRef>
-                <a:effectRef idx="0">
-                  <a:schemeClr val="accent1"/>
-                </a:effectRef>
-                <a:fontRef idx="minor">
-                  <a:schemeClr val="lt1"/>
-                </a:fontRef>
-              </p:style>
-              <p:txBody>
-                <a:bodyPr rtlCol="0" anchor="ctr"/>
-                <a:lstStyle/>
-                <a:p>
-                  <a:pPr algn="ctr"/>
-                  <a:endParaRPr lang="en-US"/>
-                </a:p>
-              </p:txBody>
-            </p:sp>
-            <p:sp>
-              <p:nvSpPr>
-                <p:cNvPr id="32" name="Oval 31">
-                  <a:extLst>
-                    <a:ext uri="{FF2B5EF4-FFF2-40B4-BE49-F238E27FC236}">
-                      <a16:creationId xmlns:a16="http://schemas.microsoft.com/office/drawing/2014/main" id="{D3A6A069-C2F6-8A46-AD18-65492C7EB323}"/>
-                    </a:ext>
-                  </a:extLst>
-                </p:cNvPr>
-                <p:cNvSpPr/>
-                <p:nvPr/>
-              </p:nvSpPr>
-              <p:spPr>
-                <a:xfrm>
-                  <a:off x="3532341" y="4058434"/>
-                  <a:ext cx="237993" cy="212942"/>
-                </a:xfrm>
-                <a:prstGeom prst="ellipse">
-                  <a:avLst/>
-                </a:prstGeom>
-                <a:solidFill>
-                  <a:schemeClr val="accent2">
-                    <a:alpha val="50000"/>
-                  </a:schemeClr>
-                </a:solidFill>
-                <a:ln w="38100"/>
-              </p:spPr>
-              <p:style>
-                <a:lnRef idx="2">
-                  <a:schemeClr val="accent1">
-                    <a:shade val="50000"/>
-                  </a:schemeClr>
-                </a:lnRef>
-                <a:fillRef idx="1">
-                  <a:schemeClr val="accent1"/>
-                </a:fillRef>
-                <a:effectRef idx="0">
-                  <a:schemeClr val="accent1"/>
-                </a:effectRef>
-                <a:fontRef idx="minor">
-                  <a:schemeClr val="lt1"/>
-                </a:fontRef>
-              </p:style>
-              <p:txBody>
-                <a:bodyPr rtlCol="0" anchor="ctr"/>
-                <a:lstStyle/>
-                <a:p>
-                  <a:pPr algn="ctr"/>
-                  <a:endParaRPr lang="en-US"/>
-                </a:p>
-              </p:txBody>
-            </p:sp>
-            <p:sp>
-              <p:nvSpPr>
-                <p:cNvPr id="33" name="Oval 32">
-                  <a:extLst>
-                    <a:ext uri="{FF2B5EF4-FFF2-40B4-BE49-F238E27FC236}">
-                      <a16:creationId xmlns:a16="http://schemas.microsoft.com/office/drawing/2014/main" id="{6ADDBF96-6A63-3B4D-A3DC-B60C422C1FBF}"/>
-                    </a:ext>
-                  </a:extLst>
-                </p:cNvPr>
-                <p:cNvSpPr/>
-                <p:nvPr/>
-              </p:nvSpPr>
-              <p:spPr>
-                <a:xfrm>
-                  <a:off x="3897683" y="5025026"/>
-                  <a:ext cx="237993" cy="212942"/>
-                </a:xfrm>
-                <a:prstGeom prst="ellipse">
-                  <a:avLst/>
-                </a:prstGeom>
-                <a:solidFill>
-                  <a:schemeClr val="accent2">
-                    <a:alpha val="50000"/>
-                  </a:schemeClr>
-                </a:solidFill>
-                <a:ln w="38100"/>
-              </p:spPr>
-              <p:style>
-                <a:lnRef idx="2">
-                  <a:schemeClr val="accent1">
-                    <a:shade val="50000"/>
-                  </a:schemeClr>
-                </a:lnRef>
-                <a:fillRef idx="1">
-                  <a:schemeClr val="accent1"/>
-                </a:fillRef>
-                <a:effectRef idx="0">
-                  <a:schemeClr val="accent1"/>
-                </a:effectRef>
-                <a:fontRef idx="minor">
-                  <a:schemeClr val="lt1"/>
-                </a:fontRef>
-              </p:style>
-              <p:txBody>
-                <a:bodyPr rtlCol="0" anchor="ctr"/>
-                <a:lstStyle/>
-                <a:p>
-                  <a:pPr algn="ctr"/>
-                  <a:endParaRPr lang="en-US"/>
-                </a:p>
-              </p:txBody>
-            </p:sp>
-            <p:sp>
-              <p:nvSpPr>
-                <p:cNvPr id="34" name="Oval 33">
-                  <a:extLst>
-                    <a:ext uri="{FF2B5EF4-FFF2-40B4-BE49-F238E27FC236}">
-                      <a16:creationId xmlns:a16="http://schemas.microsoft.com/office/drawing/2014/main" id="{A3EE9EC7-9A09-2C49-A936-7829C314301A}"/>
-                    </a:ext>
-                  </a:extLst>
-                </p:cNvPr>
-                <p:cNvSpPr/>
-                <p:nvPr/>
-              </p:nvSpPr>
-              <p:spPr>
-                <a:xfrm>
-                  <a:off x="4025031" y="4388286"/>
-                  <a:ext cx="237993" cy="212942"/>
-                </a:xfrm>
-                <a:prstGeom prst="ellipse">
-                  <a:avLst/>
-                </a:prstGeom>
-                <a:solidFill>
-                  <a:schemeClr val="accent2">
-                    <a:alpha val="50000"/>
-                  </a:schemeClr>
-                </a:solidFill>
-                <a:ln w="38100"/>
-              </p:spPr>
-              <p:style>
-                <a:lnRef idx="2">
-                  <a:schemeClr val="accent1">
-                    <a:shade val="50000"/>
-                  </a:schemeClr>
-                </a:lnRef>
-                <a:fillRef idx="1">
-                  <a:schemeClr val="accent1"/>
-                </a:fillRef>
-                <a:effectRef idx="0">
-                  <a:schemeClr val="accent1"/>
-                </a:effectRef>
-                <a:fontRef idx="minor">
-                  <a:schemeClr val="lt1"/>
-                </a:fontRef>
-              </p:style>
-              <p:txBody>
-                <a:bodyPr rtlCol="0" anchor="ctr"/>
-                <a:lstStyle/>
-                <a:p>
-                  <a:pPr algn="ctr"/>
-                  <a:endParaRPr lang="en-US"/>
-                </a:p>
-              </p:txBody>
-            </p:sp>
-          </p:grpSp>
-          <p:grpSp>
-            <p:nvGrpSpPr>
-              <p:cNvPr id="57" name="Group 56">
-                <a:extLst>
-                  <a:ext uri="{FF2B5EF4-FFF2-40B4-BE49-F238E27FC236}">
-                    <a16:creationId xmlns:a16="http://schemas.microsoft.com/office/drawing/2014/main" id="{67CECF5D-EBC2-C744-B981-4DF37697AD74}"/>
-                  </a:ext>
-                </a:extLst>
-              </p:cNvPr>
-              <p:cNvGrpSpPr/>
-              <p:nvPr/>
-            </p:nvGrpSpPr>
-            <p:grpSpPr>
-              <a:xfrm>
-                <a:off x="6968648" y="889349"/>
-                <a:ext cx="2267209" cy="2112723"/>
-                <a:chOff x="6968648" y="889349"/>
-                <a:chExt cx="2267209" cy="2112723"/>
-              </a:xfrm>
-            </p:grpSpPr>
-            <p:sp>
-              <p:nvSpPr>
-                <p:cNvPr id="46" name="Oval 45">
-                  <a:extLst>
-                    <a:ext uri="{FF2B5EF4-FFF2-40B4-BE49-F238E27FC236}">
-                      <a16:creationId xmlns:a16="http://schemas.microsoft.com/office/drawing/2014/main" id="{FD35F731-0B6F-4E42-A51A-9EC281648BAF}"/>
-                    </a:ext>
-                  </a:extLst>
-                </p:cNvPr>
-                <p:cNvSpPr/>
-                <p:nvPr/>
-              </p:nvSpPr>
-              <p:spPr>
-                <a:xfrm>
-                  <a:off x="7693070" y="2068884"/>
-                  <a:ext cx="237993" cy="212942"/>
-                </a:xfrm>
-                <a:prstGeom prst="ellipse">
-                  <a:avLst/>
-                </a:prstGeom>
-                <a:solidFill>
-                  <a:schemeClr val="accent2">
-                    <a:alpha val="50000"/>
-                  </a:schemeClr>
-                </a:solidFill>
-                <a:ln w="38100"/>
-              </p:spPr>
-              <p:style>
-                <a:lnRef idx="2">
-                  <a:schemeClr val="accent1">
-                    <a:shade val="50000"/>
-                  </a:schemeClr>
-                </a:lnRef>
-                <a:fillRef idx="1">
-                  <a:schemeClr val="accent1"/>
-                </a:fillRef>
-                <a:effectRef idx="0">
-                  <a:schemeClr val="accent1"/>
-                </a:effectRef>
-                <a:fontRef idx="minor">
-                  <a:schemeClr val="lt1"/>
-                </a:fontRef>
-              </p:style>
-              <p:txBody>
-                <a:bodyPr rtlCol="0" anchor="ctr"/>
-                <a:lstStyle/>
-                <a:p>
-                  <a:pPr algn="ctr"/>
-                  <a:endParaRPr lang="en-US"/>
-                </a:p>
-              </p:txBody>
-            </p:sp>
-            <p:sp>
-              <p:nvSpPr>
-                <p:cNvPr id="47" name="Oval 46">
-                  <a:extLst>
-                    <a:ext uri="{FF2B5EF4-FFF2-40B4-BE49-F238E27FC236}">
-                      <a16:creationId xmlns:a16="http://schemas.microsoft.com/office/drawing/2014/main" id="{6034E060-7F6C-CB46-A9C0-BE4E9A1DADF5}"/>
-                    </a:ext>
-                  </a:extLst>
-                </p:cNvPr>
-                <p:cNvSpPr/>
-                <p:nvPr/>
-              </p:nvSpPr>
-              <p:spPr>
-                <a:xfrm>
-                  <a:off x="8997864" y="2597065"/>
-                  <a:ext cx="237993" cy="212942"/>
-                </a:xfrm>
-                <a:prstGeom prst="ellipse">
-                  <a:avLst/>
-                </a:prstGeom>
-                <a:solidFill>
-                  <a:schemeClr val="accent2">
-                    <a:alpha val="50000"/>
-                  </a:schemeClr>
-                </a:solidFill>
-                <a:ln w="38100"/>
-              </p:spPr>
-              <p:style>
-                <a:lnRef idx="2">
-                  <a:schemeClr val="accent1">
-                    <a:shade val="50000"/>
-                  </a:schemeClr>
-                </a:lnRef>
-                <a:fillRef idx="1">
-                  <a:schemeClr val="accent1"/>
-                </a:fillRef>
-                <a:effectRef idx="0">
-                  <a:schemeClr val="accent1"/>
-                </a:effectRef>
-                <a:fontRef idx="minor">
-                  <a:schemeClr val="lt1"/>
-                </a:fontRef>
-              </p:style>
-              <p:txBody>
-                <a:bodyPr rtlCol="0" anchor="ctr"/>
-                <a:lstStyle/>
-                <a:p>
-                  <a:pPr algn="ctr"/>
-                  <a:endParaRPr lang="en-US"/>
-                </a:p>
-              </p:txBody>
-            </p:sp>
-            <p:sp>
-              <p:nvSpPr>
-                <p:cNvPr id="48" name="Oval 47">
-                  <a:extLst>
-                    <a:ext uri="{FF2B5EF4-FFF2-40B4-BE49-F238E27FC236}">
-                      <a16:creationId xmlns:a16="http://schemas.microsoft.com/office/drawing/2014/main" id="{4A8908AA-EE53-B747-B778-9AE2CAA45F03}"/>
-                    </a:ext>
-                  </a:extLst>
-                </p:cNvPr>
-                <p:cNvSpPr/>
-                <p:nvPr/>
-              </p:nvSpPr>
-              <p:spPr>
-                <a:xfrm>
-                  <a:off x="7045892" y="1772434"/>
-                  <a:ext cx="237993" cy="212942"/>
-                </a:xfrm>
-                <a:prstGeom prst="ellipse">
-                  <a:avLst/>
-                </a:prstGeom>
-                <a:solidFill>
-                  <a:schemeClr val="accent2">
-                    <a:alpha val="50000"/>
-                  </a:schemeClr>
-                </a:solidFill>
-                <a:ln w="38100"/>
-              </p:spPr>
-              <p:style>
-                <a:lnRef idx="2">
-                  <a:schemeClr val="accent1">
-                    <a:shade val="50000"/>
-                  </a:schemeClr>
-                </a:lnRef>
-                <a:fillRef idx="1">
-                  <a:schemeClr val="accent1"/>
-                </a:fillRef>
-                <a:effectRef idx="0">
-                  <a:schemeClr val="accent1"/>
-                </a:effectRef>
-                <a:fontRef idx="minor">
-                  <a:schemeClr val="lt1"/>
-                </a:fontRef>
-              </p:style>
-              <p:txBody>
-                <a:bodyPr rtlCol="0" anchor="ctr"/>
-                <a:lstStyle/>
-                <a:p>
-                  <a:pPr algn="ctr"/>
-                  <a:endParaRPr lang="en-US"/>
-                </a:p>
-              </p:txBody>
-            </p:sp>
-            <p:sp>
-              <p:nvSpPr>
-                <p:cNvPr id="49" name="Oval 48">
-                  <a:extLst>
-                    <a:ext uri="{FF2B5EF4-FFF2-40B4-BE49-F238E27FC236}">
-                      <a16:creationId xmlns:a16="http://schemas.microsoft.com/office/drawing/2014/main" id="{9997F236-D53A-2A4E-9022-7276E4252EA5}"/>
-                    </a:ext>
-                  </a:extLst>
-                </p:cNvPr>
-                <p:cNvSpPr/>
-                <p:nvPr/>
-              </p:nvSpPr>
-              <p:spPr>
-                <a:xfrm>
-                  <a:off x="8087640" y="2789130"/>
-                  <a:ext cx="237993" cy="212942"/>
-                </a:xfrm>
-                <a:prstGeom prst="ellipse">
-                  <a:avLst/>
-                </a:prstGeom>
-                <a:solidFill>
-                  <a:schemeClr val="accent2">
-                    <a:alpha val="50000"/>
-                  </a:schemeClr>
-                </a:solidFill>
-                <a:ln w="38100"/>
-              </p:spPr>
-              <p:style>
-                <a:lnRef idx="2">
-                  <a:schemeClr val="accent1">
-                    <a:shade val="50000"/>
-                  </a:schemeClr>
-                </a:lnRef>
-                <a:fillRef idx="1">
-                  <a:schemeClr val="accent1"/>
-                </a:fillRef>
-                <a:effectRef idx="0">
-                  <a:schemeClr val="accent1"/>
-                </a:effectRef>
-                <a:fontRef idx="minor">
-                  <a:schemeClr val="lt1"/>
-                </a:fontRef>
-              </p:style>
-              <p:txBody>
-                <a:bodyPr rtlCol="0" anchor="ctr"/>
-                <a:lstStyle/>
-                <a:p>
-                  <a:pPr algn="ctr"/>
-                  <a:endParaRPr lang="en-US" dirty="0"/>
-                </a:p>
-              </p:txBody>
-            </p:sp>
-            <p:sp>
-              <p:nvSpPr>
-                <p:cNvPr id="50" name="Oval 49">
-                  <a:extLst>
-                    <a:ext uri="{FF2B5EF4-FFF2-40B4-BE49-F238E27FC236}">
-                      <a16:creationId xmlns:a16="http://schemas.microsoft.com/office/drawing/2014/main" id="{FB341EDB-E9A5-7C40-9440-160A0725D7D7}"/>
-                    </a:ext>
-                  </a:extLst>
-                </p:cNvPr>
-                <p:cNvSpPr/>
-                <p:nvPr/>
-              </p:nvSpPr>
-              <p:spPr>
-                <a:xfrm>
-                  <a:off x="8690976" y="1814188"/>
-                  <a:ext cx="237993" cy="212942"/>
-                </a:xfrm>
-                <a:prstGeom prst="ellipse">
-                  <a:avLst/>
-                </a:prstGeom>
-                <a:solidFill>
-                  <a:schemeClr val="accent2">
-                    <a:alpha val="50000"/>
-                  </a:schemeClr>
-                </a:solidFill>
-                <a:ln w="38100"/>
-              </p:spPr>
-              <p:style>
-                <a:lnRef idx="2">
-                  <a:schemeClr val="accent1">
-                    <a:shade val="50000"/>
-                  </a:schemeClr>
-                </a:lnRef>
-                <a:fillRef idx="1">
-                  <a:schemeClr val="accent1"/>
-                </a:fillRef>
-                <a:effectRef idx="0">
-                  <a:schemeClr val="accent1"/>
-                </a:effectRef>
-                <a:fontRef idx="minor">
-                  <a:schemeClr val="lt1"/>
-                </a:fontRef>
-              </p:style>
-              <p:txBody>
-                <a:bodyPr rtlCol="0" anchor="ctr"/>
-                <a:lstStyle/>
-                <a:p>
-                  <a:pPr algn="ctr"/>
-                  <a:endParaRPr lang="en-US"/>
-                </a:p>
-              </p:txBody>
-            </p:sp>
-            <p:sp>
-              <p:nvSpPr>
-                <p:cNvPr id="51" name="Oval 50">
-                  <a:extLst>
-                    <a:ext uri="{FF2B5EF4-FFF2-40B4-BE49-F238E27FC236}">
-                      <a16:creationId xmlns:a16="http://schemas.microsoft.com/office/drawing/2014/main" id="{1BFF399F-6663-B449-9E69-D63AA1BAAE9D}"/>
-                    </a:ext>
-                  </a:extLst>
-                </p:cNvPr>
-                <p:cNvSpPr/>
-                <p:nvPr/>
-              </p:nvSpPr>
-              <p:spPr>
-                <a:xfrm>
-                  <a:off x="7114785" y="889349"/>
-                  <a:ext cx="237993" cy="212942"/>
-                </a:xfrm>
-                <a:prstGeom prst="ellipse">
-                  <a:avLst/>
-                </a:prstGeom>
-                <a:solidFill>
-                  <a:schemeClr val="accent2">
-                    <a:alpha val="50000"/>
-                  </a:schemeClr>
-                </a:solidFill>
-                <a:ln w="38100"/>
-              </p:spPr>
-              <p:style>
-                <a:lnRef idx="2">
-                  <a:schemeClr val="accent1">
-                    <a:shade val="50000"/>
-                  </a:schemeClr>
-                </a:lnRef>
-                <a:fillRef idx="1">
-                  <a:schemeClr val="accent1"/>
-                </a:fillRef>
-                <a:effectRef idx="0">
-                  <a:schemeClr val="accent1"/>
-                </a:effectRef>
-                <a:fontRef idx="minor">
-                  <a:schemeClr val="lt1"/>
-                </a:fontRef>
-              </p:style>
-              <p:txBody>
-                <a:bodyPr rtlCol="0" anchor="ctr"/>
-                <a:lstStyle/>
-                <a:p>
-                  <a:pPr algn="ctr"/>
-                  <a:endParaRPr lang="en-US"/>
-                </a:p>
-              </p:txBody>
-            </p:sp>
-            <p:sp>
-              <p:nvSpPr>
-                <p:cNvPr id="52" name="Oval 51">
-                  <a:extLst>
-                    <a:ext uri="{FF2B5EF4-FFF2-40B4-BE49-F238E27FC236}">
-                      <a16:creationId xmlns:a16="http://schemas.microsoft.com/office/drawing/2014/main" id="{DBB58A25-2C27-8943-8139-3BF73F9D6109}"/>
-                    </a:ext>
-                  </a:extLst>
-                </p:cNvPr>
-                <p:cNvSpPr/>
-                <p:nvPr/>
-              </p:nvSpPr>
-              <p:spPr>
-                <a:xfrm>
-                  <a:off x="7981169" y="1367426"/>
-                  <a:ext cx="237993" cy="212942"/>
-                </a:xfrm>
-                <a:prstGeom prst="ellipse">
-                  <a:avLst/>
-                </a:prstGeom>
-                <a:solidFill>
-                  <a:schemeClr val="accent2">
-                    <a:alpha val="50000"/>
-                  </a:schemeClr>
-                </a:solidFill>
-                <a:ln w="38100"/>
-              </p:spPr>
-              <p:style>
-                <a:lnRef idx="2">
-                  <a:schemeClr val="accent1">
-                    <a:shade val="50000"/>
-                  </a:schemeClr>
-                </a:lnRef>
-                <a:fillRef idx="1">
-                  <a:schemeClr val="accent1"/>
-                </a:fillRef>
-                <a:effectRef idx="0">
-                  <a:schemeClr val="accent1"/>
-                </a:effectRef>
-                <a:fontRef idx="minor">
-                  <a:schemeClr val="lt1"/>
-                </a:fontRef>
-              </p:style>
-              <p:txBody>
-                <a:bodyPr rtlCol="0" anchor="ctr"/>
-                <a:lstStyle/>
-                <a:p>
-                  <a:pPr algn="ctr"/>
-                  <a:endParaRPr lang="en-US"/>
-                </a:p>
-              </p:txBody>
-            </p:sp>
-            <p:sp>
-              <p:nvSpPr>
-                <p:cNvPr id="53" name="Oval 52">
-                  <a:extLst>
-                    <a:ext uri="{FF2B5EF4-FFF2-40B4-BE49-F238E27FC236}">
-                      <a16:creationId xmlns:a16="http://schemas.microsoft.com/office/drawing/2014/main" id="{80E6177A-489D-4648-92D3-01968C637903}"/>
-                    </a:ext>
-                  </a:extLst>
-                </p:cNvPr>
-                <p:cNvSpPr/>
-                <p:nvPr/>
-              </p:nvSpPr>
-              <p:spPr>
-                <a:xfrm>
-                  <a:off x="6968648" y="2509383"/>
-                  <a:ext cx="237993" cy="212942"/>
-                </a:xfrm>
-                <a:prstGeom prst="ellipse">
-                  <a:avLst/>
-                </a:prstGeom>
-                <a:solidFill>
-                  <a:schemeClr val="accent2">
-                    <a:alpha val="50000"/>
-                  </a:schemeClr>
-                </a:solidFill>
-                <a:ln w="38100"/>
-              </p:spPr>
-              <p:style>
-                <a:lnRef idx="2">
-                  <a:schemeClr val="accent1">
-                    <a:shade val="50000"/>
-                  </a:schemeClr>
-                </a:lnRef>
-                <a:fillRef idx="1">
-                  <a:schemeClr val="accent1"/>
-                </a:fillRef>
-                <a:effectRef idx="0">
-                  <a:schemeClr val="accent1"/>
-                </a:effectRef>
-                <a:fontRef idx="minor">
-                  <a:schemeClr val="lt1"/>
-                </a:fontRef>
-              </p:style>
-              <p:txBody>
-                <a:bodyPr rtlCol="0" anchor="ctr"/>
-                <a:lstStyle/>
-                <a:p>
-                  <a:pPr algn="ctr"/>
-                  <a:endParaRPr lang="en-US"/>
-                </a:p>
-              </p:txBody>
-            </p:sp>
-            <p:sp>
-              <p:nvSpPr>
-                <p:cNvPr id="54" name="Oval 53">
-                  <a:extLst>
-                    <a:ext uri="{FF2B5EF4-FFF2-40B4-BE49-F238E27FC236}">
-                      <a16:creationId xmlns:a16="http://schemas.microsoft.com/office/drawing/2014/main" id="{44265A9B-CB76-3F42-904F-11BFE6C8F62F}"/>
-                    </a:ext>
-                  </a:extLst>
-                </p:cNvPr>
-                <p:cNvSpPr/>
-                <p:nvPr/>
-              </p:nvSpPr>
-              <p:spPr>
-                <a:xfrm>
-                  <a:off x="8686801" y="1108555"/>
-                  <a:ext cx="237993" cy="212942"/>
-                </a:xfrm>
-                <a:prstGeom prst="ellipse">
-                  <a:avLst/>
-                </a:prstGeom>
-                <a:solidFill>
-                  <a:schemeClr val="accent2">
-                    <a:alpha val="50000"/>
-                  </a:schemeClr>
-                </a:solidFill>
-                <a:ln w="38100"/>
-              </p:spPr>
-              <p:style>
-                <a:lnRef idx="2">
-                  <a:schemeClr val="accent1">
-                    <a:shade val="50000"/>
-                  </a:schemeClr>
-                </a:lnRef>
-                <a:fillRef idx="1">
-                  <a:schemeClr val="accent1"/>
-                </a:fillRef>
-                <a:effectRef idx="0">
-                  <a:schemeClr val="accent1"/>
-                </a:effectRef>
-                <a:fontRef idx="minor">
-                  <a:schemeClr val="lt1"/>
-                </a:fontRef>
-              </p:style>
-              <p:txBody>
-                <a:bodyPr rtlCol="0" anchor="ctr"/>
-                <a:lstStyle/>
-                <a:p>
-                  <a:pPr algn="ctr"/>
-                  <a:endParaRPr lang="en-US"/>
-                </a:p>
-              </p:txBody>
-            </p:sp>
-          </p:grpSp>
-          <p:grpSp>
-            <p:nvGrpSpPr>
-              <p:cNvPr id="58" name="Group 57">
-                <a:extLst>
-                  <a:ext uri="{FF2B5EF4-FFF2-40B4-BE49-F238E27FC236}">
-                    <a16:creationId xmlns:a16="http://schemas.microsoft.com/office/drawing/2014/main" id="{1AB96DA9-8F20-6044-8A73-E978983C8BA2}"/>
-                  </a:ext>
-                </a:extLst>
-              </p:cNvPr>
-              <p:cNvGrpSpPr/>
-              <p:nvPr/>
-            </p:nvGrpSpPr>
-            <p:grpSpPr>
-              <a:xfrm rot="725680">
-                <a:off x="6895580" y="4148204"/>
-                <a:ext cx="2267209" cy="2112723"/>
-                <a:chOff x="6968648" y="889349"/>
-                <a:chExt cx="2267209" cy="2112723"/>
-              </a:xfrm>
-            </p:grpSpPr>
-            <p:sp>
-              <p:nvSpPr>
-                <p:cNvPr id="59" name="Oval 58">
-                  <a:extLst>
-                    <a:ext uri="{FF2B5EF4-FFF2-40B4-BE49-F238E27FC236}">
-                      <a16:creationId xmlns:a16="http://schemas.microsoft.com/office/drawing/2014/main" id="{4E5995EC-8F09-B946-8298-8D589613BB98}"/>
-                    </a:ext>
-                  </a:extLst>
-                </p:cNvPr>
-                <p:cNvSpPr/>
-                <p:nvPr/>
-              </p:nvSpPr>
-              <p:spPr>
-                <a:xfrm>
-                  <a:off x="7693070" y="2068884"/>
-                  <a:ext cx="237993" cy="212942"/>
-                </a:xfrm>
-                <a:prstGeom prst="ellipse">
-                  <a:avLst/>
-                </a:prstGeom>
-                <a:solidFill>
-                  <a:schemeClr val="accent2">
-                    <a:alpha val="50000"/>
-                  </a:schemeClr>
-                </a:solidFill>
-                <a:ln w="38100"/>
-              </p:spPr>
-              <p:style>
-                <a:lnRef idx="2">
-                  <a:schemeClr val="accent1">
-                    <a:shade val="50000"/>
-                  </a:schemeClr>
-                </a:lnRef>
-                <a:fillRef idx="1">
-                  <a:schemeClr val="accent1"/>
-                </a:fillRef>
-                <a:effectRef idx="0">
-                  <a:schemeClr val="accent1"/>
-                </a:effectRef>
-                <a:fontRef idx="minor">
-                  <a:schemeClr val="lt1"/>
-                </a:fontRef>
-              </p:style>
-              <p:txBody>
-                <a:bodyPr rtlCol="0" anchor="ctr"/>
-                <a:lstStyle/>
-                <a:p>
-                  <a:pPr algn="ctr"/>
-                  <a:endParaRPr lang="en-US"/>
-                </a:p>
-              </p:txBody>
-            </p:sp>
-            <p:sp>
-              <p:nvSpPr>
-                <p:cNvPr id="60" name="Oval 59">
-                  <a:extLst>
-                    <a:ext uri="{FF2B5EF4-FFF2-40B4-BE49-F238E27FC236}">
-                      <a16:creationId xmlns:a16="http://schemas.microsoft.com/office/drawing/2014/main" id="{8356CE5A-87F3-BB46-ACA6-DFB9B3FCECE1}"/>
-                    </a:ext>
-                  </a:extLst>
-                </p:cNvPr>
-                <p:cNvSpPr/>
-                <p:nvPr/>
-              </p:nvSpPr>
-              <p:spPr>
-                <a:xfrm>
-                  <a:off x="8997864" y="2597065"/>
-                  <a:ext cx="237993" cy="212942"/>
-                </a:xfrm>
-                <a:prstGeom prst="ellipse">
-                  <a:avLst/>
-                </a:prstGeom>
-                <a:solidFill>
-                  <a:schemeClr val="accent2">
-                    <a:alpha val="50000"/>
-                  </a:schemeClr>
-                </a:solidFill>
-                <a:ln w="38100"/>
-              </p:spPr>
-              <p:style>
-                <a:lnRef idx="2">
-                  <a:schemeClr val="accent1">
-                    <a:shade val="50000"/>
-                  </a:schemeClr>
-                </a:lnRef>
-                <a:fillRef idx="1">
-                  <a:schemeClr val="accent1"/>
-                </a:fillRef>
-                <a:effectRef idx="0">
-                  <a:schemeClr val="accent1"/>
-                </a:effectRef>
-                <a:fontRef idx="minor">
-                  <a:schemeClr val="lt1"/>
-                </a:fontRef>
-              </p:style>
-              <p:txBody>
-                <a:bodyPr rtlCol="0" anchor="ctr"/>
-                <a:lstStyle/>
-                <a:p>
-                  <a:pPr algn="ctr"/>
-                  <a:endParaRPr lang="en-US"/>
-                </a:p>
-              </p:txBody>
-            </p:sp>
-            <p:sp>
-              <p:nvSpPr>
-                <p:cNvPr id="61" name="Oval 60">
-                  <a:extLst>
-                    <a:ext uri="{FF2B5EF4-FFF2-40B4-BE49-F238E27FC236}">
-                      <a16:creationId xmlns:a16="http://schemas.microsoft.com/office/drawing/2014/main" id="{E5EC08DB-568F-6748-A49B-96EDA30C8CF3}"/>
-                    </a:ext>
-                  </a:extLst>
-                </p:cNvPr>
-                <p:cNvSpPr/>
-                <p:nvPr/>
-              </p:nvSpPr>
-              <p:spPr>
-                <a:xfrm>
-                  <a:off x="7045892" y="1772434"/>
-                  <a:ext cx="237993" cy="212942"/>
-                </a:xfrm>
-                <a:prstGeom prst="ellipse">
-                  <a:avLst/>
-                </a:prstGeom>
-                <a:solidFill>
-                  <a:schemeClr val="accent2">
-                    <a:alpha val="50000"/>
-                  </a:schemeClr>
-                </a:solidFill>
-                <a:ln w="38100"/>
-              </p:spPr>
-              <p:style>
-                <a:lnRef idx="2">
-                  <a:schemeClr val="accent1">
-                    <a:shade val="50000"/>
-                  </a:schemeClr>
-                </a:lnRef>
-                <a:fillRef idx="1">
-                  <a:schemeClr val="accent1"/>
-                </a:fillRef>
-                <a:effectRef idx="0">
-                  <a:schemeClr val="accent1"/>
-                </a:effectRef>
-                <a:fontRef idx="minor">
-                  <a:schemeClr val="lt1"/>
-                </a:fontRef>
-              </p:style>
-              <p:txBody>
-                <a:bodyPr rtlCol="0" anchor="ctr"/>
-                <a:lstStyle/>
-                <a:p>
-                  <a:pPr algn="ctr"/>
-                  <a:endParaRPr lang="en-US"/>
-                </a:p>
-              </p:txBody>
-            </p:sp>
-            <p:sp>
-              <p:nvSpPr>
-                <p:cNvPr id="62" name="Oval 61">
-                  <a:extLst>
-                    <a:ext uri="{FF2B5EF4-FFF2-40B4-BE49-F238E27FC236}">
-                      <a16:creationId xmlns:a16="http://schemas.microsoft.com/office/drawing/2014/main" id="{20AD1383-1490-7849-9DF3-A7837CECB57D}"/>
-                    </a:ext>
-                  </a:extLst>
-                </p:cNvPr>
-                <p:cNvSpPr/>
-                <p:nvPr/>
-              </p:nvSpPr>
-              <p:spPr>
-                <a:xfrm>
-                  <a:off x="8087640" y="2789130"/>
-                  <a:ext cx="237993" cy="212942"/>
-                </a:xfrm>
-                <a:prstGeom prst="ellipse">
-                  <a:avLst/>
-                </a:prstGeom>
-                <a:solidFill>
-                  <a:schemeClr val="accent2">
-                    <a:alpha val="50000"/>
-                  </a:schemeClr>
-                </a:solidFill>
-                <a:ln w="38100"/>
-              </p:spPr>
-              <p:style>
-                <a:lnRef idx="2">
-                  <a:schemeClr val="accent1">
-                    <a:shade val="50000"/>
-                  </a:schemeClr>
-                </a:lnRef>
-                <a:fillRef idx="1">
-                  <a:schemeClr val="accent1"/>
-                </a:fillRef>
-                <a:effectRef idx="0">
-                  <a:schemeClr val="accent1"/>
-                </a:effectRef>
-                <a:fontRef idx="minor">
-                  <a:schemeClr val="lt1"/>
-                </a:fontRef>
-              </p:style>
-              <p:txBody>
-                <a:bodyPr rtlCol="0" anchor="ctr"/>
-                <a:lstStyle/>
-                <a:p>
-                  <a:pPr algn="ctr"/>
-                  <a:endParaRPr lang="en-US" dirty="0"/>
-                </a:p>
-              </p:txBody>
-            </p:sp>
-            <p:sp>
-              <p:nvSpPr>
-                <p:cNvPr id="63" name="Oval 62">
-                  <a:extLst>
-                    <a:ext uri="{FF2B5EF4-FFF2-40B4-BE49-F238E27FC236}">
-                      <a16:creationId xmlns:a16="http://schemas.microsoft.com/office/drawing/2014/main" id="{47775395-BD6B-DB4F-ACD4-AA8A4238AA99}"/>
-                    </a:ext>
-                  </a:extLst>
-                </p:cNvPr>
-                <p:cNvSpPr/>
-                <p:nvPr/>
-              </p:nvSpPr>
-              <p:spPr>
-                <a:xfrm>
-                  <a:off x="8690976" y="1814188"/>
-                  <a:ext cx="237993" cy="212942"/>
-                </a:xfrm>
-                <a:prstGeom prst="ellipse">
-                  <a:avLst/>
-                </a:prstGeom>
-                <a:solidFill>
-                  <a:schemeClr val="accent2">
-                    <a:alpha val="50000"/>
-                  </a:schemeClr>
-                </a:solidFill>
-                <a:ln w="38100"/>
-              </p:spPr>
-              <p:style>
-                <a:lnRef idx="2">
-                  <a:schemeClr val="accent1">
-                    <a:shade val="50000"/>
-                  </a:schemeClr>
-                </a:lnRef>
-                <a:fillRef idx="1">
-                  <a:schemeClr val="accent1"/>
-                </a:fillRef>
-                <a:effectRef idx="0">
-                  <a:schemeClr val="accent1"/>
-                </a:effectRef>
-                <a:fontRef idx="minor">
-                  <a:schemeClr val="lt1"/>
-                </a:fontRef>
-              </p:style>
-              <p:txBody>
-                <a:bodyPr rtlCol="0" anchor="ctr"/>
-                <a:lstStyle/>
-                <a:p>
-                  <a:pPr algn="ctr"/>
-                  <a:endParaRPr lang="en-US"/>
-                </a:p>
-              </p:txBody>
-            </p:sp>
-            <p:sp>
-              <p:nvSpPr>
-                <p:cNvPr id="64" name="Oval 63">
-                  <a:extLst>
-                    <a:ext uri="{FF2B5EF4-FFF2-40B4-BE49-F238E27FC236}">
-                      <a16:creationId xmlns:a16="http://schemas.microsoft.com/office/drawing/2014/main" id="{C18E4C57-BD2B-324A-84E3-03FE4366D938}"/>
-                    </a:ext>
-                  </a:extLst>
-                </p:cNvPr>
-                <p:cNvSpPr/>
-                <p:nvPr/>
-              </p:nvSpPr>
-              <p:spPr>
-                <a:xfrm>
-                  <a:off x="7114785" y="889349"/>
-                  <a:ext cx="237993" cy="212942"/>
-                </a:xfrm>
-                <a:prstGeom prst="ellipse">
-                  <a:avLst/>
-                </a:prstGeom>
-                <a:solidFill>
-                  <a:schemeClr val="accent2">
-                    <a:alpha val="50000"/>
-                  </a:schemeClr>
-                </a:solidFill>
-                <a:ln w="38100"/>
-              </p:spPr>
-              <p:style>
-                <a:lnRef idx="2">
-                  <a:schemeClr val="accent1">
-                    <a:shade val="50000"/>
-                  </a:schemeClr>
-                </a:lnRef>
-                <a:fillRef idx="1">
-                  <a:schemeClr val="accent1"/>
-                </a:fillRef>
-                <a:effectRef idx="0">
-                  <a:schemeClr val="accent1"/>
-                </a:effectRef>
-                <a:fontRef idx="minor">
-                  <a:schemeClr val="lt1"/>
-                </a:fontRef>
-              </p:style>
-              <p:txBody>
-                <a:bodyPr rtlCol="0" anchor="ctr"/>
-                <a:lstStyle/>
-                <a:p>
-                  <a:pPr algn="ctr"/>
-                  <a:endParaRPr lang="en-US"/>
-                </a:p>
-              </p:txBody>
-            </p:sp>
-            <p:sp>
-              <p:nvSpPr>
-                <p:cNvPr id="65" name="Oval 64">
-                  <a:extLst>
-                    <a:ext uri="{FF2B5EF4-FFF2-40B4-BE49-F238E27FC236}">
-                      <a16:creationId xmlns:a16="http://schemas.microsoft.com/office/drawing/2014/main" id="{C89D4EBB-1C46-A94C-9354-8696A5FB688F}"/>
-                    </a:ext>
-                  </a:extLst>
-                </p:cNvPr>
-                <p:cNvSpPr/>
-                <p:nvPr/>
-              </p:nvSpPr>
-              <p:spPr>
-                <a:xfrm>
-                  <a:off x="7981169" y="1367426"/>
-                  <a:ext cx="237993" cy="212942"/>
-                </a:xfrm>
-                <a:prstGeom prst="ellipse">
-                  <a:avLst/>
-                </a:prstGeom>
-                <a:solidFill>
-                  <a:schemeClr val="accent2">
-                    <a:alpha val="50000"/>
-                  </a:schemeClr>
-                </a:solidFill>
-                <a:ln w="38100"/>
-              </p:spPr>
-              <p:style>
-                <a:lnRef idx="2">
-                  <a:schemeClr val="accent1">
-                    <a:shade val="50000"/>
-                  </a:schemeClr>
-                </a:lnRef>
-                <a:fillRef idx="1">
-                  <a:schemeClr val="accent1"/>
-                </a:fillRef>
-                <a:effectRef idx="0">
-                  <a:schemeClr val="accent1"/>
-                </a:effectRef>
-                <a:fontRef idx="minor">
-                  <a:schemeClr val="lt1"/>
-                </a:fontRef>
-              </p:style>
-              <p:txBody>
-                <a:bodyPr rtlCol="0" anchor="ctr"/>
-                <a:lstStyle/>
-                <a:p>
-                  <a:pPr algn="ctr"/>
-                  <a:endParaRPr lang="en-US"/>
-                </a:p>
-              </p:txBody>
-            </p:sp>
-            <p:sp>
-              <p:nvSpPr>
-                <p:cNvPr id="66" name="Oval 65">
-                  <a:extLst>
-                    <a:ext uri="{FF2B5EF4-FFF2-40B4-BE49-F238E27FC236}">
-                      <a16:creationId xmlns:a16="http://schemas.microsoft.com/office/drawing/2014/main" id="{BE471AEE-9871-FF44-9441-B911192C11FA}"/>
-                    </a:ext>
-                  </a:extLst>
-                </p:cNvPr>
-                <p:cNvSpPr/>
-                <p:nvPr/>
-              </p:nvSpPr>
-              <p:spPr>
-                <a:xfrm>
-                  <a:off x="6968648" y="2509383"/>
-                  <a:ext cx="237993" cy="212942"/>
-                </a:xfrm>
-                <a:prstGeom prst="ellipse">
-                  <a:avLst/>
-                </a:prstGeom>
-                <a:solidFill>
-                  <a:schemeClr val="accent2">
-                    <a:alpha val="50000"/>
-                  </a:schemeClr>
-                </a:solidFill>
-                <a:ln w="38100"/>
-              </p:spPr>
-              <p:style>
-                <a:lnRef idx="2">
-                  <a:schemeClr val="accent1">
-                    <a:shade val="50000"/>
-                  </a:schemeClr>
-                </a:lnRef>
-                <a:fillRef idx="1">
-                  <a:schemeClr val="accent1"/>
-                </a:fillRef>
-                <a:effectRef idx="0">
-                  <a:schemeClr val="accent1"/>
-                </a:effectRef>
-                <a:fontRef idx="minor">
-                  <a:schemeClr val="lt1"/>
-                </a:fontRef>
-              </p:style>
-              <p:txBody>
-                <a:bodyPr rtlCol="0" anchor="ctr"/>
-                <a:lstStyle/>
-                <a:p>
-                  <a:pPr algn="ctr"/>
-                  <a:endParaRPr lang="en-US"/>
-                </a:p>
-              </p:txBody>
-            </p:sp>
-            <p:sp>
-              <p:nvSpPr>
-                <p:cNvPr id="67" name="Oval 66">
-                  <a:extLst>
-                    <a:ext uri="{FF2B5EF4-FFF2-40B4-BE49-F238E27FC236}">
-                      <a16:creationId xmlns:a16="http://schemas.microsoft.com/office/drawing/2014/main" id="{6177C102-A19D-874B-99F4-791FCB91BACE}"/>
-                    </a:ext>
-                  </a:extLst>
-                </p:cNvPr>
-                <p:cNvSpPr/>
-                <p:nvPr/>
-              </p:nvSpPr>
-              <p:spPr>
-                <a:xfrm>
-                  <a:off x="8686801" y="1108555"/>
-                  <a:ext cx="237993" cy="212942"/>
-                </a:xfrm>
-                <a:prstGeom prst="ellipse">
-                  <a:avLst/>
-                </a:prstGeom>
-                <a:solidFill>
-                  <a:schemeClr val="accent2">
-                    <a:alpha val="50000"/>
-                  </a:schemeClr>
-                </a:solidFill>
-                <a:ln w="38100"/>
-              </p:spPr>
-              <p:style>
-                <a:lnRef idx="2">
-                  <a:schemeClr val="accent1">
-                    <a:shade val="50000"/>
-                  </a:schemeClr>
-                </a:lnRef>
-                <a:fillRef idx="1">
-                  <a:schemeClr val="accent1"/>
-                </a:fillRef>
-                <a:effectRef idx="0">
-                  <a:schemeClr val="accent1"/>
-                </a:effectRef>
-                <a:fontRef idx="minor">
-                  <a:schemeClr val="lt1"/>
-                </a:fontRef>
-              </p:style>
-              <p:txBody>
-                <a:bodyPr rtlCol="0" anchor="ctr"/>
-                <a:lstStyle/>
-                <a:p>
-                  <a:pPr algn="ctr"/>
-                  <a:endParaRPr lang="en-US"/>
-                </a:p>
-              </p:txBody>
-            </p:sp>
-          </p:grpSp>
-          <p:sp>
-            <p:nvSpPr>
-              <p:cNvPr id="70" name="TextBox 69">
-                <a:extLst>
-                  <a:ext uri="{FF2B5EF4-FFF2-40B4-BE49-F238E27FC236}">
-                    <a16:creationId xmlns:a16="http://schemas.microsoft.com/office/drawing/2014/main" id="{D174B30D-E9C4-7C42-9E6D-8579C5047285}"/>
-                  </a:ext>
-                </a:extLst>
-              </p:cNvPr>
-              <p:cNvSpPr txBox="1"/>
-              <p:nvPr/>
-            </p:nvSpPr>
-            <p:spPr>
-              <a:xfrm>
-                <a:off x="3081404" y="0"/>
-                <a:ext cx="1839863" cy="461665"/>
-              </a:xfrm>
-              <a:prstGeom prst="rect">
-                <a:avLst/>
-              </a:prstGeom>
-              <a:noFill/>
-            </p:spPr>
-            <p:txBody>
-              <a:bodyPr wrap="none" rtlCol="0">
-                <a:spAutoFit/>
-              </a:bodyPr>
-              <a:lstStyle/>
-              <a:p>
-                <a:r>
-                  <a:rPr lang="en-US" sz="2400" dirty="0"/>
-                  <a:t>Low Variance</a:t>
-                </a:r>
-              </a:p>
-            </p:txBody>
-          </p:sp>
-          <p:sp>
-            <p:nvSpPr>
-              <p:cNvPr id="71" name="TextBox 70">
-                <a:extLst>
-                  <a:ext uri="{FF2B5EF4-FFF2-40B4-BE49-F238E27FC236}">
-                    <a16:creationId xmlns:a16="http://schemas.microsoft.com/office/drawing/2014/main" id="{3600EE18-6D4E-B848-8E47-FAFF0063FABD}"/>
-                  </a:ext>
-                </a:extLst>
-              </p:cNvPr>
-              <p:cNvSpPr txBox="1"/>
-              <p:nvPr/>
-            </p:nvSpPr>
-            <p:spPr>
-              <a:xfrm flipH="1">
-                <a:off x="7027726" y="0"/>
-                <a:ext cx="2354268" cy="461665"/>
-              </a:xfrm>
-              <a:prstGeom prst="rect">
-                <a:avLst/>
-              </a:prstGeom>
-              <a:noFill/>
-            </p:spPr>
-            <p:txBody>
-              <a:bodyPr wrap="square" rtlCol="0">
-                <a:spAutoFit/>
-              </a:bodyPr>
-              <a:lstStyle/>
-              <a:p>
-                <a:r>
-                  <a:rPr lang="en-US" sz="2400" dirty="0"/>
-                  <a:t>High Variance</a:t>
-                </a:r>
-              </a:p>
-            </p:txBody>
-          </p:sp>
         </p:grpSp>
+        <p:sp>
+          <p:nvSpPr>
+            <p:cNvPr id="80" name="Oval 79">
+              <a:extLst>
+                <a:ext uri="{FF2B5EF4-FFF2-40B4-BE49-F238E27FC236}">
+                  <a16:creationId xmlns:a16="http://schemas.microsoft.com/office/drawing/2014/main" id="{92D254A6-C630-D548-8C89-B070A81C3FD5}"/>
+                </a:ext>
+              </a:extLst>
+            </p:cNvPr>
+            <p:cNvSpPr/>
+            <p:nvPr/>
+          </p:nvSpPr>
+          <p:spPr>
+            <a:xfrm>
+              <a:off x="3550115" y="5080532"/>
+              <a:ext cx="500513" cy="462012"/>
+            </a:xfrm>
+            <a:prstGeom prst="ellipse">
+              <a:avLst/>
+            </a:prstGeom>
+            <a:noFill/>
+            <a:ln w="38100">
+              <a:solidFill>
+                <a:schemeClr val="tx1"/>
+              </a:solidFill>
+            </a:ln>
+          </p:spPr>
+          <p:style>
+            <a:lnRef idx="2">
+              <a:schemeClr val="accent1">
+                <a:shade val="50000"/>
+              </a:schemeClr>
+            </a:lnRef>
+            <a:fillRef idx="1">
+              <a:schemeClr val="accent1"/>
+            </a:fillRef>
+            <a:effectRef idx="0">
+              <a:schemeClr val="accent1"/>
+            </a:effectRef>
+            <a:fontRef idx="minor">
+              <a:schemeClr val="lt1"/>
+            </a:fontRef>
+          </p:style>
+          <p:txBody>
+            <a:bodyPr rtlCol="0" anchor="ctr"/>
+            <a:lstStyle/>
+            <a:p>
+              <a:pPr algn="ctr"/>
+              <a:endParaRPr lang="en-US"/>
+            </a:p>
+          </p:txBody>
+        </p:sp>
+        <p:sp>
+          <p:nvSpPr>
+            <p:cNvPr id="81" name="5-Point Star 80">
+              <a:extLst>
+                <a:ext uri="{FF2B5EF4-FFF2-40B4-BE49-F238E27FC236}">
+                  <a16:creationId xmlns:a16="http://schemas.microsoft.com/office/drawing/2014/main" id="{58D12278-77BC-1144-9083-0C6394B7CCB8}"/>
+                </a:ext>
+              </a:extLst>
+            </p:cNvPr>
+            <p:cNvSpPr/>
+            <p:nvPr/>
+          </p:nvSpPr>
+          <p:spPr>
+            <a:xfrm>
+              <a:off x="2433586" y="5638799"/>
+              <a:ext cx="481263" cy="442762"/>
+            </a:xfrm>
+            <a:prstGeom prst="star5">
+              <a:avLst/>
+            </a:prstGeom>
+            <a:solidFill>
+              <a:schemeClr val="tx1"/>
+            </a:solidFill>
+          </p:spPr>
+          <p:style>
+            <a:lnRef idx="2">
+              <a:schemeClr val="accent1">
+                <a:shade val="50000"/>
+              </a:schemeClr>
+            </a:lnRef>
+            <a:fillRef idx="1">
+              <a:schemeClr val="accent1"/>
+            </a:fillRef>
+            <a:effectRef idx="0">
+              <a:schemeClr val="accent1"/>
+            </a:effectRef>
+            <a:fontRef idx="minor">
+              <a:schemeClr val="lt1"/>
+            </a:fontRef>
+          </p:style>
+          <p:txBody>
+            <a:bodyPr rtlCol="0" anchor="ctr"/>
+            <a:lstStyle/>
+            <a:p>
+              <a:pPr algn="ctr"/>
+              <a:endParaRPr lang="en-US"/>
+            </a:p>
+          </p:txBody>
+        </p:sp>
+        <p:sp>
+          <p:nvSpPr>
+            <p:cNvPr id="82" name="5-Point Star 81">
+              <a:extLst>
+                <a:ext uri="{FF2B5EF4-FFF2-40B4-BE49-F238E27FC236}">
+                  <a16:creationId xmlns:a16="http://schemas.microsoft.com/office/drawing/2014/main" id="{B43970B1-47A4-7947-A6E0-AFE414BBE63E}"/>
+                </a:ext>
+              </a:extLst>
+            </p:cNvPr>
+            <p:cNvSpPr/>
+            <p:nvPr/>
+          </p:nvSpPr>
+          <p:spPr>
+            <a:xfrm>
+              <a:off x="6484217" y="5569818"/>
+              <a:ext cx="481263" cy="442762"/>
+            </a:xfrm>
+            <a:prstGeom prst="star5">
+              <a:avLst/>
+            </a:prstGeom>
+            <a:solidFill>
+              <a:schemeClr val="tx1"/>
+            </a:solidFill>
+          </p:spPr>
+          <p:style>
+            <a:lnRef idx="2">
+              <a:schemeClr val="accent1">
+                <a:shade val="50000"/>
+              </a:schemeClr>
+            </a:lnRef>
+            <a:fillRef idx="1">
+              <a:schemeClr val="accent1"/>
+            </a:fillRef>
+            <a:effectRef idx="0">
+              <a:schemeClr val="accent1"/>
+            </a:effectRef>
+            <a:fontRef idx="minor">
+              <a:schemeClr val="lt1"/>
+            </a:fontRef>
+          </p:style>
+          <p:txBody>
+            <a:bodyPr rtlCol="0" anchor="ctr"/>
+            <a:lstStyle/>
+            <a:p>
+              <a:pPr algn="ctr"/>
+              <a:endParaRPr lang="en-US"/>
+            </a:p>
+          </p:txBody>
+        </p:sp>
+        <p:sp>
+          <p:nvSpPr>
+            <p:cNvPr id="83" name="Oval 82">
+              <a:extLst>
+                <a:ext uri="{FF2B5EF4-FFF2-40B4-BE49-F238E27FC236}">
+                  <a16:creationId xmlns:a16="http://schemas.microsoft.com/office/drawing/2014/main" id="{AD9F827E-480D-5947-9EEA-530A470FCEED}"/>
+                </a:ext>
+              </a:extLst>
+            </p:cNvPr>
+            <p:cNvSpPr/>
+            <p:nvPr/>
+          </p:nvSpPr>
+          <p:spPr>
+            <a:xfrm>
+              <a:off x="7677749" y="5338809"/>
+              <a:ext cx="500513" cy="462012"/>
+            </a:xfrm>
+            <a:prstGeom prst="ellipse">
+              <a:avLst/>
+            </a:prstGeom>
+            <a:noFill/>
+            <a:ln w="38100">
+              <a:solidFill>
+                <a:schemeClr val="tx1"/>
+              </a:solidFill>
+            </a:ln>
+          </p:spPr>
+          <p:style>
+            <a:lnRef idx="2">
+              <a:schemeClr val="accent1">
+                <a:shade val="50000"/>
+              </a:schemeClr>
+            </a:lnRef>
+            <a:fillRef idx="1">
+              <a:schemeClr val="accent1"/>
+            </a:fillRef>
+            <a:effectRef idx="0">
+              <a:schemeClr val="accent1"/>
+            </a:effectRef>
+            <a:fontRef idx="minor">
+              <a:schemeClr val="lt1"/>
+            </a:fontRef>
+          </p:style>
+          <p:txBody>
+            <a:bodyPr rtlCol="0" anchor="ctr"/>
+            <a:lstStyle/>
+            <a:p>
+              <a:pPr algn="ctr"/>
+              <a:endParaRPr lang="en-US"/>
+            </a:p>
+          </p:txBody>
+        </p:sp>
       </p:grpSp>
     </p:spTree>
     <p:extLst>
